--- a/session2/snakemake_2.pptx
+++ b/session2/snakemake_2.pptx
@@ -7,17 +7,15 @@
   <p:sldIdLst>
     <p:sldId id="256" r:id="rId2"/>
     <p:sldId id="265" r:id="rId3"/>
-    <p:sldId id="257" r:id="rId4"/>
-    <p:sldId id="269" r:id="rId5"/>
-    <p:sldId id="273" r:id="rId6"/>
-    <p:sldId id="274" r:id="rId7"/>
-    <p:sldId id="259" r:id="rId8"/>
-    <p:sldId id="262" r:id="rId9"/>
-    <p:sldId id="275" r:id="rId10"/>
-    <p:sldId id="270" r:id="rId11"/>
-    <p:sldId id="267" r:id="rId12"/>
-    <p:sldId id="271" r:id="rId13"/>
-    <p:sldId id="272" r:id="rId14"/>
+    <p:sldId id="274" r:id="rId4"/>
+    <p:sldId id="259" r:id="rId5"/>
+    <p:sldId id="262" r:id="rId6"/>
+    <p:sldId id="275" r:id="rId7"/>
+    <p:sldId id="270" r:id="rId8"/>
+    <p:sldId id="267" r:id="rId9"/>
+    <p:sldId id="271" r:id="rId10"/>
+    <p:sldId id="272" r:id="rId11"/>
+    <p:sldId id="276" r:id="rId12"/>
   </p:sldIdLst>
   <p:sldSz cx="12192000" cy="6858000"/>
   <p:notesSz cx="6858000" cy="9144000"/>
@@ -124,6 +122,155 @@
 </p:presentation>
 </file>
 
+<file path=ppt/revisionInfo.xml><?xml version="1.0" encoding="utf-8"?>
+<p1510:revInfo xmlns:a="http://schemas.openxmlformats.org/drawingml/2006/main" xmlns:r="http://schemas.openxmlformats.org/officeDocument/2006/relationships" xmlns:p1510="http://schemas.microsoft.com/office/powerpoint/2015/10/main">
+  <p1510:revLst>
+    <p1510:client id="{D1EEFC1A-3EE5-534E-9931-C541FE3B6F4B}" v="4" dt="2023-10-24T19:29:03.259"/>
+  </p1510:revLst>
+</p1510:revInfo>
+</file>
+
+<file path=ppt/changesInfos/changesInfo1.xml><?xml version="1.0" encoding="utf-8"?>
+<pc:chgInfo xmlns:a="http://schemas.openxmlformats.org/drawingml/2006/main" xmlns:r="http://schemas.openxmlformats.org/officeDocument/2006/relationships" xmlns:ac="http://schemas.microsoft.com/office/drawing/2013/main/command" xmlns:pc="http://schemas.microsoft.com/office/powerpoint/2013/main/command">
+  <pc:docChgLst>
+    <pc:chgData name="Srinivasa Rao" userId="a6b54366-f13d-4292-8bb4-f06c50909b1e" providerId="ADAL" clId="{D1EEFC1A-3EE5-534E-9931-C541FE3B6F4B}"/>
+    <pc:docChg chg="undo custSel addSld delSld modSld">
+      <pc:chgData name="Srinivasa Rao" userId="a6b54366-f13d-4292-8bb4-f06c50909b1e" providerId="ADAL" clId="{D1EEFC1A-3EE5-534E-9931-C541FE3B6F4B}" dt="2023-10-25T08:04:58.260" v="263" actId="27636"/>
+      <pc:docMkLst>
+        <pc:docMk/>
+      </pc:docMkLst>
+      <pc:sldChg chg="delSp modSp add del mod">
+        <pc:chgData name="Srinivasa Rao" userId="a6b54366-f13d-4292-8bb4-f06c50909b1e" providerId="ADAL" clId="{D1EEFC1A-3EE5-534E-9931-C541FE3B6F4B}" dt="2023-10-25T08:04:31.851" v="259" actId="2696"/>
+        <pc:sldMkLst>
+          <pc:docMk/>
+          <pc:sldMk cId="3478346240" sldId="257"/>
+        </pc:sldMkLst>
+        <pc:spChg chg="del mod">
+          <ac:chgData name="Srinivasa Rao" userId="a6b54366-f13d-4292-8bb4-f06c50909b1e" providerId="ADAL" clId="{D1EEFC1A-3EE5-534E-9931-C541FE3B6F4B}" dt="2023-10-25T08:04:25.428" v="258" actId="478"/>
+          <ac:spMkLst>
+            <pc:docMk/>
+            <pc:sldMk cId="3478346240" sldId="257"/>
+            <ac:spMk id="3" creationId="{5402FF5A-70BB-8868-0E65-BAA826E41465}"/>
+          </ac:spMkLst>
+        </pc:spChg>
+      </pc:sldChg>
+      <pc:sldChg chg="addSp modSp del">
+        <pc:chgData name="Srinivasa Rao" userId="a6b54366-f13d-4292-8bb4-f06c50909b1e" providerId="ADAL" clId="{D1EEFC1A-3EE5-534E-9931-C541FE3B6F4B}" dt="2023-10-24T19:28:59.344" v="15" actId="2696"/>
+        <pc:sldMkLst>
+          <pc:docMk/>
+          <pc:sldMk cId="3794065479" sldId="257"/>
+        </pc:sldMkLst>
+        <pc:spChg chg="add mod">
+          <ac:chgData name="Srinivasa Rao" userId="a6b54366-f13d-4292-8bb4-f06c50909b1e" providerId="ADAL" clId="{D1EEFC1A-3EE5-534E-9931-C541FE3B6F4B}" dt="2023-10-24T19:28:32.019" v="12"/>
+          <ac:spMkLst>
+            <pc:docMk/>
+            <pc:sldMk cId="3794065479" sldId="257"/>
+            <ac:spMk id="3" creationId="{5402FF5A-70BB-8868-0E65-BAA826E41465}"/>
+          </ac:spMkLst>
+        </pc:spChg>
+      </pc:sldChg>
+      <pc:sldChg chg="delSp modSp mod">
+        <pc:chgData name="Srinivasa Rao" userId="a6b54366-f13d-4292-8bb4-f06c50909b1e" providerId="ADAL" clId="{D1EEFC1A-3EE5-534E-9931-C541FE3B6F4B}" dt="2023-10-25T08:04:58.260" v="263" actId="27636"/>
+        <pc:sldMkLst>
+          <pc:docMk/>
+          <pc:sldMk cId="2496107508" sldId="265"/>
+        </pc:sldMkLst>
+        <pc:spChg chg="mod">
+          <ac:chgData name="Srinivasa Rao" userId="a6b54366-f13d-4292-8bb4-f06c50909b1e" providerId="ADAL" clId="{D1EEFC1A-3EE5-534E-9931-C541FE3B6F4B}" dt="2023-10-25T08:04:58.260" v="263" actId="27636"/>
+          <ac:spMkLst>
+            <pc:docMk/>
+            <pc:sldMk cId="2496107508" sldId="265"/>
+            <ac:spMk id="3" creationId="{5B2BA047-6C42-4BB2-8843-D8ABA3AD3FFA}"/>
+          </ac:spMkLst>
+        </pc:spChg>
+        <pc:spChg chg="del">
+          <ac:chgData name="Srinivasa Rao" userId="a6b54366-f13d-4292-8bb4-f06c50909b1e" providerId="ADAL" clId="{D1EEFC1A-3EE5-534E-9931-C541FE3B6F4B}" dt="2023-10-24T19:28:27.792" v="11" actId="21"/>
+          <ac:spMkLst>
+            <pc:docMk/>
+            <pc:sldMk cId="2496107508" sldId="265"/>
+            <ac:spMk id="4" creationId="{9BA1EE09-1411-43D7-97A9-90F45E27D6D7}"/>
+          </ac:spMkLst>
+        </pc:spChg>
+      </pc:sldChg>
+      <pc:sldChg chg="del">
+        <pc:chgData name="Srinivasa Rao" userId="a6b54366-f13d-4292-8bb4-f06c50909b1e" providerId="ADAL" clId="{D1EEFC1A-3EE5-534E-9931-C541FE3B6F4B}" dt="2023-10-24T19:28:59.344" v="15" actId="2696"/>
+        <pc:sldMkLst>
+          <pc:docMk/>
+          <pc:sldMk cId="3880157367" sldId="269"/>
+        </pc:sldMkLst>
+      </pc:sldChg>
+      <pc:sldChg chg="add del">
+        <pc:chgData name="Srinivasa Rao" userId="a6b54366-f13d-4292-8bb4-f06c50909b1e" providerId="ADAL" clId="{D1EEFC1A-3EE5-534E-9931-C541FE3B6F4B}" dt="2023-10-25T08:04:31.863" v="260" actId="2696"/>
+        <pc:sldMkLst>
+          <pc:docMk/>
+          <pc:sldMk cId="4211261910" sldId="269"/>
+        </pc:sldMkLst>
+      </pc:sldChg>
+      <pc:sldChg chg="addSp delSp modSp">
+        <pc:chgData name="Srinivasa Rao" userId="a6b54366-f13d-4292-8bb4-f06c50909b1e" providerId="ADAL" clId="{D1EEFC1A-3EE5-534E-9931-C541FE3B6F4B}" dt="2023-10-24T19:28:51.770" v="14"/>
+        <pc:sldMkLst>
+          <pc:docMk/>
+          <pc:sldMk cId="3594722695" sldId="272"/>
+        </pc:sldMkLst>
+        <pc:spChg chg="add del mod">
+          <ac:chgData name="Srinivasa Rao" userId="a6b54366-f13d-4292-8bb4-f06c50909b1e" providerId="ADAL" clId="{D1EEFC1A-3EE5-534E-9931-C541FE3B6F4B}" dt="2023-10-24T19:28:51.770" v="14"/>
+          <ac:spMkLst>
+            <pc:docMk/>
+            <pc:sldMk cId="3594722695" sldId="272"/>
+            <ac:spMk id="4" creationId="{16C50D8E-EEA0-AB16-7266-C6FF17312BB6}"/>
+          </ac:spMkLst>
+        </pc:spChg>
+      </pc:sldChg>
+      <pc:sldChg chg="del">
+        <pc:chgData name="Srinivasa Rao" userId="a6b54366-f13d-4292-8bb4-f06c50909b1e" providerId="ADAL" clId="{D1EEFC1A-3EE5-534E-9931-C541FE3B6F4B}" dt="2023-10-24T19:28:59.344" v="15" actId="2696"/>
+        <pc:sldMkLst>
+          <pc:docMk/>
+          <pc:sldMk cId="878603056" sldId="273"/>
+        </pc:sldMkLst>
+      </pc:sldChg>
+      <pc:sldChg chg="add del">
+        <pc:chgData name="Srinivasa Rao" userId="a6b54366-f13d-4292-8bb4-f06c50909b1e" providerId="ADAL" clId="{D1EEFC1A-3EE5-534E-9931-C541FE3B6F4B}" dt="2023-10-25T08:04:31.870" v="261" actId="2696"/>
+        <pc:sldMkLst>
+          <pc:docMk/>
+          <pc:sldMk cId="2516905229" sldId="273"/>
+        </pc:sldMkLst>
+      </pc:sldChg>
+      <pc:sldChg chg="modSp add mod">
+        <pc:chgData name="Srinivasa Rao" userId="a6b54366-f13d-4292-8bb4-f06c50909b1e" providerId="ADAL" clId="{D1EEFC1A-3EE5-534E-9931-C541FE3B6F4B}" dt="2023-10-24T19:56:03.818" v="256" actId="1076"/>
+        <pc:sldMkLst>
+          <pc:docMk/>
+          <pc:sldMk cId="171270973" sldId="276"/>
+        </pc:sldMkLst>
+        <pc:spChg chg="mod">
+          <ac:chgData name="Srinivasa Rao" userId="a6b54366-f13d-4292-8bb4-f06c50909b1e" providerId="ADAL" clId="{D1EEFC1A-3EE5-534E-9931-C541FE3B6F4B}" dt="2023-10-24T19:53:12.002" v="41" actId="20577"/>
+          <ac:spMkLst>
+            <pc:docMk/>
+            <pc:sldMk cId="171270973" sldId="276"/>
+            <ac:spMk id="2" creationId="{DCF7A54E-BA05-45F6-9C68-2384291899D7}"/>
+          </ac:spMkLst>
+        </pc:spChg>
+        <pc:spChg chg="mod">
+          <ac:chgData name="Srinivasa Rao" userId="a6b54366-f13d-4292-8bb4-f06c50909b1e" providerId="ADAL" clId="{D1EEFC1A-3EE5-534E-9931-C541FE3B6F4B}" dt="2023-10-24T19:55:58.351" v="255" actId="14100"/>
+          <ac:spMkLst>
+            <pc:docMk/>
+            <pc:sldMk cId="171270973" sldId="276"/>
+            <ac:spMk id="3" creationId="{CBD21FCE-F47E-4029-A051-C5B21DF776B3}"/>
+          </ac:spMkLst>
+        </pc:spChg>
+        <pc:spChg chg="mod">
+          <ac:chgData name="Srinivasa Rao" userId="a6b54366-f13d-4292-8bb4-f06c50909b1e" providerId="ADAL" clId="{D1EEFC1A-3EE5-534E-9931-C541FE3B6F4B}" dt="2023-10-24T19:56:03.818" v="256" actId="1076"/>
+          <ac:spMkLst>
+            <pc:docMk/>
+            <pc:sldMk cId="171270973" sldId="276"/>
+            <ac:spMk id="5" creationId="{766BE4C6-73D1-42D3-947B-2D2D64D7079C}"/>
+          </ac:spMkLst>
+        </pc:spChg>
+      </pc:sldChg>
+    </pc:docChg>
+  </pc:docChgLst>
+</pc:chgInfo>
+</file>
+
 <file path=ppt/slideLayouts/slideLayout1.xml><?xml version="1.0" encoding="utf-8"?>
 <p:sldLayout xmlns:a="http://schemas.openxmlformats.org/drawingml/2006/main" xmlns:r="http://schemas.openxmlformats.org/officeDocument/2006/relationships" xmlns:p="http://schemas.openxmlformats.org/presentationml/2006/main" type="title" preserve="1">
   <p:cSld name="Title Slide">
@@ -273,7 +420,7 @@
           <a:p>
             <a:fld id="{3B6262EC-25EB-4809-BB80-44BF7F8BB39D}" type="datetimeFigureOut">
               <a:rPr lang="en-GB" smtClean="0"/>
-              <a:t>17/11/2020</a:t>
+              <a:t>25/10/2023</a:t>
             </a:fld>
             <a:endParaRPr lang="en-GB"/>
           </a:p>
@@ -473,7 +620,7 @@
           <a:p>
             <a:fld id="{3B6262EC-25EB-4809-BB80-44BF7F8BB39D}" type="datetimeFigureOut">
               <a:rPr lang="en-GB" smtClean="0"/>
-              <a:t>17/11/2020</a:t>
+              <a:t>25/10/2023</a:t>
             </a:fld>
             <a:endParaRPr lang="en-GB"/>
           </a:p>
@@ -683,7 +830,7 @@
           <a:p>
             <a:fld id="{3B6262EC-25EB-4809-BB80-44BF7F8BB39D}" type="datetimeFigureOut">
               <a:rPr lang="en-GB" smtClean="0"/>
-              <a:t>17/11/2020</a:t>
+              <a:t>25/10/2023</a:t>
             </a:fld>
             <a:endParaRPr lang="en-GB"/>
           </a:p>
@@ -883,7 +1030,7 @@
           <a:p>
             <a:fld id="{3B6262EC-25EB-4809-BB80-44BF7F8BB39D}" type="datetimeFigureOut">
               <a:rPr lang="en-GB" smtClean="0"/>
-              <a:t>17/11/2020</a:t>
+              <a:t>25/10/2023</a:t>
             </a:fld>
             <a:endParaRPr lang="en-GB"/>
           </a:p>
@@ -1159,7 +1306,7 @@
           <a:p>
             <a:fld id="{3B6262EC-25EB-4809-BB80-44BF7F8BB39D}" type="datetimeFigureOut">
               <a:rPr lang="en-GB" smtClean="0"/>
-              <a:t>17/11/2020</a:t>
+              <a:t>25/10/2023</a:t>
             </a:fld>
             <a:endParaRPr lang="en-GB"/>
           </a:p>
@@ -1427,7 +1574,7 @@
           <a:p>
             <a:fld id="{3B6262EC-25EB-4809-BB80-44BF7F8BB39D}" type="datetimeFigureOut">
               <a:rPr lang="en-GB" smtClean="0"/>
-              <a:t>17/11/2020</a:t>
+              <a:t>25/10/2023</a:t>
             </a:fld>
             <a:endParaRPr lang="en-GB"/>
           </a:p>
@@ -1842,7 +1989,7 @@
           <a:p>
             <a:fld id="{3B6262EC-25EB-4809-BB80-44BF7F8BB39D}" type="datetimeFigureOut">
               <a:rPr lang="en-GB" smtClean="0"/>
-              <a:t>17/11/2020</a:t>
+              <a:t>25/10/2023</a:t>
             </a:fld>
             <a:endParaRPr lang="en-GB"/>
           </a:p>
@@ -1984,7 +2131,7 @@
           <a:p>
             <a:fld id="{3B6262EC-25EB-4809-BB80-44BF7F8BB39D}" type="datetimeFigureOut">
               <a:rPr lang="en-GB" smtClean="0"/>
-              <a:t>17/11/2020</a:t>
+              <a:t>25/10/2023</a:t>
             </a:fld>
             <a:endParaRPr lang="en-GB"/>
           </a:p>
@@ -2097,7 +2244,7 @@
           <a:p>
             <a:fld id="{3B6262EC-25EB-4809-BB80-44BF7F8BB39D}" type="datetimeFigureOut">
               <a:rPr lang="en-GB" smtClean="0"/>
-              <a:t>17/11/2020</a:t>
+              <a:t>25/10/2023</a:t>
             </a:fld>
             <a:endParaRPr lang="en-GB"/>
           </a:p>
@@ -2410,7 +2557,7 @@
           <a:p>
             <a:fld id="{3B6262EC-25EB-4809-BB80-44BF7F8BB39D}" type="datetimeFigureOut">
               <a:rPr lang="en-GB" smtClean="0"/>
-              <a:t>17/11/2020</a:t>
+              <a:t>25/10/2023</a:t>
             </a:fld>
             <a:endParaRPr lang="en-GB"/>
           </a:p>
@@ -2699,7 +2846,7 @@
           <a:p>
             <a:fld id="{3B6262EC-25EB-4809-BB80-44BF7F8BB39D}" type="datetimeFigureOut">
               <a:rPr lang="en-GB" smtClean="0"/>
-              <a:t>17/11/2020</a:t>
+              <a:t>25/10/2023</a:t>
             </a:fld>
             <a:endParaRPr lang="en-GB"/>
           </a:p>
@@ -2942,7 +3089,7 @@
           <a:p>
             <a:fld id="{3B6262EC-25EB-4809-BB80-44BF7F8BB39D}" type="datetimeFigureOut">
               <a:rPr lang="en-GB" smtClean="0"/>
-              <a:t>17/11/2020</a:t>
+              <a:t>25/10/2023</a:t>
             </a:fld>
             <a:endParaRPr lang="en-GB"/>
           </a:p>
@@ -3472,7 +3619,7 @@
         </p:nvSpPr>
         <p:spPr>
           <a:xfrm>
-            <a:off x="838200" y="1142"/>
+            <a:off x="838200" y="1135"/>
             <a:ext cx="10515600" cy="1325563"/>
           </a:xfrm>
         </p:spPr>
@@ -3484,8 +3631,86 @@
           <a:p>
             <a:r>
               <a:rPr lang="en-GB" sz="4000" b="1" dirty="0"/>
-              <a:t>Best of both worlds?</a:t>
-            </a:r>
+              <a:t>Input functions</a:t>
+            </a:r>
+          </a:p>
+        </p:txBody>
+      </p:sp>
+      <p:sp>
+        <p:nvSpPr>
+          <p:cNvPr id="3" name="Content Placeholder 2">
+            <a:extLst>
+              <a:ext uri="{FF2B5EF4-FFF2-40B4-BE49-F238E27FC236}">
+                <a16:creationId xmlns:a16="http://schemas.microsoft.com/office/drawing/2014/main" id="{CBD21FCE-F47E-4029-A051-C5B21DF776B3}"/>
+              </a:ext>
+            </a:extLst>
+          </p:cNvPr>
+          <p:cNvSpPr>
+            <a:spLocks noGrp="1"/>
+          </p:cNvSpPr>
+          <p:nvPr>
+            <p:ph idx="1"/>
+          </p:nvPr>
+        </p:nvSpPr>
+        <p:spPr>
+          <a:xfrm>
+            <a:off x="838200" y="1129681"/>
+            <a:ext cx="10799618" cy="1210847"/>
+          </a:xfrm>
+        </p:spPr>
+        <p:txBody>
+          <a:bodyPr>
+            <a:normAutofit fontScale="92500" lnSpcReduction="10000"/>
+          </a:bodyPr>
+          <a:lstStyle/>
+          <a:p>
+            <a:r>
+              <a:rPr lang="en-GB" sz="2000" dirty="0">
+                <a:cs typeface="Courier New" panose="02070309020205020404" pitchFamily="49" charset="0"/>
+              </a:rPr>
+              <a:t>A function to generate a list of input files</a:t>
+            </a:r>
+          </a:p>
+          <a:p>
+            <a:pPr lvl="1"/>
+            <a:r>
+              <a:rPr lang="en-GB" sz="2000" dirty="0">
+                <a:cs typeface="Courier New" panose="02070309020205020404" pitchFamily="49" charset="0"/>
+              </a:rPr>
+              <a:t>Takes wildcards as argument</a:t>
+            </a:r>
+          </a:p>
+          <a:p>
+            <a:pPr lvl="1"/>
+            <a:r>
+              <a:rPr lang="en-GB" sz="2000" dirty="0">
+                <a:cs typeface="Courier New" panose="02070309020205020404" pitchFamily="49" charset="0"/>
+              </a:rPr>
+              <a:t>Function returns a list or </a:t>
+            </a:r>
+            <a:r>
+              <a:rPr lang="en-GB" sz="2000" dirty="0" err="1">
+                <a:cs typeface="Courier New" panose="02070309020205020404" pitchFamily="49" charset="0"/>
+              </a:rPr>
+              <a:t>dict</a:t>
+            </a:r>
+            <a:endParaRPr lang="en-GB" sz="2000" dirty="0">
+              <a:cs typeface="Courier New" panose="02070309020205020404" pitchFamily="49" charset="0"/>
+            </a:endParaRPr>
+          </a:p>
+          <a:p>
+            <a:pPr lvl="1"/>
+            <a:r>
+              <a:rPr lang="en-GB" sz="2000" dirty="0">
+                <a:cs typeface="Courier New" panose="02070309020205020404" pitchFamily="49" charset="0"/>
+              </a:rPr>
+              <a:t>Can be lambda function</a:t>
+            </a:r>
+          </a:p>
+          <a:p>
+            <a:endParaRPr lang="en-GB" sz="2000" dirty="0">
+              <a:cs typeface="Courier New" panose="02070309020205020404" pitchFamily="49" charset="0"/>
+            </a:endParaRPr>
           </a:p>
         </p:txBody>
       </p:sp>
@@ -3494,7 +3719,7 @@
           <p:cNvPr id="5" name="TextBox 4">
             <a:extLst>
               <a:ext uri="{FF2B5EF4-FFF2-40B4-BE49-F238E27FC236}">
-                <a16:creationId xmlns:a16="http://schemas.microsoft.com/office/drawing/2014/main" id="{00C59421-B456-4C7F-8899-CA33CB118147}"/>
+                <a16:creationId xmlns:a16="http://schemas.microsoft.com/office/drawing/2014/main" id="{766BE4C6-73D1-42D3-947B-2D2D64D7079C}"/>
               </a:ext>
             </a:extLst>
           </p:cNvPr>
@@ -3503,8 +3728,8 @@
         </p:nvSpPr>
         <p:spPr>
           <a:xfrm>
-            <a:off x="838199" y="2188060"/>
-            <a:ext cx="10025543" cy="1200329"/>
+            <a:off x="975219" y="2933416"/>
+            <a:ext cx="8990901" cy="2031325"/>
           </a:xfrm>
           <a:prstGeom prst="rect">
             <a:avLst/>
@@ -3512,228 +3737,173 @@
           <a:noFill/>
         </p:spPr>
         <p:txBody>
-          <a:bodyPr wrap="square" rtlCol="0">
-            <a:spAutoFit/>
-          </a:bodyPr>
-          <a:lstStyle/>
-          <a:p>
-            <a:pPr marL="285750" indent="-285750">
-              <a:buFont typeface="Arial" panose="020B0604020202020204" pitchFamily="34" charset="0"/>
-              <a:buChar char="•"/>
-            </a:pPr>
-            <a:r>
-              <a:rPr lang="en-GB" dirty="0"/>
-              <a:t>Both </a:t>
-            </a:r>
-            <a:r>
-              <a:rPr lang="en-GB" dirty="0" err="1"/>
-              <a:t>Conda</a:t>
-            </a:r>
-            <a:r>
-              <a:rPr lang="en-GB" dirty="0"/>
-              <a:t> and </a:t>
-            </a:r>
-            <a:r>
-              <a:rPr lang="en-GB" dirty="0" err="1"/>
-              <a:t>envmodules</a:t>
-            </a:r>
-            <a:r>
-              <a:rPr lang="en-GB" dirty="0"/>
-              <a:t> can be specified </a:t>
-            </a:r>
-          </a:p>
-          <a:p>
-            <a:pPr marL="742950" lvl="1" indent="-285750">
-              <a:buFont typeface="Arial" panose="020B0604020202020204" pitchFamily="34" charset="0"/>
-              <a:buChar char="•"/>
-            </a:pPr>
-            <a:r>
-              <a:rPr lang="en-GB" dirty="0" err="1"/>
-              <a:t>Envmodules</a:t>
-            </a:r>
-            <a:r>
-              <a:rPr lang="en-GB" dirty="0"/>
-              <a:t> used where specified</a:t>
-            </a:r>
-          </a:p>
-          <a:p>
-            <a:pPr marL="742950" lvl="1" indent="-285750">
-              <a:buFont typeface="Arial" panose="020B0604020202020204" pitchFamily="34" charset="0"/>
-              <a:buChar char="•"/>
-            </a:pPr>
-            <a:r>
-              <a:rPr lang="en-GB" dirty="0" err="1"/>
-              <a:t>conda</a:t>
-            </a:r>
-            <a:r>
-              <a:rPr lang="en-GB" dirty="0"/>
-              <a:t> used when </a:t>
-            </a:r>
-            <a:r>
-              <a:rPr lang="en-GB" dirty="0" err="1"/>
-              <a:t>envmodules</a:t>
-            </a:r>
-            <a:r>
-              <a:rPr lang="en-GB" dirty="0"/>
-              <a:t> not specified</a:t>
-            </a:r>
-          </a:p>
-          <a:p>
-            <a:pPr marL="742950" lvl="1" indent="-285750">
-              <a:buFont typeface="Arial" panose="020B0604020202020204" pitchFamily="34" charset="0"/>
-              <a:buChar char="•"/>
-            </a:pPr>
-            <a:r>
-              <a:rPr lang="en-GB" dirty="0"/>
-              <a:t>Where required, rule-specific settings can be changed to account for </a:t>
-            </a:r>
-            <a:r>
-              <a:rPr lang="en-GB" dirty="0" err="1"/>
-              <a:t>cpu</a:t>
-            </a:r>
-            <a:r>
-              <a:rPr lang="en-GB" dirty="0"/>
-              <a:t> architecture</a:t>
-            </a:r>
-          </a:p>
-        </p:txBody>
-      </p:sp>
-      <p:sp>
-        <p:nvSpPr>
-          <p:cNvPr id="8" name="TextBox 7">
-            <a:extLst>
-              <a:ext uri="{FF2B5EF4-FFF2-40B4-BE49-F238E27FC236}">
-                <a16:creationId xmlns:a16="http://schemas.microsoft.com/office/drawing/2014/main" id="{F0FCBEF5-BC21-4305-85B1-2EEFF302E32B}"/>
-              </a:ext>
-            </a:extLst>
-          </p:cNvPr>
-          <p:cNvSpPr txBox="1"/>
-          <p:nvPr/>
-        </p:nvSpPr>
-        <p:spPr>
-          <a:xfrm>
-            <a:off x="758300" y="1451361"/>
-            <a:ext cx="10747159" cy="646331"/>
-          </a:xfrm>
-          <a:prstGeom prst="rect">
-            <a:avLst/>
-          </a:prstGeom>
-          <a:noFill/>
-        </p:spPr>
-        <p:txBody>
           <a:bodyPr wrap="square">
             <a:spAutoFit/>
           </a:bodyPr>
           <a:lstStyle/>
           <a:p>
             <a:r>
+              <a:rPr lang="en-GB" dirty="0">
+                <a:solidFill>
+                  <a:schemeClr val="bg1"/>
+                </a:solidFill>
+                <a:highlight>
+                  <a:srgbClr val="000000"/>
+                </a:highlight>
+                <a:latin typeface="Courier New" panose="02070309020205020404" pitchFamily="49" charset="0"/>
+                <a:cs typeface="Courier New" panose="02070309020205020404" pitchFamily="49" charset="0"/>
+              </a:rPr>
+              <a:t>def </a:t>
+            </a:r>
+            <a:r>
               <a:rPr lang="en-GB" dirty="0" err="1">
-                <a:highlight>
-                  <a:srgbClr val="C0C0C0"/>
+                <a:solidFill>
+                  <a:schemeClr val="bg1"/>
+                </a:solidFill>
+                <a:highlight>
+                  <a:srgbClr val="000000"/>
                 </a:highlight>
                 <a:latin typeface="Courier New" panose="02070309020205020404" pitchFamily="49" charset="0"/>
                 <a:cs typeface="Courier New" panose="02070309020205020404" pitchFamily="49" charset="0"/>
               </a:rPr>
-              <a:t>snakemake</a:t>
+              <a:t>get_ref</a:t>
             </a:r>
             <a:r>
               <a:rPr lang="en-GB" dirty="0">
-                <a:highlight>
-                  <a:srgbClr val="C0C0C0"/>
+                <a:solidFill>
+                  <a:schemeClr val="bg1"/>
+                </a:solidFill>
+                <a:highlight>
+                  <a:srgbClr val="000000"/>
                 </a:highlight>
                 <a:latin typeface="Courier New" panose="02070309020205020404" pitchFamily="49" charset="0"/>
                 <a:cs typeface="Courier New" panose="02070309020205020404" pitchFamily="49" charset="0"/>
               </a:rPr>
-              <a:t> --</a:t>
+              <a:t>(wildcards):</a:t>
+            </a:r>
+          </a:p>
+          <a:p>
+            <a:r>
+              <a:rPr lang="en-GB" dirty="0">
+                <a:solidFill>
+                  <a:schemeClr val="bg1"/>
+                </a:solidFill>
+                <a:highlight>
+                  <a:srgbClr val="000000"/>
+                </a:highlight>
+                <a:latin typeface="Courier New" panose="02070309020205020404" pitchFamily="49" charset="0"/>
+                <a:cs typeface="Courier New" panose="02070309020205020404" pitchFamily="49" charset="0"/>
+              </a:rPr>
+              <a:t>    if config["REF_VERSION"] == 37:</a:t>
+            </a:r>
+          </a:p>
+          <a:p>
+            <a:r>
+              <a:rPr lang="en-GB" dirty="0">
+                <a:solidFill>
+                  <a:schemeClr val="bg1"/>
+                </a:solidFill>
+                <a:highlight>
+                  <a:srgbClr val="000000"/>
+                </a:highlight>
+                <a:latin typeface="Courier New" panose="02070309020205020404" pitchFamily="49" charset="0"/>
+                <a:cs typeface="Courier New" panose="02070309020205020404" pitchFamily="49" charset="0"/>
+              </a:rPr>
+              <a:t>        return [config["REF37"]]</a:t>
+            </a:r>
+          </a:p>
+          <a:p>
+            <a:r>
+              <a:rPr lang="en-GB" dirty="0">
+                <a:solidFill>
+                  <a:schemeClr val="bg1"/>
+                </a:solidFill>
+                <a:highlight>
+                  <a:srgbClr val="000000"/>
+                </a:highlight>
+                <a:latin typeface="Courier New" panose="02070309020205020404" pitchFamily="49" charset="0"/>
+                <a:cs typeface="Courier New" panose="02070309020205020404" pitchFamily="49" charset="0"/>
+              </a:rPr>
+              <a:t>    </a:t>
             </a:r>
             <a:r>
               <a:rPr lang="en-GB" dirty="0" err="1">
-                <a:highlight>
-                  <a:srgbClr val="C0C0C0"/>
+                <a:solidFill>
+                  <a:schemeClr val="bg1"/>
+                </a:solidFill>
+                <a:highlight>
+                  <a:srgbClr val="000000"/>
                 </a:highlight>
                 <a:latin typeface="Courier New" panose="02070309020205020404" pitchFamily="49" charset="0"/>
                 <a:cs typeface="Courier New" panose="02070309020205020404" pitchFamily="49" charset="0"/>
               </a:rPr>
-              <a:t>snakefile</a:t>
+              <a:t>elif</a:t>
             </a:r>
             <a:r>
               <a:rPr lang="en-GB" dirty="0">
-                <a:highlight>
-                  <a:srgbClr val="C0C0C0"/>
+                <a:solidFill>
+                  <a:schemeClr val="bg1"/>
+                </a:solidFill>
+                <a:highlight>
+                  <a:srgbClr val="000000"/>
                 </a:highlight>
                 <a:latin typeface="Courier New" panose="02070309020205020404" pitchFamily="49" charset="0"/>
                 <a:cs typeface="Courier New" panose="02070309020205020404" pitchFamily="49" charset="0"/>
               </a:rPr>
-              <a:t> </a:t>
-            </a:r>
-            <a:r>
-              <a:rPr lang="en-GB" dirty="0" err="1">
-                <a:highlight>
-                  <a:srgbClr val="C0C0C0"/>
+              <a:t> config["REF_VERSION"] == 38:</a:t>
+            </a:r>
+          </a:p>
+          <a:p>
+            <a:r>
+              <a:rPr lang="en-GB" dirty="0">
+                <a:solidFill>
+                  <a:schemeClr val="bg1"/>
+                </a:solidFill>
+                <a:highlight>
+                  <a:srgbClr val="000000"/>
                 </a:highlight>
                 <a:latin typeface="Courier New" panose="02070309020205020404" pitchFamily="49" charset="0"/>
                 <a:cs typeface="Courier New" panose="02070309020205020404" pitchFamily="49" charset="0"/>
               </a:rPr>
-              <a:t>Snakefile</a:t>
-            </a:r>
+              <a:t>        return [config["REF38"]]</a:t>
+            </a:r>
+          </a:p>
+          <a:p>
             <a:r>
               <a:rPr lang="en-GB" dirty="0">
-                <a:highlight>
-                  <a:srgbClr val="C0C0C0"/>
+                <a:solidFill>
+                  <a:schemeClr val="bg1"/>
+                </a:solidFill>
+                <a:highlight>
+                  <a:srgbClr val="000000"/>
                 </a:highlight>
                 <a:latin typeface="Courier New" panose="02070309020205020404" pitchFamily="49" charset="0"/>
                 <a:cs typeface="Courier New" panose="02070309020205020404" pitchFamily="49" charset="0"/>
               </a:rPr>
-              <a:t> --use-</a:t>
-            </a:r>
-            <a:r>
-              <a:rPr lang="en-GB" dirty="0" err="1">
-                <a:highlight>
-                  <a:srgbClr val="C0C0C0"/>
+              <a:t>    else:</a:t>
+            </a:r>
+          </a:p>
+          <a:p>
+            <a:r>
+              <a:rPr lang="en-GB" dirty="0">
+                <a:solidFill>
+                  <a:schemeClr val="bg1"/>
+                </a:solidFill>
+                <a:highlight>
+                  <a:srgbClr val="000000"/>
                 </a:highlight>
                 <a:latin typeface="Courier New" panose="02070309020205020404" pitchFamily="49" charset="0"/>
                 <a:cs typeface="Courier New" panose="02070309020205020404" pitchFamily="49" charset="0"/>
               </a:rPr>
-              <a:t>conda</a:t>
-            </a:r>
-            <a:r>
-              <a:rPr lang="en-GB" dirty="0">
-                <a:highlight>
-                  <a:srgbClr val="C0C0C0"/>
-                </a:highlight>
-                <a:latin typeface="Courier New" panose="02070309020205020404" pitchFamily="49" charset="0"/>
-                <a:cs typeface="Courier New" panose="02070309020205020404" pitchFamily="49" charset="0"/>
-              </a:rPr>
-              <a:t> --use-</a:t>
-            </a:r>
-            <a:r>
-              <a:rPr lang="en-GB" dirty="0" err="1">
-                <a:highlight>
-                  <a:srgbClr val="C0C0C0"/>
-                </a:highlight>
-                <a:latin typeface="Courier New" panose="02070309020205020404" pitchFamily="49" charset="0"/>
-                <a:cs typeface="Courier New" panose="02070309020205020404" pitchFamily="49" charset="0"/>
-              </a:rPr>
-              <a:t>envmodules</a:t>
-            </a:r>
-            <a:r>
-              <a:rPr lang="en-GB" dirty="0">
-                <a:highlight>
-                  <a:srgbClr val="C0C0C0"/>
-                </a:highlight>
-                <a:latin typeface="Courier New" panose="02070309020205020404" pitchFamily="49" charset="0"/>
-                <a:cs typeface="Courier New" panose="02070309020205020404" pitchFamily="49" charset="0"/>
-              </a:rPr>
-              <a:t> --profile profile/</a:t>
-            </a:r>
-            <a:endParaRPr lang="en-GB" dirty="0"/>
+              <a:t>        print("incorrect value for reference!")</a:t>
+            </a:r>
           </a:p>
         </p:txBody>
       </p:sp>
     </p:spTree>
     <p:extLst>
       <p:ext uri="{BB962C8B-B14F-4D97-AF65-F5344CB8AC3E}">
-        <p14:creationId xmlns:p14="http://schemas.microsoft.com/office/powerpoint/2010/main" val="2921548750"/>
+        <p14:creationId xmlns:p14="http://schemas.microsoft.com/office/powerpoint/2010/main" val="3594722695"/>
       </p:ext>
     </p:extLst>
   </p:cSld>
@@ -3790,7 +3960,7 @@
           <a:p>
             <a:r>
               <a:rPr lang="en-GB" sz="4000" b="1" dirty="0"/>
-              <a:t>Passing input/output/params to scripts - R</a:t>
+              <a:t>Workflow visualisation</a:t>
             </a:r>
           </a:p>
         </p:txBody>
@@ -3814,7 +3984,7 @@
         <p:spPr>
           <a:xfrm>
             <a:off x="838200" y="1129681"/>
-            <a:ext cx="10799618" cy="5288873"/>
+            <a:ext cx="10799618" cy="2007058"/>
           </a:xfrm>
         </p:spPr>
         <p:txBody>
@@ -3824,881 +3994,127 @@
           <a:lstStyle/>
           <a:p>
             <a:r>
-              <a:rPr lang="en-GB" sz="2400" dirty="0">
-                <a:cs typeface="Courier New" panose="02070309020205020404" pitchFamily="49" charset="0"/>
-              </a:rPr>
-              <a:t>R script invoked by </a:t>
-            </a:r>
-            <a:r>
-              <a:rPr lang="en-GB" sz="2400" dirty="0" err="1">
+              <a:rPr lang="en-GB" sz="2000" dirty="0">
+                <a:cs typeface="Courier New" panose="02070309020205020404" pitchFamily="49" charset="0"/>
+              </a:rPr>
+              <a:t>Uses </a:t>
+            </a:r>
+            <a:r>
+              <a:rPr lang="en-GB" sz="2000" dirty="0" err="1">
+                <a:cs typeface="Courier New" panose="02070309020205020404" pitchFamily="49" charset="0"/>
+              </a:rPr>
+              <a:t>graphviz</a:t>
+            </a:r>
+            <a:endParaRPr lang="en-GB" sz="2000" dirty="0">
+              <a:cs typeface="Courier New" panose="02070309020205020404" pitchFamily="49" charset="0"/>
+            </a:endParaRPr>
+          </a:p>
+          <a:p>
+            <a:pPr lvl="1"/>
+            <a:r>
+              <a:rPr lang="en-GB" sz="1600" dirty="0">
+                <a:cs typeface="Courier New" panose="02070309020205020404" pitchFamily="49" charset="0"/>
+              </a:rPr>
+              <a:t>Install in the </a:t>
+            </a:r>
+            <a:r>
+              <a:rPr lang="en-GB" sz="1600" dirty="0" err="1">
                 <a:cs typeface="Courier New" panose="02070309020205020404" pitchFamily="49" charset="0"/>
               </a:rPr>
               <a:t>snakemake</a:t>
             </a:r>
             <a:r>
-              <a:rPr lang="en-GB" sz="2400" dirty="0">
-                <a:cs typeface="Courier New" panose="02070309020205020404" pitchFamily="49" charset="0"/>
-              </a:rPr>
-              <a:t> contains a </a:t>
-            </a:r>
-            <a:r>
-              <a:rPr lang="en-GB" sz="2400" dirty="0" err="1">
-                <a:cs typeface="Courier New" panose="02070309020205020404" pitchFamily="49" charset="0"/>
-              </a:rPr>
-              <a:t>snakemake</a:t>
-            </a:r>
-            <a:r>
-              <a:rPr lang="en-GB" sz="2400" dirty="0">
-                <a:cs typeface="Courier New" panose="02070309020205020404" pitchFamily="49" charset="0"/>
-              </a:rPr>
-              <a:t> S4 object</a:t>
-            </a:r>
-          </a:p>
-          <a:p>
-            <a:r>
-              <a:rPr lang="en-GB" sz="2400" dirty="0">
-                <a:cs typeface="Courier New" panose="02070309020205020404" pitchFamily="49" charset="0"/>
-              </a:rPr>
-              <a:t>Accessed by</a:t>
-            </a:r>
-          </a:p>
-          <a:p>
-            <a:pPr lvl="1"/>
-            <a:r>
-              <a:rPr lang="en-GB" sz="2000" dirty="0" err="1">
-                <a:solidFill>
-                  <a:schemeClr val="bg1"/>
-                </a:solidFill>
-                <a:highlight>
-                  <a:srgbClr val="000000"/>
+              <a:rPr lang="en-GB" sz="1600" dirty="0">
+                <a:cs typeface="Courier New" panose="02070309020205020404" pitchFamily="49" charset="0"/>
+              </a:rPr>
+              <a:t> environment</a:t>
+            </a:r>
+          </a:p>
+          <a:p>
+            <a:pPr marL="457200" lvl="1" indent="0">
+              <a:buNone/>
+            </a:pPr>
+            <a:r>
+              <a:rPr lang="en-GB" sz="1600" dirty="0">
+                <a:highlight>
+                  <a:srgbClr val="C0C0C0"/>
                 </a:highlight>
                 <a:latin typeface="Courier New" panose="02070309020205020404" pitchFamily="49" charset="0"/>
                 <a:cs typeface="Courier New" panose="02070309020205020404" pitchFamily="49" charset="0"/>
               </a:rPr>
-              <a:t>snakemake@input</a:t>
-            </a:r>
-            <a:r>
-              <a:rPr lang="en-GB" sz="2000" dirty="0">
-                <a:solidFill>
-                  <a:schemeClr val="bg1"/>
-                </a:solidFill>
-                <a:highlight>
-                  <a:srgbClr val="000000"/>
+              <a:t>mamba install –c anaconda </a:t>
+            </a:r>
+            <a:r>
+              <a:rPr lang="en-GB" sz="1600" dirty="0" err="1">
+                <a:highlight>
+                  <a:srgbClr val="C0C0C0"/>
                 </a:highlight>
                 <a:latin typeface="Courier New" panose="02070309020205020404" pitchFamily="49" charset="0"/>
                 <a:cs typeface="Courier New" panose="02070309020205020404" pitchFamily="49" charset="0"/>
               </a:rPr>
-              <a:t>    # list</a:t>
-            </a:r>
-          </a:p>
-          <a:p>
-            <a:pPr lvl="1"/>
-            <a:r>
-              <a:rPr lang="en-GB" sz="2000" dirty="0" err="1">
-                <a:solidFill>
-                  <a:schemeClr val="bg1"/>
-                </a:solidFill>
-                <a:highlight>
-                  <a:srgbClr val="000000"/>
-                </a:highlight>
-                <a:latin typeface="Courier New" panose="02070309020205020404" pitchFamily="49" charset="0"/>
-                <a:cs typeface="Courier New" panose="02070309020205020404" pitchFamily="49" charset="0"/>
-              </a:rPr>
-              <a:t>snakemake@output</a:t>
-            </a:r>
-            <a:r>
-              <a:rPr lang="en-GB" sz="2000" dirty="0">
-                <a:solidFill>
-                  <a:schemeClr val="bg1"/>
-                </a:solidFill>
-                <a:highlight>
-                  <a:srgbClr val="000000"/>
-                </a:highlight>
-                <a:latin typeface="Courier New" panose="02070309020205020404" pitchFamily="49" charset="0"/>
-                <a:cs typeface="Courier New" panose="02070309020205020404" pitchFamily="49" charset="0"/>
-              </a:rPr>
-              <a:t>    </a:t>
-            </a:r>
-          </a:p>
-          <a:p>
-            <a:pPr lvl="1"/>
-            <a:r>
-              <a:rPr lang="en-GB" sz="2000" dirty="0" err="1">
-                <a:solidFill>
-                  <a:schemeClr val="bg1"/>
-                </a:solidFill>
-                <a:highlight>
-                  <a:srgbClr val="000000"/>
-                </a:highlight>
-                <a:latin typeface="Courier New" panose="02070309020205020404" pitchFamily="49" charset="0"/>
-                <a:cs typeface="Courier New" panose="02070309020205020404" pitchFamily="49" charset="0"/>
-              </a:rPr>
-              <a:t>snakemake@params</a:t>
-            </a:r>
-            <a:endParaRPr lang="en-GB" sz="2000" dirty="0">
-              <a:solidFill>
-                <a:schemeClr val="bg1"/>
-              </a:solidFill>
+              <a:t>graphviz</a:t>
+            </a:r>
+            <a:endParaRPr lang="en-GB" sz="1600" dirty="0">
               <a:highlight>
-                <a:srgbClr val="000000"/>
+                <a:srgbClr val="C0C0C0"/>
               </a:highlight>
               <a:latin typeface="Courier New" panose="02070309020205020404" pitchFamily="49" charset="0"/>
               <a:cs typeface="Courier New" panose="02070309020205020404" pitchFamily="49" charset="0"/>
             </a:endParaRPr>
           </a:p>
           <a:p>
-            <a:pPr lvl="1"/>
-            <a:r>
-              <a:rPr lang="en-GB" sz="2000" dirty="0" err="1">
-                <a:solidFill>
-                  <a:schemeClr val="bg1"/>
-                </a:solidFill>
-                <a:highlight>
-                  <a:srgbClr val="000000"/>
-                </a:highlight>
-                <a:latin typeface="Courier New" panose="02070309020205020404" pitchFamily="49" charset="0"/>
-                <a:cs typeface="Courier New" panose="02070309020205020404" pitchFamily="49" charset="0"/>
-              </a:rPr>
-              <a:t>snakemake@threads</a:t>
-            </a:r>
-            <a:endParaRPr lang="en-GB" sz="2000" dirty="0">
-              <a:solidFill>
-                <a:schemeClr val="bg1"/>
-              </a:solidFill>
-              <a:highlight>
-                <a:srgbClr val="000000"/>
-              </a:highlight>
-              <a:latin typeface="Courier New" panose="02070309020205020404" pitchFamily="49" charset="0"/>
+            <a:pPr lvl="2"/>
+            <a:endParaRPr lang="en-GB" sz="1200" dirty="0">
               <a:cs typeface="Courier New" panose="02070309020205020404" pitchFamily="49" charset="0"/>
             </a:endParaRPr>
           </a:p>
           <a:p>
-            <a:pPr lvl="1"/>
+            <a:r>
+              <a:rPr lang="en-GB" sz="2000" dirty="0">
+                <a:cs typeface="Courier New" panose="02070309020205020404" pitchFamily="49" charset="0"/>
+              </a:rPr>
+              <a:t>--</a:t>
+            </a:r>
             <a:r>
               <a:rPr lang="en-GB" sz="2000" dirty="0" err="1">
-                <a:solidFill>
-                  <a:schemeClr val="bg1"/>
-                </a:solidFill>
-                <a:highlight>
-                  <a:srgbClr val="000000"/>
-                </a:highlight>
-                <a:latin typeface="Courier New" panose="02070309020205020404" pitchFamily="49" charset="0"/>
-                <a:cs typeface="Courier New" panose="02070309020205020404" pitchFamily="49" charset="0"/>
-              </a:rPr>
-              <a:t>snakemake@config</a:t>
-            </a:r>
-            <a:endParaRPr lang="en-GB" sz="2000" dirty="0">
-              <a:solidFill>
-                <a:schemeClr val="bg1"/>
-              </a:solidFill>
-              <a:highlight>
-                <a:srgbClr val="000000"/>
-              </a:highlight>
-              <a:latin typeface="Courier New" panose="02070309020205020404" pitchFamily="49" charset="0"/>
-              <a:cs typeface="Courier New" panose="02070309020205020404" pitchFamily="49" charset="0"/>
-            </a:endParaRPr>
-          </a:p>
-          <a:p>
-            <a:pPr lvl="1"/>
+                <a:cs typeface="Courier New" panose="02070309020205020404" pitchFamily="49" charset="0"/>
+              </a:rPr>
+              <a:t>dag</a:t>
+            </a:r>
+            <a:r>
+              <a:rPr lang="en-GB" sz="2000" dirty="0">
+                <a:cs typeface="Courier New" panose="02070309020205020404" pitchFamily="49" charset="0"/>
+              </a:rPr>
+              <a:t> option generates a text file that can be read by </a:t>
+            </a:r>
+            <a:r>
+              <a:rPr lang="en-GB" sz="2000" dirty="0" err="1">
+                <a:cs typeface="Courier New" panose="02070309020205020404" pitchFamily="49" charset="0"/>
+              </a:rPr>
+              <a:t>graphviz</a:t>
+            </a:r>
             <a:endParaRPr lang="en-GB" sz="2000" dirty="0">
               <a:cs typeface="Courier New" panose="02070309020205020404" pitchFamily="49" charset="0"/>
             </a:endParaRPr>
           </a:p>
-          <a:p>
-            <a:r>
-              <a:rPr lang="en-GB" sz="2400" dirty="0">
-                <a:cs typeface="Courier New" panose="02070309020205020404" pitchFamily="49" charset="0"/>
-              </a:rPr>
-              <a:t>Example:</a:t>
-            </a:r>
-          </a:p>
-          <a:p>
-            <a:pPr lvl="1"/>
-            <a:r>
-              <a:rPr lang="en-GB" sz="2000" dirty="0" err="1">
-                <a:solidFill>
-                  <a:schemeClr val="bg1"/>
-                </a:solidFill>
-                <a:highlight>
-                  <a:srgbClr val="000000"/>
-                </a:highlight>
-                <a:cs typeface="Courier New" panose="02070309020205020404" pitchFamily="49" charset="0"/>
-              </a:rPr>
-              <a:t>inputfile</a:t>
-            </a:r>
-            <a:r>
-              <a:rPr lang="en-GB" sz="2000" dirty="0">
-                <a:solidFill>
-                  <a:schemeClr val="bg1"/>
-                </a:solidFill>
-                <a:highlight>
-                  <a:srgbClr val="000000"/>
-                </a:highlight>
-                <a:cs typeface="Courier New" panose="02070309020205020404" pitchFamily="49" charset="0"/>
-              </a:rPr>
-              <a:t> &lt;- </a:t>
-            </a:r>
-            <a:r>
-              <a:rPr lang="en-GB" sz="2000" dirty="0" err="1">
-                <a:solidFill>
-                  <a:schemeClr val="bg1"/>
-                </a:solidFill>
-                <a:highlight>
-                  <a:srgbClr val="000000"/>
-                </a:highlight>
-                <a:cs typeface="Courier New" panose="02070309020205020404" pitchFamily="49" charset="0"/>
-              </a:rPr>
-              <a:t>snakemake@input</a:t>
-            </a:r>
-            <a:r>
-              <a:rPr lang="en-GB" sz="2000" dirty="0">
-                <a:solidFill>
-                  <a:schemeClr val="bg1"/>
-                </a:solidFill>
-                <a:highlight>
-                  <a:srgbClr val="000000"/>
-                </a:highlight>
-                <a:cs typeface="Courier New" panose="02070309020205020404" pitchFamily="49" charset="0"/>
-              </a:rPr>
-              <a:t>[[1]]</a:t>
-            </a:r>
-          </a:p>
-          <a:p>
-            <a:pPr lvl="1"/>
-            <a:r>
-              <a:rPr lang="en-GB" sz="2000" dirty="0" err="1">
-                <a:solidFill>
-                  <a:schemeClr val="bg1"/>
-                </a:solidFill>
-                <a:highlight>
-                  <a:srgbClr val="000000"/>
-                </a:highlight>
-                <a:cs typeface="Courier New" panose="02070309020205020404" pitchFamily="49" charset="0"/>
-              </a:rPr>
-              <a:t>gatk_param</a:t>
-            </a:r>
-            <a:r>
-              <a:rPr lang="en-GB" sz="2000" dirty="0">
-                <a:solidFill>
-                  <a:schemeClr val="bg1"/>
-                </a:solidFill>
-                <a:highlight>
-                  <a:srgbClr val="000000"/>
-                </a:highlight>
-                <a:cs typeface="Courier New" panose="02070309020205020404" pitchFamily="49" charset="0"/>
-              </a:rPr>
-              <a:t> &lt;- </a:t>
-            </a:r>
-            <a:r>
-              <a:rPr lang="en-GB" sz="2000" dirty="0" err="1">
-                <a:solidFill>
-                  <a:schemeClr val="bg1"/>
-                </a:solidFill>
-                <a:highlight>
-                  <a:srgbClr val="000000"/>
-                </a:highlight>
-                <a:cs typeface="Courier New" panose="02070309020205020404" pitchFamily="49" charset="0"/>
-              </a:rPr>
-              <a:t>snakemake@params</a:t>
-            </a:r>
-            <a:r>
-              <a:rPr lang="en-GB" sz="2000" dirty="0">
-                <a:solidFill>
-                  <a:schemeClr val="bg1"/>
-                </a:solidFill>
-                <a:highlight>
-                  <a:srgbClr val="000000"/>
-                </a:highlight>
-                <a:cs typeface="Courier New" panose="02070309020205020404" pitchFamily="49" charset="0"/>
-              </a:rPr>
-              <a:t>[[“</a:t>
-            </a:r>
-            <a:r>
-              <a:rPr lang="en-GB" sz="2000" dirty="0" err="1">
-                <a:solidFill>
-                  <a:schemeClr val="bg1"/>
-                </a:solidFill>
-                <a:highlight>
-                  <a:srgbClr val="000000"/>
-                </a:highlight>
-                <a:cs typeface="Courier New" panose="02070309020205020404" pitchFamily="49" charset="0"/>
-              </a:rPr>
-              <a:t>gatk</a:t>
-            </a:r>
-            <a:r>
-              <a:rPr lang="en-GB" sz="2000" dirty="0">
-                <a:solidFill>
-                  <a:schemeClr val="bg1"/>
-                </a:solidFill>
-                <a:highlight>
-                  <a:srgbClr val="000000"/>
-                </a:highlight>
-                <a:cs typeface="Courier New" panose="02070309020205020404" pitchFamily="49" charset="0"/>
-              </a:rPr>
-              <a:t>”]]</a:t>
-            </a:r>
-          </a:p>
-        </p:txBody>
-      </p:sp>
-    </p:spTree>
-    <p:extLst>
-      <p:ext uri="{BB962C8B-B14F-4D97-AF65-F5344CB8AC3E}">
-        <p14:creationId xmlns:p14="http://schemas.microsoft.com/office/powerpoint/2010/main" val="692825558"/>
-      </p:ext>
-    </p:extLst>
-  </p:cSld>
-  <p:clrMapOvr>
-    <a:masterClrMapping/>
-  </p:clrMapOvr>
-</p:sld>
-</file>
-
-<file path=ppt/slides/slide12.xml><?xml version="1.0" encoding="utf-8"?>
-<p:sld xmlns:a="http://schemas.openxmlformats.org/drawingml/2006/main" xmlns:r="http://schemas.openxmlformats.org/officeDocument/2006/relationships" xmlns:p="http://schemas.openxmlformats.org/presentationml/2006/main">
-  <p:cSld>
-    <p:spTree>
-      <p:nvGrpSpPr>
-        <p:cNvPr id="1" name=""/>
-        <p:cNvGrpSpPr/>
-        <p:nvPr/>
-      </p:nvGrpSpPr>
-      <p:grpSpPr>
-        <a:xfrm>
-          <a:off x="0" y="0"/>
-          <a:ext cx="0" cy="0"/>
-          <a:chOff x="0" y="0"/>
-          <a:chExt cx="0" cy="0"/>
-        </a:xfrm>
-      </p:grpSpPr>
-      <p:sp>
-        <p:nvSpPr>
-          <p:cNvPr id="2" name="Title 1">
-            <a:extLst>
-              <a:ext uri="{FF2B5EF4-FFF2-40B4-BE49-F238E27FC236}">
-                <a16:creationId xmlns:a16="http://schemas.microsoft.com/office/drawing/2014/main" id="{DCF7A54E-BA05-45F6-9C68-2384291899D7}"/>
-              </a:ext>
-            </a:extLst>
-          </p:cNvPr>
-          <p:cNvSpPr>
-            <a:spLocks noGrp="1"/>
-          </p:cNvSpPr>
-          <p:nvPr>
-            <p:ph type="title"/>
-          </p:nvPr>
+        </p:txBody>
+      </p:sp>
+      <p:sp>
+        <p:nvSpPr>
+          <p:cNvPr id="5" name="TextBox 4">
+            <a:extLst>
+              <a:ext uri="{FF2B5EF4-FFF2-40B4-BE49-F238E27FC236}">
+                <a16:creationId xmlns:a16="http://schemas.microsoft.com/office/drawing/2014/main" id="{766BE4C6-73D1-42D3-947B-2D2D64D7079C}"/>
+              </a:ext>
+            </a:extLst>
+          </p:cNvPr>
+          <p:cNvSpPr txBox="1"/>
+          <p:nvPr/>
         </p:nvSpPr>
         <p:spPr>
           <a:xfrm>
-            <a:off x="838200" y="1135"/>
-            <a:ext cx="10515600" cy="1325563"/>
-          </a:xfrm>
-        </p:spPr>
-        <p:txBody>
-          <a:bodyPr>
-            <a:normAutofit/>
-          </a:bodyPr>
-          <a:lstStyle/>
-          <a:p>
-            <a:r>
-              <a:rPr lang="en-GB" sz="4000" b="1" dirty="0"/>
-              <a:t>Passing input/output/params to scripts - Python</a:t>
-            </a:r>
-          </a:p>
-        </p:txBody>
-      </p:sp>
-      <p:sp>
-        <p:nvSpPr>
-          <p:cNvPr id="3" name="Content Placeholder 2">
-            <a:extLst>
-              <a:ext uri="{FF2B5EF4-FFF2-40B4-BE49-F238E27FC236}">
-                <a16:creationId xmlns:a16="http://schemas.microsoft.com/office/drawing/2014/main" id="{CBD21FCE-F47E-4029-A051-C5B21DF776B3}"/>
-              </a:ext>
-            </a:extLst>
-          </p:cNvPr>
-          <p:cNvSpPr>
-            <a:spLocks noGrp="1"/>
-          </p:cNvSpPr>
-          <p:nvPr>
-            <p:ph idx="1"/>
-          </p:nvPr>
-        </p:nvSpPr>
-        <p:spPr>
-          <a:xfrm>
-            <a:off x="838200" y="1129681"/>
-            <a:ext cx="10799618" cy="5288873"/>
-          </a:xfrm>
-        </p:spPr>
-        <p:txBody>
-          <a:bodyPr>
-            <a:normAutofit/>
-          </a:bodyPr>
-          <a:lstStyle/>
-          <a:p>
-            <a:r>
-              <a:rPr lang="en-GB" sz="2400" dirty="0">
-                <a:cs typeface="Courier New" panose="02070309020205020404" pitchFamily="49" charset="0"/>
-              </a:rPr>
-              <a:t>Python script invoked by </a:t>
-            </a:r>
-            <a:r>
-              <a:rPr lang="en-GB" sz="2400" dirty="0" err="1">
-                <a:cs typeface="Courier New" panose="02070309020205020404" pitchFamily="49" charset="0"/>
-              </a:rPr>
-              <a:t>snakemake</a:t>
-            </a:r>
-            <a:r>
-              <a:rPr lang="en-GB" sz="2400" dirty="0">
-                <a:cs typeface="Courier New" panose="02070309020205020404" pitchFamily="49" charset="0"/>
-              </a:rPr>
-              <a:t> contains a </a:t>
-            </a:r>
-            <a:r>
-              <a:rPr lang="en-GB" sz="2400" dirty="0" err="1">
-                <a:cs typeface="Courier New" panose="02070309020205020404" pitchFamily="49" charset="0"/>
-              </a:rPr>
-              <a:t>snakemake</a:t>
-            </a:r>
-            <a:r>
-              <a:rPr lang="en-GB" sz="2400" dirty="0">
-                <a:cs typeface="Courier New" panose="02070309020205020404" pitchFamily="49" charset="0"/>
-              </a:rPr>
-              <a:t> object</a:t>
-            </a:r>
-          </a:p>
-          <a:p>
-            <a:r>
-              <a:rPr lang="en-GB" sz="2400" dirty="0">
-                <a:cs typeface="Courier New" panose="02070309020205020404" pitchFamily="49" charset="0"/>
-              </a:rPr>
-              <a:t>Accessed by</a:t>
-            </a:r>
-          </a:p>
-          <a:p>
-            <a:pPr lvl="1"/>
-            <a:r>
-              <a:rPr lang="en-GB" sz="2000" dirty="0" err="1">
-                <a:solidFill>
-                  <a:schemeClr val="bg1"/>
-                </a:solidFill>
-                <a:highlight>
-                  <a:srgbClr val="000000"/>
-                </a:highlight>
-                <a:cs typeface="Courier New" panose="02070309020205020404" pitchFamily="49" charset="0"/>
-              </a:rPr>
-              <a:t>snakemake.input</a:t>
-            </a:r>
-            <a:r>
-              <a:rPr lang="en-GB" sz="2000" dirty="0">
-                <a:solidFill>
-                  <a:schemeClr val="bg1"/>
-                </a:solidFill>
-                <a:highlight>
-                  <a:srgbClr val="000000"/>
-                </a:highlight>
-                <a:cs typeface="Courier New" panose="02070309020205020404" pitchFamily="49" charset="0"/>
-              </a:rPr>
-              <a:t>    # list</a:t>
-            </a:r>
-          </a:p>
-          <a:p>
-            <a:pPr lvl="1"/>
-            <a:r>
-              <a:rPr lang="en-GB" sz="2000" dirty="0" err="1">
-                <a:solidFill>
-                  <a:schemeClr val="bg1"/>
-                </a:solidFill>
-                <a:highlight>
-                  <a:srgbClr val="000000"/>
-                </a:highlight>
-                <a:cs typeface="Courier New" panose="02070309020205020404" pitchFamily="49" charset="0"/>
-              </a:rPr>
-              <a:t>snakemake.output</a:t>
-            </a:r>
-            <a:r>
-              <a:rPr lang="en-GB" sz="2000" dirty="0">
-                <a:solidFill>
-                  <a:schemeClr val="bg1"/>
-                </a:solidFill>
-                <a:highlight>
-                  <a:srgbClr val="000000"/>
-                </a:highlight>
-                <a:cs typeface="Courier New" panose="02070309020205020404" pitchFamily="49" charset="0"/>
-              </a:rPr>
-              <a:t>    </a:t>
-            </a:r>
-          </a:p>
-          <a:p>
-            <a:pPr lvl="1"/>
-            <a:r>
-              <a:rPr lang="en-GB" sz="2000" dirty="0" err="1">
-                <a:solidFill>
-                  <a:schemeClr val="bg1"/>
-                </a:solidFill>
-                <a:highlight>
-                  <a:srgbClr val="000000"/>
-                </a:highlight>
-                <a:cs typeface="Courier New" panose="02070309020205020404" pitchFamily="49" charset="0"/>
-              </a:rPr>
-              <a:t>snakemake.params</a:t>
-            </a:r>
-            <a:endParaRPr lang="en-GB" sz="2000" dirty="0">
-              <a:solidFill>
-                <a:schemeClr val="bg1"/>
-              </a:solidFill>
-              <a:highlight>
-                <a:srgbClr val="000000"/>
-              </a:highlight>
-              <a:cs typeface="Courier New" panose="02070309020205020404" pitchFamily="49" charset="0"/>
-            </a:endParaRPr>
-          </a:p>
-          <a:p>
-            <a:pPr lvl="1"/>
-            <a:r>
-              <a:rPr lang="en-GB" sz="2000" dirty="0" err="1">
-                <a:solidFill>
-                  <a:schemeClr val="bg1"/>
-                </a:solidFill>
-                <a:highlight>
-                  <a:srgbClr val="000000"/>
-                </a:highlight>
-                <a:cs typeface="Courier New" panose="02070309020205020404" pitchFamily="49" charset="0"/>
-              </a:rPr>
-              <a:t>snakemake.threads</a:t>
-            </a:r>
-            <a:endParaRPr lang="en-GB" sz="2000" dirty="0">
-              <a:solidFill>
-                <a:schemeClr val="bg1"/>
-              </a:solidFill>
-              <a:highlight>
-                <a:srgbClr val="000000"/>
-              </a:highlight>
-              <a:cs typeface="Courier New" panose="02070309020205020404" pitchFamily="49" charset="0"/>
-            </a:endParaRPr>
-          </a:p>
-          <a:p>
-            <a:pPr lvl="1"/>
-            <a:r>
-              <a:rPr lang="en-GB" sz="2000" dirty="0" err="1">
-                <a:solidFill>
-                  <a:schemeClr val="bg1"/>
-                </a:solidFill>
-                <a:highlight>
-                  <a:srgbClr val="000000"/>
-                </a:highlight>
-                <a:cs typeface="Courier New" panose="02070309020205020404" pitchFamily="49" charset="0"/>
-              </a:rPr>
-              <a:t>snakemake.config</a:t>
-            </a:r>
-            <a:endParaRPr lang="en-GB" sz="2000" dirty="0">
-              <a:solidFill>
-                <a:schemeClr val="bg1"/>
-              </a:solidFill>
-              <a:highlight>
-                <a:srgbClr val="000000"/>
-              </a:highlight>
-              <a:cs typeface="Courier New" panose="02070309020205020404" pitchFamily="49" charset="0"/>
-            </a:endParaRPr>
-          </a:p>
-          <a:p>
-            <a:pPr lvl="1"/>
-            <a:endParaRPr lang="en-GB" sz="2000" dirty="0">
-              <a:cs typeface="Courier New" panose="02070309020205020404" pitchFamily="49" charset="0"/>
-            </a:endParaRPr>
-          </a:p>
-          <a:p>
-            <a:r>
-              <a:rPr lang="en-GB" sz="2400" dirty="0">
-                <a:cs typeface="Courier New" panose="02070309020205020404" pitchFamily="49" charset="0"/>
-              </a:rPr>
-              <a:t>Example:</a:t>
-            </a:r>
-          </a:p>
-          <a:p>
-            <a:pPr lvl="1"/>
-            <a:r>
-              <a:rPr lang="en-GB" sz="2000" dirty="0" err="1">
-                <a:solidFill>
-                  <a:schemeClr val="bg1"/>
-                </a:solidFill>
-                <a:highlight>
-                  <a:srgbClr val="000000"/>
-                </a:highlight>
-                <a:cs typeface="Courier New" panose="02070309020205020404" pitchFamily="49" charset="0"/>
-              </a:rPr>
-              <a:t>inputfile</a:t>
-            </a:r>
-            <a:r>
-              <a:rPr lang="en-GB" sz="2000" dirty="0">
-                <a:solidFill>
-                  <a:schemeClr val="bg1"/>
-                </a:solidFill>
-                <a:highlight>
-                  <a:srgbClr val="000000"/>
-                </a:highlight>
-                <a:cs typeface="Courier New" panose="02070309020205020404" pitchFamily="49" charset="0"/>
-              </a:rPr>
-              <a:t> = </a:t>
-            </a:r>
-            <a:r>
-              <a:rPr lang="en-GB" sz="2000" dirty="0" err="1">
-                <a:solidFill>
-                  <a:schemeClr val="bg1"/>
-                </a:solidFill>
-                <a:highlight>
-                  <a:srgbClr val="000000"/>
-                </a:highlight>
-                <a:cs typeface="Courier New" panose="02070309020205020404" pitchFamily="49" charset="0"/>
-              </a:rPr>
-              <a:t>snakemake.input</a:t>
-            </a:r>
-            <a:r>
-              <a:rPr lang="en-GB" sz="2000" dirty="0">
-                <a:solidFill>
-                  <a:schemeClr val="bg1"/>
-                </a:solidFill>
-                <a:highlight>
-                  <a:srgbClr val="000000"/>
-                </a:highlight>
-                <a:cs typeface="Courier New" panose="02070309020205020404" pitchFamily="49" charset="0"/>
-              </a:rPr>
-              <a:t>[0]</a:t>
-            </a:r>
-          </a:p>
-          <a:p>
-            <a:pPr lvl="1"/>
-            <a:r>
-              <a:rPr lang="en-GB" sz="2000" dirty="0" err="1">
-                <a:solidFill>
-                  <a:schemeClr val="bg1"/>
-                </a:solidFill>
-                <a:highlight>
-                  <a:srgbClr val="000000"/>
-                </a:highlight>
-                <a:cs typeface="Courier New" panose="02070309020205020404" pitchFamily="49" charset="0"/>
-              </a:rPr>
-              <a:t>gatk_param</a:t>
-            </a:r>
-            <a:r>
-              <a:rPr lang="en-GB" sz="2000" dirty="0">
-                <a:solidFill>
-                  <a:schemeClr val="bg1"/>
-                </a:solidFill>
-                <a:highlight>
-                  <a:srgbClr val="000000"/>
-                </a:highlight>
-                <a:cs typeface="Courier New" panose="02070309020205020404" pitchFamily="49" charset="0"/>
-              </a:rPr>
-              <a:t> = </a:t>
-            </a:r>
-            <a:r>
-              <a:rPr lang="en-GB" sz="2000" dirty="0" err="1">
-                <a:solidFill>
-                  <a:schemeClr val="bg1"/>
-                </a:solidFill>
-                <a:highlight>
-                  <a:srgbClr val="000000"/>
-                </a:highlight>
-                <a:cs typeface="Courier New" panose="02070309020205020404" pitchFamily="49" charset="0"/>
-              </a:rPr>
-              <a:t>snakemake.params</a:t>
-            </a:r>
-            <a:r>
-              <a:rPr lang="en-GB" sz="2000" dirty="0">
-                <a:solidFill>
-                  <a:schemeClr val="bg1"/>
-                </a:solidFill>
-                <a:highlight>
-                  <a:srgbClr val="000000"/>
-                </a:highlight>
-                <a:cs typeface="Courier New" panose="02070309020205020404" pitchFamily="49" charset="0"/>
-              </a:rPr>
-              <a:t>[“</a:t>
-            </a:r>
-            <a:r>
-              <a:rPr lang="en-GB" sz="2000" dirty="0" err="1">
-                <a:solidFill>
-                  <a:schemeClr val="bg1"/>
-                </a:solidFill>
-                <a:highlight>
-                  <a:srgbClr val="000000"/>
-                </a:highlight>
-                <a:cs typeface="Courier New" panose="02070309020205020404" pitchFamily="49" charset="0"/>
-              </a:rPr>
-              <a:t>gatk</a:t>
-            </a:r>
-            <a:r>
-              <a:rPr lang="en-GB" sz="2000" dirty="0">
-                <a:solidFill>
-                  <a:schemeClr val="bg1"/>
-                </a:solidFill>
-                <a:highlight>
-                  <a:srgbClr val="000000"/>
-                </a:highlight>
-                <a:cs typeface="Courier New" panose="02070309020205020404" pitchFamily="49" charset="0"/>
-              </a:rPr>
-              <a:t>”]</a:t>
-            </a:r>
-          </a:p>
-        </p:txBody>
-      </p:sp>
-    </p:spTree>
-    <p:extLst>
-      <p:ext uri="{BB962C8B-B14F-4D97-AF65-F5344CB8AC3E}">
-        <p14:creationId xmlns:p14="http://schemas.microsoft.com/office/powerpoint/2010/main" val="834202506"/>
-      </p:ext>
-    </p:extLst>
-  </p:cSld>
-  <p:clrMapOvr>
-    <a:masterClrMapping/>
-  </p:clrMapOvr>
-</p:sld>
-</file>
-
-<file path=ppt/slides/slide13.xml><?xml version="1.0" encoding="utf-8"?>
-<p:sld xmlns:a="http://schemas.openxmlformats.org/drawingml/2006/main" xmlns:r="http://schemas.openxmlformats.org/officeDocument/2006/relationships" xmlns:p="http://schemas.openxmlformats.org/presentationml/2006/main">
-  <p:cSld>
-    <p:spTree>
-      <p:nvGrpSpPr>
-        <p:cNvPr id="1" name=""/>
-        <p:cNvGrpSpPr/>
-        <p:nvPr/>
-      </p:nvGrpSpPr>
-      <p:grpSpPr>
-        <a:xfrm>
-          <a:off x="0" y="0"/>
-          <a:ext cx="0" cy="0"/>
-          <a:chOff x="0" y="0"/>
-          <a:chExt cx="0" cy="0"/>
-        </a:xfrm>
-      </p:grpSpPr>
-      <p:sp>
-        <p:nvSpPr>
-          <p:cNvPr id="2" name="Title 1">
-            <a:extLst>
-              <a:ext uri="{FF2B5EF4-FFF2-40B4-BE49-F238E27FC236}">
-                <a16:creationId xmlns:a16="http://schemas.microsoft.com/office/drawing/2014/main" id="{DCF7A54E-BA05-45F6-9C68-2384291899D7}"/>
-              </a:ext>
-            </a:extLst>
-          </p:cNvPr>
-          <p:cNvSpPr>
-            <a:spLocks noGrp="1"/>
-          </p:cNvSpPr>
-          <p:nvPr>
-            <p:ph type="title"/>
-          </p:nvPr>
-        </p:nvSpPr>
-        <p:spPr>
-          <a:xfrm>
-            <a:off x="838200" y="1135"/>
-            <a:ext cx="10515600" cy="1325563"/>
-          </a:xfrm>
-        </p:spPr>
-        <p:txBody>
-          <a:bodyPr>
-            <a:normAutofit/>
-          </a:bodyPr>
-          <a:lstStyle/>
-          <a:p>
-            <a:r>
-              <a:rPr lang="en-GB" sz="4000" b="1" dirty="0"/>
-              <a:t>Input functions</a:t>
-            </a:r>
-          </a:p>
-        </p:txBody>
-      </p:sp>
-      <p:sp>
-        <p:nvSpPr>
-          <p:cNvPr id="3" name="Content Placeholder 2">
-            <a:extLst>
-              <a:ext uri="{FF2B5EF4-FFF2-40B4-BE49-F238E27FC236}">
-                <a16:creationId xmlns:a16="http://schemas.microsoft.com/office/drawing/2014/main" id="{CBD21FCE-F47E-4029-A051-C5B21DF776B3}"/>
-              </a:ext>
-            </a:extLst>
-          </p:cNvPr>
-          <p:cNvSpPr>
-            <a:spLocks noGrp="1"/>
-          </p:cNvSpPr>
-          <p:nvPr>
-            <p:ph idx="1"/>
-          </p:nvPr>
-        </p:nvSpPr>
-        <p:spPr>
-          <a:xfrm>
-            <a:off x="838200" y="1129681"/>
-            <a:ext cx="10799618" cy="1210847"/>
-          </a:xfrm>
-        </p:spPr>
-        <p:txBody>
-          <a:bodyPr>
-            <a:normAutofit fontScale="92500" lnSpcReduction="10000"/>
-          </a:bodyPr>
-          <a:lstStyle/>
-          <a:p>
-            <a:r>
-              <a:rPr lang="en-GB" sz="2000" dirty="0">
-                <a:cs typeface="Courier New" panose="02070309020205020404" pitchFamily="49" charset="0"/>
-              </a:rPr>
-              <a:t>A function to generate a list of input files</a:t>
-            </a:r>
-          </a:p>
-          <a:p>
-            <a:pPr lvl="1"/>
-            <a:r>
-              <a:rPr lang="en-GB" sz="2000" dirty="0">
-                <a:cs typeface="Courier New" panose="02070309020205020404" pitchFamily="49" charset="0"/>
-              </a:rPr>
-              <a:t>Takes wildcards as argument</a:t>
-            </a:r>
-          </a:p>
-          <a:p>
-            <a:pPr lvl="1"/>
-            <a:r>
-              <a:rPr lang="en-GB" sz="2000" dirty="0">
-                <a:cs typeface="Courier New" panose="02070309020205020404" pitchFamily="49" charset="0"/>
-              </a:rPr>
-              <a:t>Function returns a list or </a:t>
-            </a:r>
-            <a:r>
-              <a:rPr lang="en-GB" sz="2000" dirty="0" err="1">
-                <a:cs typeface="Courier New" panose="02070309020205020404" pitchFamily="49" charset="0"/>
-              </a:rPr>
-              <a:t>dict</a:t>
-            </a:r>
-            <a:endParaRPr lang="en-GB" sz="2000" dirty="0">
-              <a:cs typeface="Courier New" panose="02070309020205020404" pitchFamily="49" charset="0"/>
-            </a:endParaRPr>
-          </a:p>
-          <a:p>
-            <a:pPr lvl="1"/>
-            <a:r>
-              <a:rPr lang="en-GB" sz="2000" dirty="0">
-                <a:cs typeface="Courier New" panose="02070309020205020404" pitchFamily="49" charset="0"/>
-              </a:rPr>
-              <a:t>Can be lambda function</a:t>
-            </a:r>
-          </a:p>
-          <a:p>
-            <a:endParaRPr lang="en-GB" sz="2000" dirty="0">
-              <a:cs typeface="Courier New" panose="02070309020205020404" pitchFamily="49" charset="0"/>
-            </a:endParaRPr>
-          </a:p>
-        </p:txBody>
-      </p:sp>
-      <p:sp>
-        <p:nvSpPr>
-          <p:cNvPr id="5" name="TextBox 4">
-            <a:extLst>
-              <a:ext uri="{FF2B5EF4-FFF2-40B4-BE49-F238E27FC236}">
-                <a16:creationId xmlns:a16="http://schemas.microsoft.com/office/drawing/2014/main" id="{766BE4C6-73D1-42D3-947B-2D2D64D7079C}"/>
-              </a:ext>
-            </a:extLst>
-          </p:cNvPr>
-          <p:cNvSpPr txBox="1"/>
-          <p:nvPr/>
-        </p:nvSpPr>
-        <p:spPr>
-          <a:xfrm>
-            <a:off x="975219" y="2933416"/>
-            <a:ext cx="8990901" cy="2031325"/>
+            <a:off x="838200" y="2952073"/>
+            <a:ext cx="8990901" cy="369332"/>
           </a:xfrm>
           <a:prstGeom prst="rect">
             <a:avLst/>
@@ -4712,167 +4128,113 @@
           <a:lstStyle/>
           <a:p>
             <a:r>
+              <a:rPr lang="en-GB" dirty="0" err="1">
+                <a:solidFill>
+                  <a:srgbClr val="000000"/>
+                </a:solidFill>
+                <a:effectLst/>
+                <a:highlight>
+                  <a:srgbClr val="C0C0C0"/>
+                </a:highlight>
+                <a:latin typeface="Menlo" panose="020B0609030804020204" pitchFamily="49" charset="0"/>
+              </a:rPr>
+              <a:t>snakemake</a:t>
+            </a:r>
+            <a:r>
               <a:rPr lang="en-GB" dirty="0">
                 <a:solidFill>
-                  <a:schemeClr val="bg1"/>
-                </a:solidFill>
-                <a:highlight>
                   <a:srgbClr val="000000"/>
-                </a:highlight>
-                <a:latin typeface="Courier New" panose="02070309020205020404" pitchFamily="49" charset="0"/>
-                <a:cs typeface="Courier New" panose="02070309020205020404" pitchFamily="49" charset="0"/>
-              </a:rPr>
-              <a:t>def </a:t>
+                </a:solidFill>
+                <a:effectLst/>
+                <a:highlight>
+                  <a:srgbClr val="C0C0C0"/>
+                </a:highlight>
+                <a:latin typeface="Menlo" panose="020B0609030804020204" pitchFamily="49" charset="0"/>
+              </a:rPr>
+              <a:t> --</a:t>
             </a:r>
             <a:r>
               <a:rPr lang="en-GB" dirty="0" err="1">
                 <a:solidFill>
-                  <a:schemeClr val="bg1"/>
-                </a:solidFill>
-                <a:highlight>
                   <a:srgbClr val="000000"/>
-                </a:highlight>
-                <a:latin typeface="Courier New" panose="02070309020205020404" pitchFamily="49" charset="0"/>
-                <a:cs typeface="Courier New" panose="02070309020205020404" pitchFamily="49" charset="0"/>
-              </a:rPr>
-              <a:t>get_ref</a:t>
+                </a:solidFill>
+                <a:effectLst/>
+                <a:highlight>
+                  <a:srgbClr val="C0C0C0"/>
+                </a:highlight>
+                <a:latin typeface="Menlo" panose="020B0609030804020204" pitchFamily="49" charset="0"/>
+              </a:rPr>
+              <a:t>dag</a:t>
             </a:r>
             <a:r>
               <a:rPr lang="en-GB" dirty="0">
                 <a:solidFill>
-                  <a:schemeClr val="bg1"/>
-                </a:solidFill>
-                <a:highlight>
                   <a:srgbClr val="000000"/>
-                </a:highlight>
-                <a:latin typeface="Courier New" panose="02070309020205020404" pitchFamily="49" charset="0"/>
-                <a:cs typeface="Courier New" panose="02070309020205020404" pitchFamily="49" charset="0"/>
-              </a:rPr>
-              <a:t>(wildcards):</a:t>
-            </a:r>
-          </a:p>
-          <a:p>
+                </a:solidFill>
+                <a:effectLst/>
+                <a:highlight>
+                  <a:srgbClr val="C0C0C0"/>
+                </a:highlight>
+                <a:latin typeface="Menlo" panose="020B0609030804020204" pitchFamily="49" charset="0"/>
+              </a:rPr>
+              <a:t> | dot -</a:t>
+            </a:r>
+            <a:r>
+              <a:rPr lang="en-GB" dirty="0" err="1">
+                <a:solidFill>
+                  <a:srgbClr val="000000"/>
+                </a:solidFill>
+                <a:effectLst/>
+                <a:highlight>
+                  <a:srgbClr val="C0C0C0"/>
+                </a:highlight>
+                <a:latin typeface="Menlo" panose="020B0609030804020204" pitchFamily="49" charset="0"/>
+              </a:rPr>
+              <a:t>Tpng</a:t>
+            </a:r>
             <a:r>
               <a:rPr lang="en-GB" dirty="0">
                 <a:solidFill>
-                  <a:schemeClr val="bg1"/>
-                </a:solidFill>
-                <a:highlight>
                   <a:srgbClr val="000000"/>
-                </a:highlight>
-                <a:latin typeface="Courier New" panose="02070309020205020404" pitchFamily="49" charset="0"/>
-                <a:cs typeface="Courier New" panose="02070309020205020404" pitchFamily="49" charset="0"/>
-              </a:rPr>
-              <a:t>    if config["REF_VERSION"] == 37:</a:t>
-            </a:r>
-          </a:p>
-          <a:p>
-            <a:r>
-              <a:rPr lang="en-GB" dirty="0">
-                <a:solidFill>
-                  <a:schemeClr val="bg1"/>
-                </a:solidFill>
-                <a:highlight>
+                </a:solidFill>
+                <a:effectLst/>
+                <a:highlight>
+                  <a:srgbClr val="C0C0C0"/>
+                </a:highlight>
+                <a:latin typeface="Menlo" panose="020B0609030804020204" pitchFamily="49" charset="0"/>
+              </a:rPr>
+              <a:t> &gt; </a:t>
+            </a:r>
+            <a:r>
+              <a:rPr lang="en-GB" dirty="0" err="1">
+                <a:solidFill>
                   <a:srgbClr val="000000"/>
-                </a:highlight>
-                <a:latin typeface="Courier New" panose="02070309020205020404" pitchFamily="49" charset="0"/>
-                <a:cs typeface="Courier New" panose="02070309020205020404" pitchFamily="49" charset="0"/>
-              </a:rPr>
-              <a:t>        return [config["REF37"]]</a:t>
-            </a:r>
-          </a:p>
-          <a:p>
-            <a:r>
-              <a:rPr lang="en-GB" dirty="0">
-                <a:solidFill>
-                  <a:schemeClr val="bg1"/>
-                </a:solidFill>
-                <a:highlight>
-                  <a:srgbClr val="000000"/>
-                </a:highlight>
-                <a:latin typeface="Courier New" panose="02070309020205020404" pitchFamily="49" charset="0"/>
-                <a:cs typeface="Courier New" panose="02070309020205020404" pitchFamily="49" charset="0"/>
-              </a:rPr>
-              <a:t>    </a:t>
-            </a:r>
-            <a:r>
-              <a:rPr lang="en-GB" dirty="0" err="1">
-                <a:solidFill>
-                  <a:schemeClr val="bg1"/>
-                </a:solidFill>
-                <a:highlight>
-                  <a:srgbClr val="000000"/>
-                </a:highlight>
-                <a:latin typeface="Courier New" panose="02070309020205020404" pitchFamily="49" charset="0"/>
-                <a:cs typeface="Courier New" panose="02070309020205020404" pitchFamily="49" charset="0"/>
-              </a:rPr>
-              <a:t>elif</a:t>
-            </a:r>
-            <a:r>
-              <a:rPr lang="en-GB" dirty="0">
-                <a:solidFill>
-                  <a:schemeClr val="bg1"/>
-                </a:solidFill>
-                <a:highlight>
-                  <a:srgbClr val="000000"/>
-                </a:highlight>
-                <a:latin typeface="Courier New" panose="02070309020205020404" pitchFamily="49" charset="0"/>
-                <a:cs typeface="Courier New" panose="02070309020205020404" pitchFamily="49" charset="0"/>
-              </a:rPr>
-              <a:t> config["REF_VERSION"] == 38:</a:t>
-            </a:r>
-          </a:p>
-          <a:p>
-            <a:r>
-              <a:rPr lang="en-GB" dirty="0">
-                <a:solidFill>
-                  <a:schemeClr val="bg1"/>
-                </a:solidFill>
-                <a:highlight>
-                  <a:srgbClr val="000000"/>
-                </a:highlight>
-                <a:latin typeface="Courier New" panose="02070309020205020404" pitchFamily="49" charset="0"/>
-                <a:cs typeface="Courier New" panose="02070309020205020404" pitchFamily="49" charset="0"/>
-              </a:rPr>
-              <a:t>        return [config["REF38"]]</a:t>
-            </a:r>
-          </a:p>
-          <a:p>
-            <a:r>
-              <a:rPr lang="en-GB" dirty="0">
-                <a:solidFill>
-                  <a:schemeClr val="bg1"/>
-                </a:solidFill>
-                <a:highlight>
-                  <a:srgbClr val="000000"/>
-                </a:highlight>
-                <a:latin typeface="Courier New" panose="02070309020205020404" pitchFamily="49" charset="0"/>
-                <a:cs typeface="Courier New" panose="02070309020205020404" pitchFamily="49" charset="0"/>
-              </a:rPr>
-              <a:t>    else:</a:t>
-            </a:r>
-          </a:p>
-          <a:p>
-            <a:r>
-              <a:rPr lang="en-GB" dirty="0">
-                <a:solidFill>
-                  <a:schemeClr val="bg1"/>
-                </a:solidFill>
-                <a:highlight>
-                  <a:srgbClr val="000000"/>
-                </a:highlight>
-                <a:latin typeface="Courier New" panose="02070309020205020404" pitchFamily="49" charset="0"/>
-                <a:cs typeface="Courier New" panose="02070309020205020404" pitchFamily="49" charset="0"/>
-              </a:rPr>
-              <a:t>        print("incorrect value for reference!")</a:t>
-            </a:r>
+                </a:solidFill>
+                <a:effectLst/>
+                <a:highlight>
+                  <a:srgbClr val="C0C0C0"/>
+                </a:highlight>
+                <a:latin typeface="Menlo" panose="020B0609030804020204" pitchFamily="49" charset="0"/>
+              </a:rPr>
+              <a:t>test.png</a:t>
+            </a:r>
+            <a:endParaRPr lang="en-GB" dirty="0">
+              <a:solidFill>
+                <a:srgbClr val="000000"/>
+              </a:solidFill>
+              <a:effectLst/>
+              <a:highlight>
+                <a:srgbClr val="C0C0C0"/>
+              </a:highlight>
+              <a:latin typeface="Menlo" panose="020B0609030804020204" pitchFamily="49" charset="0"/>
+            </a:endParaRPr>
           </a:p>
         </p:txBody>
       </p:sp>
     </p:spTree>
     <p:extLst>
       <p:ext uri="{BB962C8B-B14F-4D97-AF65-F5344CB8AC3E}">
-        <p14:creationId xmlns:p14="http://schemas.microsoft.com/office/powerpoint/2010/main" val="3594722695"/>
+        <p14:creationId xmlns:p14="http://schemas.microsoft.com/office/powerpoint/2010/main" val="171270973"/>
       </p:ext>
     </p:extLst>
   </p:cSld>
@@ -4958,22 +4320,9 @@
         </p:spPr>
         <p:txBody>
           <a:bodyPr>
-            <a:normAutofit fontScale="92500" lnSpcReduction="10000"/>
+            <a:normAutofit/>
           </a:bodyPr>
           <a:lstStyle/>
-          <a:p>
-            <a:r>
-              <a:rPr lang="en-GB" dirty="0"/>
-              <a:t>Running a very simple workflow on the cluster</a:t>
-            </a:r>
-          </a:p>
-          <a:p>
-            <a:pPr lvl="1"/>
-            <a:r>
-              <a:rPr lang="en-GB" dirty="0"/>
-              <a:t>Covers: cluster profiles</a:t>
-            </a:r>
-          </a:p>
           <a:p>
             <a:r>
               <a:rPr lang="en-GB" dirty="0"/>
@@ -5024,8 +4373,13 @@
             <a:pPr lvl="1"/>
             <a:r>
               <a:rPr lang="en-GB" dirty="0"/>
-              <a:t>Covers: custom functions for input/params arguments</a:t>
-            </a:r>
+              <a:t>Covers: custom functions for input/</a:t>
+            </a:r>
+            <a:r>
+              <a:rPr lang="en-GB"/>
+              <a:t>params arguments</a:t>
+            </a:r>
+            <a:endParaRPr lang="en-GB" dirty="0"/>
           </a:p>
         </p:txBody>
       </p:sp>
@@ -5103,173 +4457,6 @@
               </a:rPr>
               <a:t>Terminal commands/arguments</a:t>
             </a:r>
-          </a:p>
-        </p:txBody>
-      </p:sp>
-      <p:sp>
-        <p:nvSpPr>
-          <p:cNvPr id="4" name="TextBox 3">
-            <a:extLst>
-              <a:ext uri="{FF2B5EF4-FFF2-40B4-BE49-F238E27FC236}">
-                <a16:creationId xmlns:a16="http://schemas.microsoft.com/office/drawing/2014/main" id="{9BA1EE09-1411-43D7-97A9-90F45E27D6D7}"/>
-              </a:ext>
-            </a:extLst>
-          </p:cNvPr>
-          <p:cNvSpPr txBox="1"/>
-          <p:nvPr/>
-        </p:nvSpPr>
-        <p:spPr>
-          <a:xfrm>
-            <a:off x="6614324" y="1816827"/>
-            <a:ext cx="5603846" cy="1754326"/>
-          </a:xfrm>
-          <a:prstGeom prst="rect">
-            <a:avLst/>
-          </a:prstGeom>
-          <a:noFill/>
-        </p:spPr>
-        <p:txBody>
-          <a:bodyPr wrap="square" rtlCol="0">
-            <a:spAutoFit/>
-          </a:bodyPr>
-          <a:lstStyle/>
-          <a:p>
-            <a:r>
-              <a:rPr lang="en-GB" b="1" u="sng" dirty="0">
-                <a:highlight>
-                  <a:srgbClr val="00FFFF"/>
-                </a:highlight>
-              </a:rPr>
-              <a:t>Before we start:</a:t>
-            </a:r>
-          </a:p>
-          <a:p>
-            <a:pPr marL="285750" indent="-285750">
-              <a:buFontTx/>
-              <a:buChar char="-"/>
-            </a:pPr>
-            <a:r>
-              <a:rPr lang="en-GB" dirty="0">
-                <a:highlight>
-                  <a:srgbClr val="00FFFF"/>
-                </a:highlight>
-              </a:rPr>
-              <a:t>Install </a:t>
-            </a:r>
-            <a:r>
-              <a:rPr lang="en-GB" dirty="0" err="1">
-                <a:highlight>
-                  <a:srgbClr val="00FFFF"/>
-                </a:highlight>
-              </a:rPr>
-              <a:t>snakemake</a:t>
-            </a:r>
-            <a:r>
-              <a:rPr lang="en-GB" dirty="0">
-                <a:highlight>
-                  <a:srgbClr val="00FFFF"/>
-                </a:highlight>
-              </a:rPr>
-              <a:t> &gt; v5.26 or load module on cluster</a:t>
-            </a:r>
-          </a:p>
-          <a:p>
-            <a:pPr marL="285750" indent="-285750">
-              <a:buFontTx/>
-              <a:buChar char="-"/>
-            </a:pPr>
-            <a:r>
-              <a:rPr lang="en-GB" dirty="0">
-                <a:highlight>
-                  <a:srgbClr val="00FFFF"/>
-                </a:highlight>
-              </a:rPr>
-              <a:t>Clone </a:t>
-            </a:r>
-            <a:r>
-              <a:rPr lang="en-GB" dirty="0" err="1">
-                <a:highlight>
-                  <a:srgbClr val="00FFFF"/>
-                </a:highlight>
-              </a:rPr>
-              <a:t>github</a:t>
-            </a:r>
-            <a:r>
-              <a:rPr lang="en-GB" dirty="0">
-                <a:highlight>
-                  <a:srgbClr val="00FFFF"/>
-                </a:highlight>
-              </a:rPr>
-              <a:t> repo </a:t>
-            </a:r>
-            <a:r>
-              <a:rPr lang="en-GB" dirty="0">
-                <a:highlight>
-                  <a:srgbClr val="00FFFF"/>
-                </a:highlight>
-                <a:hlinkClick r:id="rId2"/>
-              </a:rPr>
-              <a:t>https://github.com/sraorao/snakemake_code_clinic_2</a:t>
-            </a:r>
-            <a:endParaRPr lang="en-GB" dirty="0">
-              <a:highlight>
-                <a:srgbClr val="00FFFF"/>
-              </a:highlight>
-            </a:endParaRPr>
-          </a:p>
-          <a:p>
-            <a:pPr marL="742950" lvl="1" indent="-285750">
-              <a:buFontTx/>
-              <a:buChar char="-"/>
-            </a:pPr>
-            <a:r>
-              <a:rPr lang="en-GB" dirty="0">
-                <a:highlight>
-                  <a:srgbClr val="00FFFF"/>
-                </a:highlight>
-              </a:rPr>
-              <a:t>Change REF37 path in </a:t>
-            </a:r>
-            <a:r>
-              <a:rPr lang="en-GB" dirty="0" err="1">
-                <a:highlight>
-                  <a:srgbClr val="00FFFF"/>
-                </a:highlight>
-              </a:rPr>
-              <a:t>config.yaml</a:t>
-            </a:r>
-            <a:endParaRPr lang="en-GB" dirty="0">
-              <a:highlight>
-                <a:srgbClr val="00FFFF"/>
-              </a:highlight>
-            </a:endParaRPr>
-          </a:p>
-          <a:p>
-            <a:pPr marL="742950" lvl="1" indent="-285750">
-              <a:buFontTx/>
-              <a:buChar char="-"/>
-            </a:pPr>
-            <a:r>
-              <a:rPr lang="en-GB" dirty="0">
-                <a:highlight>
-                  <a:srgbClr val="00FFFF"/>
-                </a:highlight>
-              </a:rPr>
-              <a:t>Change project name in profile/</a:t>
-            </a:r>
-            <a:r>
-              <a:rPr lang="en-GB" dirty="0" err="1">
-                <a:highlight>
-                  <a:srgbClr val="00FFFF"/>
-                </a:highlight>
-              </a:rPr>
-              <a:t>cluster.yaml</a:t>
-            </a:r>
-            <a:endParaRPr lang="en-GB" dirty="0">
-              <a:highlight>
-                <a:srgbClr val="00FFFF"/>
-              </a:highlight>
-            </a:endParaRPr>
           </a:p>
         </p:txBody>
       </p:sp>
@@ -5308,7 +4495,7 @@
           <p:cNvPr id="2" name="Title 1">
             <a:extLst>
               <a:ext uri="{FF2B5EF4-FFF2-40B4-BE49-F238E27FC236}">
-                <a16:creationId xmlns:a16="http://schemas.microsoft.com/office/drawing/2014/main" id="{EAEA7D93-B1D1-4DB6-8D5A-036265238EC3}"/>
+                <a16:creationId xmlns:a16="http://schemas.microsoft.com/office/drawing/2014/main" id="{DCF7A54E-BA05-45F6-9C68-2384291899D7}"/>
               </a:ext>
             </a:extLst>
           </p:cNvPr>
@@ -5321,7 +4508,7 @@
         </p:nvSpPr>
         <p:spPr>
           <a:xfrm>
-            <a:off x="838200" y="1138"/>
+            <a:off x="838200" y="1129"/>
             <a:ext cx="10515600" cy="1325563"/>
           </a:xfrm>
         </p:spPr>
@@ -5333,896 +4520,240 @@
           <a:p>
             <a:r>
               <a:rPr lang="en-GB" sz="4000" b="1" dirty="0"/>
-              <a:t>Running </a:t>
-            </a:r>
-            <a:r>
-              <a:rPr lang="en-GB" sz="4000" b="1" dirty="0" err="1"/>
-              <a:t>snakemake</a:t>
-            </a:r>
-            <a:r>
-              <a:rPr lang="en-GB" sz="4000" b="1" dirty="0"/>
-              <a:t> workflows on the BMRC cluster</a:t>
-            </a:r>
-          </a:p>
-        </p:txBody>
-      </p:sp>
-      <p:sp>
-        <p:nvSpPr>
-          <p:cNvPr id="6" name="Content Placeholder 2">
-            <a:extLst>
-              <a:ext uri="{FF2B5EF4-FFF2-40B4-BE49-F238E27FC236}">
-                <a16:creationId xmlns:a16="http://schemas.microsoft.com/office/drawing/2014/main" id="{DB4E1330-1568-4A05-81F0-96A6DCCAFD39}"/>
-              </a:ext>
-            </a:extLst>
-          </p:cNvPr>
-          <p:cNvSpPr txBox="1">
-            <a:spLocks/>
-          </p:cNvSpPr>
+              <a:t>A simple snakemake rule</a:t>
+            </a:r>
+          </a:p>
+        </p:txBody>
+      </p:sp>
+      <p:sp>
+        <p:nvSpPr>
+          <p:cNvPr id="8" name="TextBox 7">
+            <a:extLst>
+              <a:ext uri="{FF2B5EF4-FFF2-40B4-BE49-F238E27FC236}">
+                <a16:creationId xmlns:a16="http://schemas.microsoft.com/office/drawing/2014/main" id="{32C7E812-CE6F-44B4-9FA7-494980AD4B5E}"/>
+              </a:ext>
+            </a:extLst>
+          </p:cNvPr>
+          <p:cNvSpPr txBox="1"/>
           <p:nvPr/>
         </p:nvSpPr>
         <p:spPr>
           <a:xfrm>
-            <a:off x="838200" y="1050661"/>
-            <a:ext cx="10799618" cy="1735583"/>
-          </a:xfrm>
-          <a:prstGeom prst="rect">
-            <a:avLst/>
-          </a:prstGeom>
-        </p:spPr>
-        <p:txBody>
-          <a:bodyPr vert="horz" lIns="91440" tIns="45720" rIns="91440" bIns="45720" rtlCol="0">
-            <a:normAutofit fontScale="55000" lnSpcReduction="20000"/>
-          </a:bodyPr>
-          <a:lstStyle>
-            <a:lvl1pPr marL="228600" indent="-228600" algn="l" defTabSz="914400" rtl="0" eaLnBrk="1" latinLnBrk="0" hangingPunct="1">
-              <a:lnSpc>
-                <a:spcPct val="90000"/>
-              </a:lnSpc>
-              <a:spcBef>
-                <a:spcPts val="1000"/>
-              </a:spcBef>
-              <a:buFont typeface="Arial" panose="020B0604020202020204" pitchFamily="34" charset="0"/>
-              <a:buChar char="•"/>
-              <a:defRPr sz="2800" kern="1200">
-                <a:solidFill>
-                  <a:schemeClr val="tx1"/>
-                </a:solidFill>
-                <a:latin typeface="+mn-lt"/>
-                <a:ea typeface="+mn-ea"/>
-                <a:cs typeface="+mn-cs"/>
-              </a:defRPr>
-            </a:lvl1pPr>
-            <a:lvl2pPr marL="685800" indent="-228600" algn="l" defTabSz="914400" rtl="0" eaLnBrk="1" latinLnBrk="0" hangingPunct="1">
-              <a:lnSpc>
-                <a:spcPct val="90000"/>
-              </a:lnSpc>
-              <a:spcBef>
-                <a:spcPts val="500"/>
-              </a:spcBef>
-              <a:buFont typeface="Arial" panose="020B0604020202020204" pitchFamily="34" charset="0"/>
-              <a:buChar char="•"/>
-              <a:defRPr sz="2400" kern="1200">
-                <a:solidFill>
-                  <a:schemeClr val="tx1"/>
-                </a:solidFill>
-                <a:latin typeface="+mn-lt"/>
-                <a:ea typeface="+mn-ea"/>
-                <a:cs typeface="+mn-cs"/>
-              </a:defRPr>
-            </a:lvl2pPr>
-            <a:lvl3pPr marL="1143000" indent="-228600" algn="l" defTabSz="914400" rtl="0" eaLnBrk="1" latinLnBrk="0" hangingPunct="1">
-              <a:lnSpc>
-                <a:spcPct val="90000"/>
-              </a:lnSpc>
-              <a:spcBef>
-                <a:spcPts val="500"/>
-              </a:spcBef>
-              <a:buFont typeface="Arial" panose="020B0604020202020204" pitchFamily="34" charset="0"/>
-              <a:buChar char="•"/>
-              <a:defRPr sz="2000" kern="1200">
-                <a:solidFill>
-                  <a:schemeClr val="tx1"/>
-                </a:solidFill>
-                <a:latin typeface="+mn-lt"/>
-                <a:ea typeface="+mn-ea"/>
-                <a:cs typeface="+mn-cs"/>
-              </a:defRPr>
-            </a:lvl3pPr>
-            <a:lvl4pPr marL="1600200" indent="-228600" algn="l" defTabSz="914400" rtl="0" eaLnBrk="1" latinLnBrk="0" hangingPunct="1">
-              <a:lnSpc>
-                <a:spcPct val="90000"/>
-              </a:lnSpc>
-              <a:spcBef>
-                <a:spcPts val="500"/>
-              </a:spcBef>
-              <a:buFont typeface="Arial" panose="020B0604020202020204" pitchFamily="34" charset="0"/>
-              <a:buChar char="•"/>
-              <a:defRPr sz="1800" kern="1200">
-                <a:solidFill>
-                  <a:schemeClr val="tx1"/>
-                </a:solidFill>
-                <a:latin typeface="+mn-lt"/>
-                <a:ea typeface="+mn-ea"/>
-                <a:cs typeface="+mn-cs"/>
-              </a:defRPr>
-            </a:lvl4pPr>
-            <a:lvl5pPr marL="2057400" indent="-228600" algn="l" defTabSz="914400" rtl="0" eaLnBrk="1" latinLnBrk="0" hangingPunct="1">
-              <a:lnSpc>
-                <a:spcPct val="90000"/>
-              </a:lnSpc>
-              <a:spcBef>
-                <a:spcPts val="500"/>
-              </a:spcBef>
-              <a:buFont typeface="Arial" panose="020B0604020202020204" pitchFamily="34" charset="0"/>
-              <a:buChar char="•"/>
-              <a:defRPr sz="1800" kern="1200">
-                <a:solidFill>
-                  <a:schemeClr val="tx1"/>
-                </a:solidFill>
-                <a:latin typeface="+mn-lt"/>
-                <a:ea typeface="+mn-ea"/>
-                <a:cs typeface="+mn-cs"/>
-              </a:defRPr>
-            </a:lvl5pPr>
-            <a:lvl6pPr marL="2514600" indent="-228600" algn="l" defTabSz="914400" rtl="0" eaLnBrk="1" latinLnBrk="0" hangingPunct="1">
-              <a:lnSpc>
-                <a:spcPct val="90000"/>
-              </a:lnSpc>
-              <a:spcBef>
-                <a:spcPts val="500"/>
-              </a:spcBef>
-              <a:buFont typeface="Arial" panose="020B0604020202020204" pitchFamily="34" charset="0"/>
-              <a:buChar char="•"/>
-              <a:defRPr sz="1800" kern="1200">
-                <a:solidFill>
-                  <a:schemeClr val="tx1"/>
-                </a:solidFill>
-                <a:latin typeface="+mn-lt"/>
-                <a:ea typeface="+mn-ea"/>
-                <a:cs typeface="+mn-cs"/>
-              </a:defRPr>
-            </a:lvl6pPr>
-            <a:lvl7pPr marL="2971800" indent="-228600" algn="l" defTabSz="914400" rtl="0" eaLnBrk="1" latinLnBrk="0" hangingPunct="1">
-              <a:lnSpc>
-                <a:spcPct val="90000"/>
-              </a:lnSpc>
-              <a:spcBef>
-                <a:spcPts val="500"/>
-              </a:spcBef>
-              <a:buFont typeface="Arial" panose="020B0604020202020204" pitchFamily="34" charset="0"/>
-              <a:buChar char="•"/>
-              <a:defRPr sz="1800" kern="1200">
-                <a:solidFill>
-                  <a:schemeClr val="tx1"/>
-                </a:solidFill>
-                <a:latin typeface="+mn-lt"/>
-                <a:ea typeface="+mn-ea"/>
-                <a:cs typeface="+mn-cs"/>
-              </a:defRPr>
-            </a:lvl7pPr>
-            <a:lvl8pPr marL="3429000" indent="-228600" algn="l" defTabSz="914400" rtl="0" eaLnBrk="1" latinLnBrk="0" hangingPunct="1">
-              <a:lnSpc>
-                <a:spcPct val="90000"/>
-              </a:lnSpc>
-              <a:spcBef>
-                <a:spcPts val="500"/>
-              </a:spcBef>
-              <a:buFont typeface="Arial" panose="020B0604020202020204" pitchFamily="34" charset="0"/>
-              <a:buChar char="•"/>
-              <a:defRPr sz="1800" kern="1200">
-                <a:solidFill>
-                  <a:schemeClr val="tx1"/>
-                </a:solidFill>
-                <a:latin typeface="+mn-lt"/>
-                <a:ea typeface="+mn-ea"/>
-                <a:cs typeface="+mn-cs"/>
-              </a:defRPr>
-            </a:lvl8pPr>
-            <a:lvl9pPr marL="3886200" indent="-228600" algn="l" defTabSz="914400" rtl="0" eaLnBrk="1" latinLnBrk="0" hangingPunct="1">
-              <a:lnSpc>
-                <a:spcPct val="90000"/>
-              </a:lnSpc>
-              <a:spcBef>
-                <a:spcPts val="500"/>
-              </a:spcBef>
-              <a:buFont typeface="Arial" panose="020B0604020202020204" pitchFamily="34" charset="0"/>
-              <a:buChar char="•"/>
-              <a:defRPr sz="1800" kern="1200">
-                <a:solidFill>
-                  <a:schemeClr val="tx1"/>
-                </a:solidFill>
-                <a:latin typeface="+mn-lt"/>
-                <a:ea typeface="+mn-ea"/>
-                <a:cs typeface="+mn-cs"/>
-              </a:defRPr>
-            </a:lvl9pPr>
-          </a:lstStyle>
-          <a:p>
-            <a:pPr marL="0" indent="0">
-              <a:buFont typeface="Arial" panose="020B0604020202020204" pitchFamily="34" charset="0"/>
-              <a:buNone/>
-            </a:pPr>
-            <a:r>
-              <a:rPr lang="en-GB" dirty="0">
-                <a:highlight>
-                  <a:srgbClr val="C0C0C0"/>
-                </a:highlight>
-                <a:latin typeface="Courier New" panose="02070309020205020404" pitchFamily="49" charset="0"/>
-                <a:cs typeface="Courier New" panose="02070309020205020404" pitchFamily="49" charset="0"/>
-              </a:rPr>
-              <a:t>$ </a:t>
-            </a:r>
-            <a:r>
-              <a:rPr lang="en-GB" dirty="0" err="1">
-                <a:highlight>
-                  <a:srgbClr val="C0C0C0"/>
-                </a:highlight>
-                <a:latin typeface="Courier New" panose="02070309020205020404" pitchFamily="49" charset="0"/>
-                <a:cs typeface="Courier New" panose="02070309020205020404" pitchFamily="49" charset="0"/>
-              </a:rPr>
-              <a:t>snakemake</a:t>
-            </a:r>
-            <a:r>
-              <a:rPr lang="en-GB" dirty="0">
-                <a:highlight>
-                  <a:srgbClr val="C0C0C0"/>
-                </a:highlight>
-                <a:latin typeface="Courier New" panose="02070309020205020404" pitchFamily="49" charset="0"/>
-                <a:cs typeface="Courier New" panose="02070309020205020404" pitchFamily="49" charset="0"/>
-              </a:rPr>
-              <a:t> --max-status-checks-per-second 0.01 \</a:t>
-            </a:r>
-          </a:p>
-          <a:p>
-            <a:pPr marL="0" indent="0">
-              <a:buFont typeface="Arial" panose="020B0604020202020204" pitchFamily="34" charset="0"/>
-              <a:buNone/>
-            </a:pPr>
-            <a:r>
-              <a:rPr lang="en-GB" dirty="0">
-                <a:highlight>
-                  <a:srgbClr val="C0C0C0"/>
-                </a:highlight>
-                <a:latin typeface="Courier New" panose="02070309020205020404" pitchFamily="49" charset="0"/>
-                <a:cs typeface="Courier New" panose="02070309020205020404" pitchFamily="49" charset="0"/>
-              </a:rPr>
-              <a:t>	 --cluster-config </a:t>
-            </a:r>
-            <a:r>
-              <a:rPr lang="en-GB" dirty="0" err="1">
-                <a:highlight>
-                  <a:srgbClr val="C0C0C0"/>
-                </a:highlight>
-                <a:latin typeface="Courier New" panose="02070309020205020404" pitchFamily="49" charset="0"/>
-                <a:cs typeface="Courier New" panose="02070309020205020404" pitchFamily="49" charset="0"/>
-              </a:rPr>
-              <a:t>cluster.json</a:t>
-            </a:r>
-            <a:r>
-              <a:rPr lang="en-GB" dirty="0">
-                <a:highlight>
-                  <a:srgbClr val="C0C0C0"/>
-                </a:highlight>
-                <a:latin typeface="Courier New" panose="02070309020205020404" pitchFamily="49" charset="0"/>
-                <a:cs typeface="Courier New" panose="02070309020205020404" pitchFamily="49" charset="0"/>
-              </a:rPr>
-              <a:t> \</a:t>
-            </a:r>
-          </a:p>
-          <a:p>
-            <a:pPr marL="0" indent="0">
-              <a:buFont typeface="Arial" panose="020B0604020202020204" pitchFamily="34" charset="0"/>
-              <a:buNone/>
-            </a:pPr>
-            <a:r>
-              <a:rPr lang="en-GB" dirty="0">
-                <a:highlight>
-                  <a:srgbClr val="C0C0C0"/>
-                </a:highlight>
-                <a:latin typeface="Courier New" panose="02070309020205020404" pitchFamily="49" charset="0"/>
-                <a:cs typeface="Courier New" panose="02070309020205020404" pitchFamily="49" charset="0"/>
-              </a:rPr>
-              <a:t>	 --cluster “</a:t>
-            </a:r>
-            <a:r>
-              <a:rPr lang="en-GB" dirty="0" err="1">
-                <a:highlight>
-                  <a:srgbClr val="C0C0C0"/>
-                </a:highlight>
-                <a:latin typeface="Courier New" panose="02070309020205020404" pitchFamily="49" charset="0"/>
-                <a:cs typeface="Courier New" panose="02070309020205020404" pitchFamily="49" charset="0"/>
-              </a:rPr>
-              <a:t>qsub</a:t>
-            </a:r>
-            <a:r>
-              <a:rPr lang="en-GB" dirty="0">
-                <a:highlight>
-                  <a:srgbClr val="C0C0C0"/>
-                </a:highlight>
-                <a:latin typeface="Courier New" panose="02070309020205020404" pitchFamily="49" charset="0"/>
-                <a:cs typeface="Courier New" panose="02070309020205020404" pitchFamily="49" charset="0"/>
-              </a:rPr>
-              <a:t> –N {</a:t>
-            </a:r>
-            <a:r>
-              <a:rPr lang="en-GB" dirty="0" err="1">
-                <a:highlight>
-                  <a:srgbClr val="C0C0C0"/>
-                </a:highlight>
-                <a:latin typeface="Courier New" panose="02070309020205020404" pitchFamily="49" charset="0"/>
-                <a:cs typeface="Courier New" panose="02070309020205020404" pitchFamily="49" charset="0"/>
-              </a:rPr>
-              <a:t>cluster.</a:t>
-            </a:r>
-            <a:r>
-              <a:rPr lang="en-GB" dirty="0" err="1">
-                <a:highlight>
-                  <a:srgbClr val="00FF00"/>
-                </a:highlight>
-                <a:latin typeface="Courier New" panose="02070309020205020404" pitchFamily="49" charset="0"/>
-                <a:cs typeface="Courier New" panose="02070309020205020404" pitchFamily="49" charset="0"/>
-              </a:rPr>
-              <a:t>job</a:t>
-            </a:r>
-            <a:r>
-              <a:rPr lang="en-GB" dirty="0">
-                <a:highlight>
-                  <a:srgbClr val="00FF00"/>
-                </a:highlight>
-                <a:latin typeface="Courier New" panose="02070309020205020404" pitchFamily="49" charset="0"/>
-                <a:cs typeface="Courier New" panose="02070309020205020404" pitchFamily="49" charset="0"/>
-              </a:rPr>
-              <a:t>-name</a:t>
-            </a:r>
-            <a:r>
-              <a:rPr lang="en-GB" dirty="0">
-                <a:highlight>
-                  <a:srgbClr val="C0C0C0"/>
-                </a:highlight>
-                <a:latin typeface="Courier New" panose="02070309020205020404" pitchFamily="49" charset="0"/>
-                <a:cs typeface="Courier New" panose="02070309020205020404" pitchFamily="49" charset="0"/>
-              </a:rPr>
-              <a:t>} –o {</a:t>
-            </a:r>
-            <a:r>
-              <a:rPr lang="en-GB" dirty="0" err="1">
-                <a:highlight>
-                  <a:srgbClr val="C0C0C0"/>
-                </a:highlight>
-                <a:latin typeface="Courier New" panose="02070309020205020404" pitchFamily="49" charset="0"/>
-                <a:cs typeface="Courier New" panose="02070309020205020404" pitchFamily="49" charset="0"/>
-              </a:rPr>
-              <a:t>cluster.</a:t>
-            </a:r>
-            <a:r>
-              <a:rPr lang="en-GB" dirty="0" err="1">
-                <a:highlight>
-                  <a:srgbClr val="00FFFF"/>
-                </a:highlight>
-                <a:latin typeface="Courier New" panose="02070309020205020404" pitchFamily="49" charset="0"/>
-                <a:cs typeface="Courier New" panose="02070309020205020404" pitchFamily="49" charset="0"/>
-              </a:rPr>
-              <a:t>output</a:t>
-            </a:r>
-            <a:r>
-              <a:rPr lang="en-GB" dirty="0">
-                <a:highlight>
-                  <a:srgbClr val="C0C0C0"/>
-                </a:highlight>
-                <a:latin typeface="Courier New" panose="02070309020205020404" pitchFamily="49" charset="0"/>
-                <a:cs typeface="Courier New" panose="02070309020205020404" pitchFamily="49" charset="0"/>
-              </a:rPr>
-              <a:t>} –q {</a:t>
-            </a:r>
-            <a:r>
-              <a:rPr lang="en-GB" dirty="0" err="1">
-                <a:highlight>
-                  <a:srgbClr val="C0C0C0"/>
-                </a:highlight>
-                <a:latin typeface="Courier New" panose="02070309020205020404" pitchFamily="49" charset="0"/>
-                <a:cs typeface="Courier New" panose="02070309020205020404" pitchFamily="49" charset="0"/>
-              </a:rPr>
-              <a:t>cluster.</a:t>
-            </a:r>
-            <a:r>
-              <a:rPr lang="en-GB" dirty="0" err="1">
-                <a:highlight>
-                  <a:srgbClr val="FF00FF"/>
-                </a:highlight>
-                <a:latin typeface="Courier New" panose="02070309020205020404" pitchFamily="49" charset="0"/>
-                <a:cs typeface="Courier New" panose="02070309020205020404" pitchFamily="49" charset="0"/>
-              </a:rPr>
-              <a:t>time</a:t>
-            </a:r>
-            <a:r>
-              <a:rPr lang="en-GB" dirty="0">
-                <a:highlight>
-                  <a:srgbClr val="C0C0C0"/>
-                </a:highlight>
-                <a:latin typeface="Courier New" panose="02070309020205020404" pitchFamily="49" charset="0"/>
-                <a:cs typeface="Courier New" panose="02070309020205020404" pitchFamily="49" charset="0"/>
-              </a:rPr>
-              <a:t>} –P {</a:t>
-            </a:r>
-            <a:r>
-              <a:rPr lang="en-GB" dirty="0" err="1">
-                <a:highlight>
-                  <a:srgbClr val="C0C0C0"/>
-                </a:highlight>
-                <a:latin typeface="Courier New" panose="02070309020205020404" pitchFamily="49" charset="0"/>
-                <a:cs typeface="Courier New" panose="02070309020205020404" pitchFamily="49" charset="0"/>
-              </a:rPr>
-              <a:t>cluster.</a:t>
-            </a:r>
-            <a:r>
-              <a:rPr lang="en-GB" dirty="0" err="1">
-                <a:highlight>
-                  <a:srgbClr val="FF0000"/>
-                </a:highlight>
-                <a:latin typeface="Courier New" panose="02070309020205020404" pitchFamily="49" charset="0"/>
-                <a:cs typeface="Courier New" panose="02070309020205020404" pitchFamily="49" charset="0"/>
-              </a:rPr>
-              <a:t>project</a:t>
-            </a:r>
-            <a:r>
-              <a:rPr lang="en-GB" dirty="0">
-                <a:highlight>
-                  <a:srgbClr val="C0C0C0"/>
-                </a:highlight>
-                <a:latin typeface="Courier New" panose="02070309020205020404" pitchFamily="49" charset="0"/>
-                <a:cs typeface="Courier New" panose="02070309020205020404" pitchFamily="49" charset="0"/>
-              </a:rPr>
-              <a:t>} –pe </a:t>
-            </a:r>
-            <a:r>
-              <a:rPr lang="en-GB" dirty="0" err="1">
-                <a:highlight>
-                  <a:srgbClr val="C0C0C0"/>
-                </a:highlight>
-                <a:latin typeface="Courier New" panose="02070309020205020404" pitchFamily="49" charset="0"/>
-                <a:cs typeface="Courier New" panose="02070309020205020404" pitchFamily="49" charset="0"/>
-              </a:rPr>
-              <a:t>shmem</a:t>
-            </a:r>
-            <a:r>
-              <a:rPr lang="en-GB" dirty="0">
-                <a:highlight>
-                  <a:srgbClr val="C0C0C0"/>
-                </a:highlight>
-                <a:latin typeface="Courier New" panose="02070309020205020404" pitchFamily="49" charset="0"/>
-                <a:cs typeface="Courier New" panose="02070309020205020404" pitchFamily="49" charset="0"/>
-              </a:rPr>
-              <a:t> {</a:t>
-            </a:r>
-            <a:r>
-              <a:rPr lang="en-GB" dirty="0" err="1">
-                <a:highlight>
-                  <a:srgbClr val="C0C0C0"/>
-                </a:highlight>
-                <a:latin typeface="Courier New" panose="02070309020205020404" pitchFamily="49" charset="0"/>
-                <a:cs typeface="Courier New" panose="02070309020205020404" pitchFamily="49" charset="0"/>
-              </a:rPr>
-              <a:t>cluster.</a:t>
-            </a:r>
-            <a:r>
-              <a:rPr lang="en-GB" dirty="0" err="1">
-                <a:highlight>
-                  <a:srgbClr val="FFFF00"/>
-                </a:highlight>
-                <a:latin typeface="Courier New" panose="02070309020205020404" pitchFamily="49" charset="0"/>
-                <a:cs typeface="Courier New" panose="02070309020205020404" pitchFamily="49" charset="0"/>
-              </a:rPr>
-              <a:t>slots</a:t>
-            </a:r>
-            <a:r>
-              <a:rPr lang="en-GB" dirty="0">
-                <a:highlight>
-                  <a:srgbClr val="C0C0C0"/>
-                </a:highlight>
-                <a:latin typeface="Courier New" panose="02070309020205020404" pitchFamily="49" charset="0"/>
-                <a:cs typeface="Courier New" panose="02070309020205020404" pitchFamily="49" charset="0"/>
-              </a:rPr>
-              <a:t>} –j y”</a:t>
-            </a:r>
-            <a:r>
-              <a:rPr lang="en-GB" dirty="0">
-                <a:latin typeface="Courier New" panose="02070309020205020404" pitchFamily="49" charset="0"/>
-                <a:cs typeface="Courier New" panose="02070309020205020404" pitchFamily="49" charset="0"/>
-              </a:rPr>
-              <a:t>	</a:t>
-            </a:r>
-          </a:p>
-          <a:p>
-            <a:pPr marL="0" indent="0">
-              <a:buFont typeface="Arial" panose="020B0604020202020204" pitchFamily="34" charset="0"/>
-              <a:buNone/>
-            </a:pPr>
-            <a:endParaRPr lang="en-GB" dirty="0">
-              <a:latin typeface="Courier New" panose="02070309020205020404" pitchFamily="49" charset="0"/>
-              <a:cs typeface="Courier New" panose="02070309020205020404" pitchFamily="49" charset="0"/>
-            </a:endParaRPr>
-          </a:p>
-          <a:p>
-            <a:pPr marL="0" indent="0">
-              <a:buFont typeface="Arial" panose="020B0604020202020204" pitchFamily="34" charset="0"/>
-              <a:buNone/>
-            </a:pPr>
-            <a:r>
-              <a:rPr lang="en-GB" dirty="0">
-                <a:highlight>
-                  <a:srgbClr val="C0C0C0"/>
-                </a:highlight>
-                <a:latin typeface="Courier New" panose="02070309020205020404" pitchFamily="49" charset="0"/>
-                <a:cs typeface="Courier New" panose="02070309020205020404" pitchFamily="49" charset="0"/>
-              </a:rPr>
-              <a:t>$ cat </a:t>
-            </a:r>
-            <a:r>
-              <a:rPr lang="en-GB" dirty="0" err="1">
-                <a:highlight>
-                  <a:srgbClr val="C0C0C0"/>
-                </a:highlight>
-                <a:latin typeface="Courier New" panose="02070309020205020404" pitchFamily="49" charset="0"/>
-                <a:cs typeface="Courier New" panose="02070309020205020404" pitchFamily="49" charset="0"/>
-              </a:rPr>
-              <a:t>cluster.json</a:t>
-            </a:r>
-            <a:endParaRPr lang="en-GB" dirty="0">
-              <a:highlight>
-                <a:srgbClr val="C0C0C0"/>
-              </a:highlight>
-              <a:latin typeface="Courier New" panose="02070309020205020404" pitchFamily="49" charset="0"/>
-              <a:cs typeface="Courier New" panose="02070309020205020404" pitchFamily="49" charset="0"/>
-            </a:endParaRPr>
-          </a:p>
-        </p:txBody>
-      </p:sp>
-      <p:sp>
-        <p:nvSpPr>
-          <p:cNvPr id="7" name="TextBox 6">
-            <a:extLst>
-              <a:ext uri="{FF2B5EF4-FFF2-40B4-BE49-F238E27FC236}">
-                <a16:creationId xmlns:a16="http://schemas.microsoft.com/office/drawing/2014/main" id="{529E618A-B933-4CC6-AEB1-0136A622FDD6}"/>
-              </a:ext>
-            </a:extLst>
-          </p:cNvPr>
-          <p:cNvSpPr txBox="1"/>
-          <p:nvPr/>
-        </p:nvSpPr>
-        <p:spPr>
-          <a:xfrm>
-            <a:off x="933635" y="2786244"/>
-            <a:ext cx="10324729" cy="2246769"/>
+            <a:off x="758300" y="1451361"/>
+            <a:ext cx="10747159" cy="369332"/>
           </a:xfrm>
           <a:prstGeom prst="rect">
             <a:avLst/>
           </a:prstGeom>
           <a:noFill/>
-          <a:ln>
-            <a:solidFill>
-              <a:schemeClr val="tx1"/>
-            </a:solidFill>
-          </a:ln>
         </p:spPr>
         <p:txBody>
-          <a:bodyPr wrap="square" rtlCol="0">
+          <a:bodyPr wrap="square">
             <a:spAutoFit/>
           </a:bodyPr>
           <a:lstStyle/>
           <a:p>
-            <a:pPr marL="0" indent="0">
-              <a:buFont typeface="Arial" panose="020B0604020202020204" pitchFamily="34" charset="0"/>
-              <a:buNone/>
-            </a:pPr>
-            <a:r>
-              <a:rPr lang="en-GB" sz="1400" dirty="0">
+            <a:r>
+              <a:rPr lang="en-GB" dirty="0" err="1">
+                <a:highlight>
+                  <a:srgbClr val="C0C0C0"/>
+                </a:highlight>
                 <a:latin typeface="Courier New" panose="02070309020205020404" pitchFamily="49" charset="0"/>
                 <a:cs typeface="Courier New" panose="02070309020205020404" pitchFamily="49" charset="0"/>
               </a:rPr>
-              <a:t>{</a:t>
-            </a:r>
-          </a:p>
-          <a:p>
-            <a:pPr marL="0" indent="0">
-              <a:buFont typeface="Arial" panose="020B0604020202020204" pitchFamily="34" charset="0"/>
-              <a:buNone/>
-            </a:pPr>
-            <a:r>
-              <a:rPr lang="en-GB" sz="1400" dirty="0">
+              <a:t>snakemake</a:t>
+            </a:r>
+            <a:r>
+              <a:rPr lang="en-GB" dirty="0">
+                <a:highlight>
+                  <a:srgbClr val="C0C0C0"/>
+                </a:highlight>
                 <a:latin typeface="Courier New" panose="02070309020205020404" pitchFamily="49" charset="0"/>
                 <a:cs typeface="Courier New" panose="02070309020205020404" pitchFamily="49" charset="0"/>
               </a:rPr>
-              <a:t>	“__default__”:</a:t>
-            </a:r>
-          </a:p>
-          <a:p>
-            <a:pPr marL="0" indent="0">
-              <a:buFont typeface="Arial" panose="020B0604020202020204" pitchFamily="34" charset="0"/>
-              <a:buNone/>
-            </a:pPr>
-            <a:r>
-              <a:rPr lang="en-GB" sz="1400" dirty="0">
+              <a:t> --</a:t>
+            </a:r>
+            <a:r>
+              <a:rPr lang="en-GB" dirty="0" err="1">
+                <a:highlight>
+                  <a:srgbClr val="C0C0C0"/>
+                </a:highlight>
                 <a:latin typeface="Courier New" panose="02070309020205020404" pitchFamily="49" charset="0"/>
                 <a:cs typeface="Courier New" panose="02070309020205020404" pitchFamily="49" charset="0"/>
               </a:rPr>
-              <a:t>		{</a:t>
-            </a:r>
-          </a:p>
-          <a:p>
-            <a:pPr marL="0" indent="0">
-              <a:buFont typeface="Arial" panose="020B0604020202020204" pitchFamily="34" charset="0"/>
-              <a:buNone/>
-            </a:pPr>
-            <a:r>
-              <a:rPr lang="en-GB" sz="1400" dirty="0">
+              <a:t>snakefile</a:t>
+            </a:r>
+            <a:r>
+              <a:rPr lang="en-GB" dirty="0">
+                <a:highlight>
+                  <a:srgbClr val="C0C0C0"/>
+                </a:highlight>
                 <a:latin typeface="Courier New" panose="02070309020205020404" pitchFamily="49" charset="0"/>
                 <a:cs typeface="Courier New" panose="02070309020205020404" pitchFamily="49" charset="0"/>
               </a:rPr>
-              <a:t>		“</a:t>
-            </a:r>
-            <a:r>
-              <a:rPr lang="en-GB" sz="1400" dirty="0">
-                <a:highlight>
-                  <a:srgbClr val="FF00FF"/>
+              <a:t> </a:t>
+            </a:r>
+            <a:r>
+              <a:rPr lang="en-GB" dirty="0" err="1">
+                <a:highlight>
+                  <a:srgbClr val="C0C0C0"/>
                 </a:highlight>
                 <a:latin typeface="Courier New" panose="02070309020205020404" pitchFamily="49" charset="0"/>
                 <a:cs typeface="Courier New" panose="02070309020205020404" pitchFamily="49" charset="0"/>
               </a:rPr>
-              <a:t>time</a:t>
-            </a:r>
-            <a:r>
-              <a:rPr lang="en-GB" sz="1400" dirty="0">
+              <a:t>Snakefile_cluster.smk</a:t>
+            </a:r>
+            <a:r>
+              <a:rPr lang="en-GB" dirty="0">
+                <a:highlight>
+                  <a:srgbClr val="C0C0C0"/>
+                </a:highlight>
                 <a:latin typeface="Courier New" panose="02070309020205020404" pitchFamily="49" charset="0"/>
                 <a:cs typeface="Courier New" panose="02070309020205020404" pitchFamily="49" charset="0"/>
               </a:rPr>
-              <a:t>”: “</a:t>
-            </a:r>
-            <a:r>
-              <a:rPr lang="en-GB" sz="1400" dirty="0" err="1">
-                <a:latin typeface="Courier New" panose="02070309020205020404" pitchFamily="49" charset="0"/>
-                <a:cs typeface="Courier New" panose="02070309020205020404" pitchFamily="49" charset="0"/>
-              </a:rPr>
-              <a:t>short.qc</a:t>
-            </a:r>
-            <a:r>
-              <a:rPr lang="en-GB" sz="1400" dirty="0">
-                <a:latin typeface="Courier New" panose="02070309020205020404" pitchFamily="49" charset="0"/>
-                <a:cs typeface="Courier New" panose="02070309020205020404" pitchFamily="49" charset="0"/>
-              </a:rPr>
-              <a:t>”,</a:t>
-            </a:r>
-          </a:p>
-          <a:p>
-            <a:pPr marL="0" indent="0">
-              <a:buFont typeface="Arial" panose="020B0604020202020204" pitchFamily="34" charset="0"/>
-              <a:buNone/>
-            </a:pPr>
-            <a:r>
-              <a:rPr lang="en-GB" sz="1400" dirty="0">
-                <a:latin typeface="Courier New" panose="02070309020205020404" pitchFamily="49" charset="0"/>
-                <a:cs typeface="Courier New" panose="02070309020205020404" pitchFamily="49" charset="0"/>
-              </a:rPr>
-              <a:t>		“</a:t>
-            </a:r>
-            <a:r>
-              <a:rPr lang="en-GB" sz="1400" dirty="0">
-                <a:highlight>
-                  <a:srgbClr val="FFFF00"/>
-                </a:highlight>
-                <a:latin typeface="Courier New" panose="02070309020205020404" pitchFamily="49" charset="0"/>
-                <a:cs typeface="Courier New" panose="02070309020205020404" pitchFamily="49" charset="0"/>
-              </a:rPr>
-              <a:t>slots</a:t>
-            </a:r>
-            <a:r>
-              <a:rPr lang="en-GB" sz="1400" dirty="0">
-                <a:latin typeface="Courier New" panose="02070309020205020404" pitchFamily="49" charset="0"/>
-                <a:cs typeface="Courier New" panose="02070309020205020404" pitchFamily="49" charset="0"/>
-              </a:rPr>
-              <a:t>”: 1,</a:t>
-            </a:r>
-          </a:p>
-          <a:p>
-            <a:pPr marL="0" indent="0">
-              <a:buFont typeface="Arial" panose="020B0604020202020204" pitchFamily="34" charset="0"/>
-              <a:buNone/>
-            </a:pPr>
-            <a:r>
-              <a:rPr lang="en-GB" sz="1400" dirty="0">
-                <a:latin typeface="Courier New" panose="02070309020205020404" pitchFamily="49" charset="0"/>
-                <a:cs typeface="Courier New" panose="02070309020205020404" pitchFamily="49" charset="0"/>
-              </a:rPr>
-              <a:t>		“</a:t>
-            </a:r>
-            <a:r>
-              <a:rPr lang="en-GB" sz="1400" dirty="0">
-                <a:highlight>
-                  <a:srgbClr val="FF0000"/>
-                </a:highlight>
-                <a:latin typeface="Courier New" panose="02070309020205020404" pitchFamily="49" charset="0"/>
-                <a:cs typeface="Courier New" panose="02070309020205020404" pitchFamily="49" charset="0"/>
-              </a:rPr>
-              <a:t>project</a:t>
-            </a:r>
-            <a:r>
-              <a:rPr lang="en-GB" sz="1400" dirty="0">
-                <a:latin typeface="Courier New" panose="02070309020205020404" pitchFamily="49" charset="0"/>
-                <a:cs typeface="Courier New" panose="02070309020205020404" pitchFamily="49" charset="0"/>
-              </a:rPr>
-              <a:t>”: “</a:t>
-            </a:r>
-            <a:r>
-              <a:rPr lang="en-GB" sz="1400" dirty="0" err="1">
-                <a:latin typeface="Courier New" panose="02070309020205020404" pitchFamily="49" charset="0"/>
-                <a:cs typeface="Courier New" panose="02070309020205020404" pitchFamily="49" charset="0"/>
-              </a:rPr>
-              <a:t>project.prjc</a:t>
-            </a:r>
-            <a:r>
-              <a:rPr lang="en-GB" sz="1400" dirty="0">
-                <a:latin typeface="Courier New" panose="02070309020205020404" pitchFamily="49" charset="0"/>
-                <a:cs typeface="Courier New" panose="02070309020205020404" pitchFamily="49" charset="0"/>
-              </a:rPr>
-              <a:t>”,</a:t>
-            </a:r>
-          </a:p>
-          <a:p>
-            <a:pPr marL="0" indent="0">
-              <a:buFont typeface="Arial" panose="020B0604020202020204" pitchFamily="34" charset="0"/>
-              <a:buNone/>
-            </a:pPr>
-            <a:r>
-              <a:rPr lang="en-GB" sz="1400" dirty="0">
-                <a:latin typeface="Courier New" panose="02070309020205020404" pitchFamily="49" charset="0"/>
-                <a:cs typeface="Courier New" panose="02070309020205020404" pitchFamily="49" charset="0"/>
-              </a:rPr>
-              <a:t>		“</a:t>
-            </a:r>
-            <a:r>
-              <a:rPr lang="en-GB" sz="1400" dirty="0">
-                <a:highlight>
-                  <a:srgbClr val="00FFFF"/>
-                </a:highlight>
-                <a:latin typeface="Courier New" panose="02070309020205020404" pitchFamily="49" charset="0"/>
-                <a:cs typeface="Courier New" panose="02070309020205020404" pitchFamily="49" charset="0"/>
-              </a:rPr>
-              <a:t>output</a:t>
-            </a:r>
-            <a:r>
-              <a:rPr lang="en-GB" sz="1400" dirty="0">
-                <a:latin typeface="Courier New" panose="02070309020205020404" pitchFamily="49" charset="0"/>
-                <a:cs typeface="Courier New" panose="02070309020205020404" pitchFamily="49" charset="0"/>
-              </a:rPr>
-              <a:t>”: “path/to/</a:t>
-            </a:r>
-            <a:r>
-              <a:rPr lang="en-GB" sz="1400" dirty="0" err="1">
-                <a:latin typeface="Courier New" panose="02070309020205020404" pitchFamily="49" charset="0"/>
-                <a:cs typeface="Courier New" panose="02070309020205020404" pitchFamily="49" charset="0"/>
-              </a:rPr>
-              <a:t>output_folder</a:t>
-            </a:r>
-            <a:r>
-              <a:rPr lang="en-GB" sz="1400" dirty="0">
-                <a:latin typeface="Courier New" panose="02070309020205020404" pitchFamily="49" charset="0"/>
-                <a:cs typeface="Courier New" panose="02070309020205020404" pitchFamily="49" charset="0"/>
-              </a:rPr>
-              <a:t>/”</a:t>
-            </a:r>
-          </a:p>
-          <a:p>
-            <a:pPr marL="0" indent="0">
-              <a:buFont typeface="Arial" panose="020B0604020202020204" pitchFamily="34" charset="0"/>
-              <a:buNone/>
-            </a:pPr>
-            <a:r>
-              <a:rPr lang="en-GB" sz="1400" dirty="0">
-                <a:latin typeface="Courier New" panose="02070309020205020404" pitchFamily="49" charset="0"/>
-                <a:cs typeface="Courier New" panose="02070309020205020404" pitchFamily="49" charset="0"/>
-              </a:rPr>
-              <a:t>		“</a:t>
-            </a:r>
-            <a:r>
-              <a:rPr lang="en-GB" sz="1400" dirty="0">
-                <a:highlight>
-                  <a:srgbClr val="00FF00"/>
-                </a:highlight>
-                <a:latin typeface="Courier New" panose="02070309020205020404" pitchFamily="49" charset="0"/>
-                <a:cs typeface="Courier New" panose="02070309020205020404" pitchFamily="49" charset="0"/>
-              </a:rPr>
-              <a:t>job-name</a:t>
-            </a:r>
-            <a:r>
-              <a:rPr lang="en-GB" sz="1400" dirty="0">
-                <a:latin typeface="Courier New" panose="02070309020205020404" pitchFamily="49" charset="0"/>
-                <a:cs typeface="Courier New" panose="02070309020205020404" pitchFamily="49" charset="0"/>
-              </a:rPr>
-              <a:t>”: “</a:t>
-            </a:r>
-            <a:r>
-              <a:rPr lang="en-GB" sz="1400" dirty="0" err="1">
-                <a:latin typeface="Courier New" panose="02070309020205020404" pitchFamily="49" charset="0"/>
-                <a:cs typeface="Courier New" panose="02070309020205020404" pitchFamily="49" charset="0"/>
-              </a:rPr>
-              <a:t>default_job</a:t>
-            </a:r>
-            <a:r>
-              <a:rPr lang="en-GB" sz="1400" dirty="0">
-                <a:latin typeface="Courier New" panose="02070309020205020404" pitchFamily="49" charset="0"/>
-                <a:cs typeface="Courier New" panose="02070309020205020404" pitchFamily="49" charset="0"/>
-              </a:rPr>
-              <a:t>”</a:t>
-            </a:r>
-          </a:p>
-          <a:p>
-            <a:pPr marL="0" indent="0">
-              <a:buFont typeface="Arial" panose="020B0604020202020204" pitchFamily="34" charset="0"/>
-              <a:buNone/>
-            </a:pPr>
-            <a:r>
-              <a:rPr lang="en-GB" sz="1400" dirty="0">
-                <a:latin typeface="Courier New" panose="02070309020205020404" pitchFamily="49" charset="0"/>
-                <a:cs typeface="Courier New" panose="02070309020205020404" pitchFamily="49" charset="0"/>
-              </a:rPr>
-              <a:t>	}</a:t>
-            </a:r>
-          </a:p>
-          <a:p>
-            <a:pPr marL="0" indent="0">
-              <a:buFont typeface="Arial" panose="020B0604020202020204" pitchFamily="34" charset="0"/>
-              <a:buNone/>
-            </a:pPr>
-            <a:r>
-              <a:rPr lang="en-GB" sz="1400" dirty="0">
-                <a:latin typeface="Courier New" panose="02070309020205020404" pitchFamily="49" charset="0"/>
-                <a:cs typeface="Courier New" panose="02070309020205020404" pitchFamily="49" charset="0"/>
-              </a:rPr>
-              <a:t>}</a:t>
-            </a:r>
-            <a:endParaRPr lang="en-GB" sz="1400" dirty="0"/>
-          </a:p>
-        </p:txBody>
-      </p:sp>
-      <p:sp>
-        <p:nvSpPr>
-          <p:cNvPr id="8" name="Content Placeholder 7">
-            <a:extLst>
-              <a:ext uri="{FF2B5EF4-FFF2-40B4-BE49-F238E27FC236}">
-                <a16:creationId xmlns:a16="http://schemas.microsoft.com/office/drawing/2014/main" id="{AC0984CB-B665-4DFA-BF69-D848C8E770B7}"/>
-              </a:ext>
-            </a:extLst>
-          </p:cNvPr>
-          <p:cNvSpPr>
-            <a:spLocks noGrp="1"/>
-          </p:cNvSpPr>
-          <p:nvPr>
-            <p:ph idx="1"/>
-          </p:nvPr>
+              <a:t> --profile profile/</a:t>
+            </a:r>
+            <a:endParaRPr lang="en-GB" dirty="0"/>
+          </a:p>
+        </p:txBody>
+      </p:sp>
+      <p:sp>
+        <p:nvSpPr>
+          <p:cNvPr id="6" name="TextBox 5">
+            <a:extLst>
+              <a:ext uri="{FF2B5EF4-FFF2-40B4-BE49-F238E27FC236}">
+                <a16:creationId xmlns:a16="http://schemas.microsoft.com/office/drawing/2014/main" id="{9334B1B7-9CB4-4B03-88E2-B7B2464C809D}"/>
+              </a:ext>
+            </a:extLst>
+          </p:cNvPr>
+          <p:cNvSpPr txBox="1"/>
+          <p:nvPr/>
         </p:nvSpPr>
         <p:spPr>
           <a:xfrm>
-            <a:off x="838200" y="5033013"/>
-            <a:ext cx="10515600" cy="1395620"/>
+            <a:off x="758299" y="2828835"/>
+            <a:ext cx="9006485" cy="1200329"/>
           </a:xfrm>
+          <a:prstGeom prst="rect">
+            <a:avLst/>
+          </a:prstGeom>
+          <a:noFill/>
         </p:spPr>
         <p:txBody>
-          <a:bodyPr/>
-          <a:lstStyle/>
-          <a:p>
-            <a:r>
-              <a:rPr lang="en-GB" dirty="0"/>
-              <a:t>Monitoring not perfect</a:t>
-            </a:r>
-          </a:p>
-          <a:p>
-            <a:pPr lvl="1"/>
-            <a:r>
-              <a:rPr lang="en-GB" dirty="0" err="1"/>
-              <a:t>Snakemake</a:t>
-            </a:r>
-            <a:r>
-              <a:rPr lang="en-GB" dirty="0"/>
-              <a:t> may not notice when jobs are killed by scheduler</a:t>
+          <a:bodyPr wrap="square">
+            <a:spAutoFit/>
+          </a:bodyPr>
+          <a:lstStyle/>
+          <a:p>
+            <a:r>
+              <a:rPr lang="en-GB" dirty="0">
+                <a:solidFill>
+                  <a:schemeClr val="bg1"/>
+                </a:solidFill>
+                <a:highlight>
+                  <a:srgbClr val="000000"/>
+                </a:highlight>
+                <a:latin typeface="Courier New" panose="02070309020205020404" pitchFamily="49" charset="0"/>
+                <a:cs typeface="Courier New" panose="02070309020205020404" pitchFamily="49" charset="0"/>
+              </a:rPr>
+              <a:t>rule </a:t>
+            </a:r>
+            <a:r>
+              <a:rPr lang="en-GB" dirty="0" err="1">
+                <a:solidFill>
+                  <a:schemeClr val="bg1"/>
+                </a:solidFill>
+                <a:highlight>
+                  <a:srgbClr val="000000"/>
+                </a:highlight>
+                <a:latin typeface="Courier New" panose="02070309020205020404" pitchFamily="49" charset="0"/>
+                <a:cs typeface="Courier New" panose="02070309020205020404" pitchFamily="49" charset="0"/>
+              </a:rPr>
+              <a:t>get_hostname</a:t>
+            </a:r>
+            <a:r>
+              <a:rPr lang="en-GB" dirty="0">
+                <a:solidFill>
+                  <a:schemeClr val="bg1"/>
+                </a:solidFill>
+                <a:highlight>
+                  <a:srgbClr val="000000"/>
+                </a:highlight>
+                <a:latin typeface="Courier New" panose="02070309020205020404" pitchFamily="49" charset="0"/>
+                <a:cs typeface="Courier New" panose="02070309020205020404" pitchFamily="49" charset="0"/>
+              </a:rPr>
+              <a:t>:</a:t>
+            </a:r>
+          </a:p>
+          <a:p>
+            <a:r>
+              <a:rPr lang="en-GB" dirty="0">
+                <a:solidFill>
+                  <a:schemeClr val="bg1"/>
+                </a:solidFill>
+                <a:highlight>
+                  <a:srgbClr val="000000"/>
+                </a:highlight>
+                <a:latin typeface="Courier New" panose="02070309020205020404" pitchFamily="49" charset="0"/>
+                <a:cs typeface="Courier New" panose="02070309020205020404" pitchFamily="49" charset="0"/>
+              </a:rPr>
+              <a:t>    input: "</a:t>
+            </a:r>
+            <a:r>
+              <a:rPr lang="en-GB" dirty="0" err="1">
+                <a:solidFill>
+                  <a:schemeClr val="bg1"/>
+                </a:solidFill>
+                <a:highlight>
+                  <a:srgbClr val="000000"/>
+                </a:highlight>
+                <a:latin typeface="Courier New" panose="02070309020205020404" pitchFamily="49" charset="0"/>
+                <a:cs typeface="Courier New" panose="02070309020205020404" pitchFamily="49" charset="0"/>
+              </a:rPr>
+              <a:t>Snakefile_cluster.smk</a:t>
+            </a:r>
+            <a:r>
+              <a:rPr lang="en-GB" dirty="0">
+                <a:solidFill>
+                  <a:schemeClr val="bg1"/>
+                </a:solidFill>
+                <a:highlight>
+                  <a:srgbClr val="000000"/>
+                </a:highlight>
+                <a:latin typeface="Courier New" panose="02070309020205020404" pitchFamily="49" charset="0"/>
+                <a:cs typeface="Courier New" panose="02070309020205020404" pitchFamily="49" charset="0"/>
+              </a:rPr>
+              <a:t>“  # dummy input</a:t>
+            </a:r>
+          </a:p>
+          <a:p>
+            <a:r>
+              <a:rPr lang="en-GB" dirty="0">
+                <a:solidFill>
+                  <a:schemeClr val="bg1"/>
+                </a:solidFill>
+                <a:highlight>
+                  <a:srgbClr val="000000"/>
+                </a:highlight>
+                <a:latin typeface="Courier New" panose="02070309020205020404" pitchFamily="49" charset="0"/>
+                <a:cs typeface="Courier New" panose="02070309020205020404" pitchFamily="49" charset="0"/>
+              </a:rPr>
+              <a:t>    output: "hostname.txt"</a:t>
+            </a:r>
+          </a:p>
+          <a:p>
+            <a:r>
+              <a:rPr lang="en-GB" dirty="0">
+                <a:solidFill>
+                  <a:schemeClr val="bg1"/>
+                </a:solidFill>
+                <a:highlight>
+                  <a:srgbClr val="000000"/>
+                </a:highlight>
+                <a:latin typeface="Courier New" panose="02070309020205020404" pitchFamily="49" charset="0"/>
+                <a:cs typeface="Courier New" panose="02070309020205020404" pitchFamily="49" charset="0"/>
+              </a:rPr>
+              <a:t>    shell: "hostname &gt; {output}"</a:t>
             </a:r>
           </a:p>
         </p:txBody>
@@ -6230,234 +4761,13 @@
     </p:spTree>
     <p:extLst>
       <p:ext uri="{BB962C8B-B14F-4D97-AF65-F5344CB8AC3E}">
-        <p14:creationId xmlns:p14="http://schemas.microsoft.com/office/powerpoint/2010/main" val="3794065479"/>
+        <p14:creationId xmlns:p14="http://schemas.microsoft.com/office/powerpoint/2010/main" val="2213820181"/>
       </p:ext>
     </p:extLst>
   </p:cSld>
   <p:clrMapOvr>
     <a:masterClrMapping/>
   </p:clrMapOvr>
-  <p:timing>
-    <p:tnLst>
-      <p:par>
-        <p:cTn id="1" dur="indefinite" restart="never" nodeType="tmRoot">
-          <p:childTnLst>
-            <p:seq concurrent="1" nextAc="seek">
-              <p:cTn id="2" dur="indefinite" nodeType="mainSeq">
-                <p:childTnLst>
-                  <p:par>
-                    <p:cTn id="3" fill="hold">
-                      <p:stCondLst>
-                        <p:cond delay="indefinite"/>
-                      </p:stCondLst>
-                      <p:childTnLst>
-                        <p:par>
-                          <p:cTn id="4" fill="hold">
-                            <p:stCondLst>
-                              <p:cond delay="0"/>
-                            </p:stCondLst>
-                            <p:childTnLst>
-                              <p:par>
-                                <p:cTn id="5" presetID="1" presetClass="entr" presetSubtype="0" fill="hold" grpId="0" nodeType="clickEffect">
-                                  <p:stCondLst>
-                                    <p:cond delay="0"/>
-                                  </p:stCondLst>
-                                  <p:childTnLst>
-                                    <p:set>
-                                      <p:cBhvr>
-                                        <p:cTn id="6" dur="1" fill="hold">
-                                          <p:stCondLst>
-                                            <p:cond delay="0"/>
-                                          </p:stCondLst>
-                                        </p:cTn>
-                                        <p:tgtEl>
-                                          <p:spTgt spid="6">
-                                            <p:txEl>
-                                              <p:pRg st="0" end="0"/>
-                                            </p:txEl>
-                                          </p:spTgt>
-                                        </p:tgtEl>
-                                        <p:attrNameLst>
-                                          <p:attrName>style.visibility</p:attrName>
-                                        </p:attrNameLst>
-                                      </p:cBhvr>
-                                      <p:to>
-                                        <p:strVal val="visible"/>
-                                      </p:to>
-                                    </p:set>
-                                  </p:childTnLst>
-                                </p:cTn>
-                              </p:par>
-                              <p:par>
-                                <p:cTn id="7" presetID="1" presetClass="entr" presetSubtype="0" fill="hold" grpId="0" nodeType="withEffect">
-                                  <p:stCondLst>
-                                    <p:cond delay="0"/>
-                                  </p:stCondLst>
-                                  <p:childTnLst>
-                                    <p:set>
-                                      <p:cBhvr>
-                                        <p:cTn id="8" dur="1" fill="hold">
-                                          <p:stCondLst>
-                                            <p:cond delay="0"/>
-                                          </p:stCondLst>
-                                        </p:cTn>
-                                        <p:tgtEl>
-                                          <p:spTgt spid="6">
-                                            <p:txEl>
-                                              <p:pRg st="1" end="1"/>
-                                            </p:txEl>
-                                          </p:spTgt>
-                                        </p:tgtEl>
-                                        <p:attrNameLst>
-                                          <p:attrName>style.visibility</p:attrName>
-                                        </p:attrNameLst>
-                                      </p:cBhvr>
-                                      <p:to>
-                                        <p:strVal val="visible"/>
-                                      </p:to>
-                                    </p:set>
-                                  </p:childTnLst>
-                                </p:cTn>
-                              </p:par>
-                              <p:par>
-                                <p:cTn id="9" presetID="1" presetClass="entr" presetSubtype="0" fill="hold" grpId="0" nodeType="withEffect">
-                                  <p:stCondLst>
-                                    <p:cond delay="0"/>
-                                  </p:stCondLst>
-                                  <p:childTnLst>
-                                    <p:set>
-                                      <p:cBhvr>
-                                        <p:cTn id="10" dur="1" fill="hold">
-                                          <p:stCondLst>
-                                            <p:cond delay="0"/>
-                                          </p:stCondLst>
-                                        </p:cTn>
-                                        <p:tgtEl>
-                                          <p:spTgt spid="6">
-                                            <p:txEl>
-                                              <p:pRg st="2" end="2"/>
-                                            </p:txEl>
-                                          </p:spTgt>
-                                        </p:tgtEl>
-                                        <p:attrNameLst>
-                                          <p:attrName>style.visibility</p:attrName>
-                                        </p:attrNameLst>
-                                      </p:cBhvr>
-                                      <p:to>
-                                        <p:strVal val="visible"/>
-                                      </p:to>
-                                    </p:set>
-                                  </p:childTnLst>
-                                </p:cTn>
-                              </p:par>
-                              <p:par>
-                                <p:cTn id="11" presetID="1" presetClass="entr" presetSubtype="0" fill="hold" grpId="0" nodeType="withEffect">
-                                  <p:stCondLst>
-                                    <p:cond delay="0"/>
-                                  </p:stCondLst>
-                                  <p:childTnLst>
-                                    <p:set>
-                                      <p:cBhvr>
-                                        <p:cTn id="12" dur="1" fill="hold">
-                                          <p:stCondLst>
-                                            <p:cond delay="0"/>
-                                          </p:stCondLst>
-                                        </p:cTn>
-                                        <p:tgtEl>
-                                          <p:spTgt spid="6">
-                                            <p:txEl>
-                                              <p:pRg st="4" end="4"/>
-                                            </p:txEl>
-                                          </p:spTgt>
-                                        </p:tgtEl>
-                                        <p:attrNameLst>
-                                          <p:attrName>style.visibility</p:attrName>
-                                        </p:attrNameLst>
-                                      </p:cBhvr>
-                                      <p:to>
-                                        <p:strVal val="visible"/>
-                                      </p:to>
-                                    </p:set>
-                                  </p:childTnLst>
-                                </p:cTn>
-                              </p:par>
-                            </p:childTnLst>
-                          </p:cTn>
-                        </p:par>
-                      </p:childTnLst>
-                    </p:cTn>
-                  </p:par>
-                  <p:par>
-                    <p:cTn id="13" fill="hold">
-                      <p:stCondLst>
-                        <p:cond delay="indefinite"/>
-                      </p:stCondLst>
-                      <p:childTnLst>
-                        <p:par>
-                          <p:cTn id="14" fill="hold">
-                            <p:stCondLst>
-                              <p:cond delay="0"/>
-                            </p:stCondLst>
-                            <p:childTnLst>
-                              <p:par>
-                                <p:cTn id="15" presetID="1" presetClass="entr" presetSubtype="0" fill="hold" grpId="0" nodeType="clickEffect">
-                                  <p:stCondLst>
-                                    <p:cond delay="0"/>
-                                  </p:stCondLst>
-                                  <p:childTnLst>
-                                    <p:set>
-                                      <p:cBhvr>
-                                        <p:cTn id="16" dur="1" fill="hold">
-                                          <p:stCondLst>
-                                            <p:cond delay="0"/>
-                                          </p:stCondLst>
-                                        </p:cTn>
-                                        <p:tgtEl>
-                                          <p:spTgt spid="7"/>
-                                        </p:tgtEl>
-                                        <p:attrNameLst>
-                                          <p:attrName>style.visibility</p:attrName>
-                                        </p:attrNameLst>
-                                      </p:cBhvr>
-                                      <p:to>
-                                        <p:strVal val="visible"/>
-                                      </p:to>
-                                    </p:set>
-                                  </p:childTnLst>
-                                </p:cTn>
-                              </p:par>
-                            </p:childTnLst>
-                          </p:cTn>
-                        </p:par>
-                      </p:childTnLst>
-                    </p:cTn>
-                  </p:par>
-                </p:childTnLst>
-              </p:cTn>
-              <p:prevCondLst>
-                <p:cond evt="onPrev" delay="0">
-                  <p:tgtEl>
-                    <p:sldTgt/>
-                  </p:tgtEl>
-                </p:cond>
-              </p:prevCondLst>
-              <p:nextCondLst>
-                <p:cond evt="onNext" delay="0">
-                  <p:tgtEl>
-                    <p:sldTgt/>
-                  </p:tgtEl>
-                </p:cond>
-              </p:nextCondLst>
-            </p:seq>
-          </p:childTnLst>
-        </p:cTn>
-      </p:par>
-    </p:tnLst>
-    <p:bldLst>
-      <p:bldP spid="6" grpId="0" uiExpand="1" build="p"/>
-      <p:bldP spid="7" grpId="0" animBg="1"/>
-    </p:bldLst>
-  </p:timing>
 </p:sld>
 </file>
 
@@ -6483,7 +4793,7 @@
           <p:cNvPr id="2" name="Title 1">
             <a:extLst>
               <a:ext uri="{FF2B5EF4-FFF2-40B4-BE49-F238E27FC236}">
-                <a16:creationId xmlns:a16="http://schemas.microsoft.com/office/drawing/2014/main" id="{EAEA7D93-B1D1-4DB6-8D5A-036265238EC3}"/>
+                <a16:creationId xmlns:a16="http://schemas.microsoft.com/office/drawing/2014/main" id="{DCF7A54E-BA05-45F6-9C68-2384291899D7}"/>
               </a:ext>
             </a:extLst>
           </p:cNvPr>
@@ -6496,7 +4806,7 @@
         </p:nvSpPr>
         <p:spPr>
           <a:xfrm>
-            <a:off x="838200" y="1138"/>
+            <a:off x="838200" y="1129"/>
             <a:ext cx="10515600" cy="1325563"/>
           </a:xfrm>
         </p:spPr>
@@ -6508,253 +4818,47 @@
           <a:p>
             <a:r>
               <a:rPr lang="en-GB" sz="4000" b="1" dirty="0"/>
-              <a:t>Running on the BMRC cluster - PROFILES</a:t>
-            </a:r>
-          </a:p>
-        </p:txBody>
-      </p:sp>
-      <p:sp>
-        <p:nvSpPr>
-          <p:cNvPr id="6" name="Content Placeholder 2">
-            <a:extLst>
-              <a:ext uri="{FF2B5EF4-FFF2-40B4-BE49-F238E27FC236}">
-                <a16:creationId xmlns:a16="http://schemas.microsoft.com/office/drawing/2014/main" id="{DB4E1330-1568-4A05-81F0-96A6DCCAFD39}"/>
-              </a:ext>
-            </a:extLst>
-          </p:cNvPr>
-          <p:cNvSpPr txBox="1">
-            <a:spLocks/>
-          </p:cNvSpPr>
+              <a:t>A typical workflow</a:t>
+            </a:r>
+          </a:p>
+        </p:txBody>
+      </p:sp>
+      <p:pic>
+        <p:nvPicPr>
+          <p:cNvPr id="4" name="Picture 3">
+            <a:extLst>
+              <a:ext uri="{FF2B5EF4-FFF2-40B4-BE49-F238E27FC236}">
+                <a16:creationId xmlns:a16="http://schemas.microsoft.com/office/drawing/2014/main" id="{1197EC01-E35F-44EE-8CC8-41665332431B}"/>
+              </a:ext>
+            </a:extLst>
+          </p:cNvPr>
+          <p:cNvPicPr>
+            <a:picLocks noChangeAspect="1"/>
+          </p:cNvPicPr>
           <p:nvPr/>
-        </p:nvSpPr>
+        </p:nvPicPr>
+        <p:blipFill>
+          <a:blip r:embed="rId2"/>
+          <a:stretch>
+            <a:fillRect/>
+          </a:stretch>
+        </p:blipFill>
         <p:spPr>
           <a:xfrm>
-            <a:off x="838200" y="1491449"/>
-            <a:ext cx="10799618" cy="632746"/>
+            <a:off x="3811708" y="2010654"/>
+            <a:ext cx="4391025" cy="4219575"/>
           </a:xfrm>
           <a:prstGeom prst="rect">
             <a:avLst/>
           </a:prstGeom>
         </p:spPr>
-        <p:txBody>
-          <a:bodyPr vert="horz" lIns="91440" tIns="45720" rIns="91440" bIns="45720" rtlCol="0">
-            <a:normAutofit/>
-          </a:bodyPr>
-          <a:lstStyle>
-            <a:lvl1pPr marL="228600" indent="-228600" algn="l" defTabSz="914400" rtl="0" eaLnBrk="1" latinLnBrk="0" hangingPunct="1">
-              <a:lnSpc>
-                <a:spcPct val="90000"/>
-              </a:lnSpc>
-              <a:spcBef>
-                <a:spcPts val="1000"/>
-              </a:spcBef>
-              <a:buFont typeface="Arial" panose="020B0604020202020204" pitchFamily="34" charset="0"/>
-              <a:buChar char="•"/>
-              <a:defRPr sz="2800" kern="1200">
-                <a:solidFill>
-                  <a:schemeClr val="tx1"/>
-                </a:solidFill>
-                <a:latin typeface="+mn-lt"/>
-                <a:ea typeface="+mn-ea"/>
-                <a:cs typeface="+mn-cs"/>
-              </a:defRPr>
-            </a:lvl1pPr>
-            <a:lvl2pPr marL="685800" indent="-228600" algn="l" defTabSz="914400" rtl="0" eaLnBrk="1" latinLnBrk="0" hangingPunct="1">
-              <a:lnSpc>
-                <a:spcPct val="90000"/>
-              </a:lnSpc>
-              <a:spcBef>
-                <a:spcPts val="500"/>
-              </a:spcBef>
-              <a:buFont typeface="Arial" panose="020B0604020202020204" pitchFamily="34" charset="0"/>
-              <a:buChar char="•"/>
-              <a:defRPr sz="2400" kern="1200">
-                <a:solidFill>
-                  <a:schemeClr val="tx1"/>
-                </a:solidFill>
-                <a:latin typeface="+mn-lt"/>
-                <a:ea typeface="+mn-ea"/>
-                <a:cs typeface="+mn-cs"/>
-              </a:defRPr>
-            </a:lvl2pPr>
-            <a:lvl3pPr marL="1143000" indent="-228600" algn="l" defTabSz="914400" rtl="0" eaLnBrk="1" latinLnBrk="0" hangingPunct="1">
-              <a:lnSpc>
-                <a:spcPct val="90000"/>
-              </a:lnSpc>
-              <a:spcBef>
-                <a:spcPts val="500"/>
-              </a:spcBef>
-              <a:buFont typeface="Arial" panose="020B0604020202020204" pitchFamily="34" charset="0"/>
-              <a:buChar char="•"/>
-              <a:defRPr sz="2000" kern="1200">
-                <a:solidFill>
-                  <a:schemeClr val="tx1"/>
-                </a:solidFill>
-                <a:latin typeface="+mn-lt"/>
-                <a:ea typeface="+mn-ea"/>
-                <a:cs typeface="+mn-cs"/>
-              </a:defRPr>
-            </a:lvl3pPr>
-            <a:lvl4pPr marL="1600200" indent="-228600" algn="l" defTabSz="914400" rtl="0" eaLnBrk="1" latinLnBrk="0" hangingPunct="1">
-              <a:lnSpc>
-                <a:spcPct val="90000"/>
-              </a:lnSpc>
-              <a:spcBef>
-                <a:spcPts val="500"/>
-              </a:spcBef>
-              <a:buFont typeface="Arial" panose="020B0604020202020204" pitchFamily="34" charset="0"/>
-              <a:buChar char="•"/>
-              <a:defRPr sz="1800" kern="1200">
-                <a:solidFill>
-                  <a:schemeClr val="tx1"/>
-                </a:solidFill>
-                <a:latin typeface="+mn-lt"/>
-                <a:ea typeface="+mn-ea"/>
-                <a:cs typeface="+mn-cs"/>
-              </a:defRPr>
-            </a:lvl4pPr>
-            <a:lvl5pPr marL="2057400" indent="-228600" algn="l" defTabSz="914400" rtl="0" eaLnBrk="1" latinLnBrk="0" hangingPunct="1">
-              <a:lnSpc>
-                <a:spcPct val="90000"/>
-              </a:lnSpc>
-              <a:spcBef>
-                <a:spcPts val="500"/>
-              </a:spcBef>
-              <a:buFont typeface="Arial" panose="020B0604020202020204" pitchFamily="34" charset="0"/>
-              <a:buChar char="•"/>
-              <a:defRPr sz="1800" kern="1200">
-                <a:solidFill>
-                  <a:schemeClr val="tx1"/>
-                </a:solidFill>
-                <a:latin typeface="+mn-lt"/>
-                <a:ea typeface="+mn-ea"/>
-                <a:cs typeface="+mn-cs"/>
-              </a:defRPr>
-            </a:lvl5pPr>
-            <a:lvl6pPr marL="2514600" indent="-228600" algn="l" defTabSz="914400" rtl="0" eaLnBrk="1" latinLnBrk="0" hangingPunct="1">
-              <a:lnSpc>
-                <a:spcPct val="90000"/>
-              </a:lnSpc>
-              <a:spcBef>
-                <a:spcPts val="500"/>
-              </a:spcBef>
-              <a:buFont typeface="Arial" panose="020B0604020202020204" pitchFamily="34" charset="0"/>
-              <a:buChar char="•"/>
-              <a:defRPr sz="1800" kern="1200">
-                <a:solidFill>
-                  <a:schemeClr val="tx1"/>
-                </a:solidFill>
-                <a:latin typeface="+mn-lt"/>
-                <a:ea typeface="+mn-ea"/>
-                <a:cs typeface="+mn-cs"/>
-              </a:defRPr>
-            </a:lvl6pPr>
-            <a:lvl7pPr marL="2971800" indent="-228600" algn="l" defTabSz="914400" rtl="0" eaLnBrk="1" latinLnBrk="0" hangingPunct="1">
-              <a:lnSpc>
-                <a:spcPct val="90000"/>
-              </a:lnSpc>
-              <a:spcBef>
-                <a:spcPts val="500"/>
-              </a:spcBef>
-              <a:buFont typeface="Arial" panose="020B0604020202020204" pitchFamily="34" charset="0"/>
-              <a:buChar char="•"/>
-              <a:defRPr sz="1800" kern="1200">
-                <a:solidFill>
-                  <a:schemeClr val="tx1"/>
-                </a:solidFill>
-                <a:latin typeface="+mn-lt"/>
-                <a:ea typeface="+mn-ea"/>
-                <a:cs typeface="+mn-cs"/>
-              </a:defRPr>
-            </a:lvl7pPr>
-            <a:lvl8pPr marL="3429000" indent="-228600" algn="l" defTabSz="914400" rtl="0" eaLnBrk="1" latinLnBrk="0" hangingPunct="1">
-              <a:lnSpc>
-                <a:spcPct val="90000"/>
-              </a:lnSpc>
-              <a:spcBef>
-                <a:spcPts val="500"/>
-              </a:spcBef>
-              <a:buFont typeface="Arial" panose="020B0604020202020204" pitchFamily="34" charset="0"/>
-              <a:buChar char="•"/>
-              <a:defRPr sz="1800" kern="1200">
-                <a:solidFill>
-                  <a:schemeClr val="tx1"/>
-                </a:solidFill>
-                <a:latin typeface="+mn-lt"/>
-                <a:ea typeface="+mn-ea"/>
-                <a:cs typeface="+mn-cs"/>
-              </a:defRPr>
-            </a:lvl8pPr>
-            <a:lvl9pPr marL="3886200" indent="-228600" algn="l" defTabSz="914400" rtl="0" eaLnBrk="1" latinLnBrk="0" hangingPunct="1">
-              <a:lnSpc>
-                <a:spcPct val="90000"/>
-              </a:lnSpc>
-              <a:spcBef>
-                <a:spcPts val="500"/>
-              </a:spcBef>
-              <a:buFont typeface="Arial" panose="020B0604020202020204" pitchFamily="34" charset="0"/>
-              <a:buChar char="•"/>
-              <a:defRPr sz="1800" kern="1200">
-                <a:solidFill>
-                  <a:schemeClr val="tx1"/>
-                </a:solidFill>
-                <a:latin typeface="+mn-lt"/>
-                <a:ea typeface="+mn-ea"/>
-                <a:cs typeface="+mn-cs"/>
-              </a:defRPr>
-            </a:lvl9pPr>
-          </a:lstStyle>
-          <a:p>
-            <a:pPr marL="0" indent="0">
-              <a:buFont typeface="Arial" panose="020B0604020202020204" pitchFamily="34" charset="0"/>
-              <a:buNone/>
-            </a:pPr>
-            <a:r>
-              <a:rPr lang="en-GB" dirty="0">
-                <a:highlight>
-                  <a:srgbClr val="C0C0C0"/>
-                </a:highlight>
-                <a:latin typeface="Courier New" panose="02070309020205020404" pitchFamily="49" charset="0"/>
-                <a:cs typeface="Courier New" panose="02070309020205020404" pitchFamily="49" charset="0"/>
-              </a:rPr>
-              <a:t>$ </a:t>
-            </a:r>
-            <a:r>
-              <a:rPr lang="en-GB" dirty="0" err="1">
-                <a:highlight>
-                  <a:srgbClr val="C0C0C0"/>
-                </a:highlight>
-                <a:latin typeface="Courier New" panose="02070309020205020404" pitchFamily="49" charset="0"/>
-                <a:cs typeface="Courier New" panose="02070309020205020404" pitchFamily="49" charset="0"/>
-              </a:rPr>
-              <a:t>snakemake</a:t>
-            </a:r>
-            <a:r>
-              <a:rPr lang="en-GB" dirty="0">
-                <a:highlight>
-                  <a:srgbClr val="C0C0C0"/>
-                </a:highlight>
-                <a:latin typeface="Courier New" panose="02070309020205020404" pitchFamily="49" charset="0"/>
-                <a:cs typeface="Courier New" panose="02070309020205020404" pitchFamily="49" charset="0"/>
-              </a:rPr>
-              <a:t> --profile profile/</a:t>
-            </a:r>
-            <a:r>
-              <a:rPr lang="en-GB" dirty="0">
-                <a:latin typeface="Courier New" panose="02070309020205020404" pitchFamily="49" charset="0"/>
-                <a:cs typeface="Courier New" panose="02070309020205020404" pitchFamily="49" charset="0"/>
-              </a:rPr>
-              <a:t>	</a:t>
-            </a:r>
-          </a:p>
-        </p:txBody>
-      </p:sp>
-      <p:sp>
-        <p:nvSpPr>
-          <p:cNvPr id="7" name="TextBox 6">
-            <a:extLst>
-              <a:ext uri="{FF2B5EF4-FFF2-40B4-BE49-F238E27FC236}">
-                <a16:creationId xmlns:a16="http://schemas.microsoft.com/office/drawing/2014/main" id="{529E618A-B933-4CC6-AEB1-0136A622FDD6}"/>
+      </p:pic>
+      <p:sp>
+        <p:nvSpPr>
+          <p:cNvPr id="8" name="TextBox 7">
+            <a:extLst>
+              <a:ext uri="{FF2B5EF4-FFF2-40B4-BE49-F238E27FC236}">
+                <a16:creationId xmlns:a16="http://schemas.microsoft.com/office/drawing/2014/main" id="{32C7E812-CE6F-44B4-9FA7-494980AD4B5E}"/>
               </a:ext>
             </a:extLst>
           </p:cNvPr>
@@ -6763,229 +4867,134 @@
         </p:nvSpPr>
         <p:spPr>
           <a:xfrm>
-            <a:off x="932155" y="2534574"/>
-            <a:ext cx="2574525" cy="307777"/>
+            <a:off x="758300" y="1451361"/>
+            <a:ext cx="10747159" cy="646331"/>
           </a:xfrm>
           <a:prstGeom prst="rect">
             <a:avLst/>
           </a:prstGeom>
           <a:noFill/>
-          <a:ln>
-            <a:solidFill>
-              <a:schemeClr val="tx1"/>
-            </a:solidFill>
-          </a:ln>
         </p:spPr>
         <p:txBody>
-          <a:bodyPr wrap="square" rtlCol="0">
+          <a:bodyPr wrap="square">
             <a:spAutoFit/>
           </a:bodyPr>
           <a:lstStyle/>
           <a:p>
-            <a:pPr marL="0" indent="0">
-              <a:buFont typeface="Arial" panose="020B0604020202020204" pitchFamily="34" charset="0"/>
-              <a:buNone/>
-            </a:pPr>
-            <a:r>
-              <a:rPr lang="en-GB" sz="1400" dirty="0"/>
-              <a:t>github.com/</a:t>
-            </a:r>
-            <a:r>
-              <a:rPr lang="en-GB" sz="1400" dirty="0" err="1"/>
+            <a:r>
+              <a:rPr lang="en-GB" dirty="0" err="1">
+                <a:highlight>
+                  <a:srgbClr val="C0C0C0"/>
+                </a:highlight>
+                <a:latin typeface="Courier New" panose="02070309020205020404" pitchFamily="49" charset="0"/>
+                <a:cs typeface="Courier New" panose="02070309020205020404" pitchFamily="49" charset="0"/>
+              </a:rPr>
               <a:t>snakemake</a:t>
             </a:r>
             <a:r>
-              <a:rPr lang="en-GB" sz="1400" dirty="0"/>
-              <a:t>-profiles</a:t>
-            </a:r>
-          </a:p>
-        </p:txBody>
-      </p:sp>
-      <p:sp>
-        <p:nvSpPr>
-          <p:cNvPr id="8" name="Content Placeholder 7">
-            <a:extLst>
-              <a:ext uri="{FF2B5EF4-FFF2-40B4-BE49-F238E27FC236}">
-                <a16:creationId xmlns:a16="http://schemas.microsoft.com/office/drawing/2014/main" id="{AC0984CB-B665-4DFA-BF69-D848C8E770B7}"/>
-              </a:ext>
-            </a:extLst>
-          </p:cNvPr>
-          <p:cNvSpPr>
-            <a:spLocks noGrp="1"/>
-          </p:cNvSpPr>
-          <p:nvPr>
-            <p:ph idx="1"/>
-          </p:nvPr>
-        </p:nvSpPr>
-        <p:spPr>
-          <a:xfrm>
-            <a:off x="838200" y="3133817"/>
-            <a:ext cx="10515600" cy="1446572"/>
-          </a:xfrm>
-        </p:spPr>
-        <p:txBody>
-          <a:bodyPr/>
-          <a:lstStyle/>
-          <a:p>
-            <a:r>
-              <a:rPr lang="en-GB" dirty="0"/>
-              <a:t>Takes time to set up, but:</a:t>
-            </a:r>
-          </a:p>
-          <a:p>
-            <a:pPr lvl="1"/>
-            <a:r>
-              <a:rPr lang="en-GB" dirty="0"/>
-              <a:t>Give greater flexibility over job submission, monitoring</a:t>
-            </a:r>
-          </a:p>
-          <a:p>
-            <a:pPr lvl="1"/>
-            <a:r>
-              <a:rPr lang="en-GB" dirty="0"/>
-              <a:t>Per-rule job configuration, similar to cluster-config</a:t>
-            </a:r>
+              <a:rPr lang="en-GB" dirty="0">
+                <a:highlight>
+                  <a:srgbClr val="C0C0C0"/>
+                </a:highlight>
+                <a:latin typeface="Courier New" panose="02070309020205020404" pitchFamily="49" charset="0"/>
+                <a:cs typeface="Courier New" panose="02070309020205020404" pitchFamily="49" charset="0"/>
+              </a:rPr>
+              <a:t> --</a:t>
+            </a:r>
+            <a:r>
+              <a:rPr lang="en-GB" dirty="0" err="1">
+                <a:highlight>
+                  <a:srgbClr val="C0C0C0"/>
+                </a:highlight>
+                <a:latin typeface="Courier New" panose="02070309020205020404" pitchFamily="49" charset="0"/>
+                <a:cs typeface="Courier New" panose="02070309020205020404" pitchFamily="49" charset="0"/>
+              </a:rPr>
+              <a:t>snakefile</a:t>
+            </a:r>
+            <a:r>
+              <a:rPr lang="en-GB" dirty="0">
+                <a:highlight>
+                  <a:srgbClr val="C0C0C0"/>
+                </a:highlight>
+                <a:latin typeface="Courier New" panose="02070309020205020404" pitchFamily="49" charset="0"/>
+                <a:cs typeface="Courier New" panose="02070309020205020404" pitchFamily="49" charset="0"/>
+              </a:rPr>
+              <a:t> </a:t>
+            </a:r>
+            <a:r>
+              <a:rPr lang="en-GB" dirty="0" err="1">
+                <a:highlight>
+                  <a:srgbClr val="C0C0C0"/>
+                </a:highlight>
+                <a:latin typeface="Courier New" panose="02070309020205020404" pitchFamily="49" charset="0"/>
+                <a:cs typeface="Courier New" panose="02070309020205020404" pitchFamily="49" charset="0"/>
+              </a:rPr>
+              <a:t>Snakefile</a:t>
+            </a:r>
+            <a:r>
+              <a:rPr lang="en-GB" dirty="0">
+                <a:highlight>
+                  <a:srgbClr val="C0C0C0"/>
+                </a:highlight>
+                <a:latin typeface="Courier New" panose="02070309020205020404" pitchFamily="49" charset="0"/>
+                <a:cs typeface="Courier New" panose="02070309020205020404" pitchFamily="49" charset="0"/>
+              </a:rPr>
+              <a:t> --use-</a:t>
+            </a:r>
+            <a:r>
+              <a:rPr lang="en-GB" dirty="0" err="1">
+                <a:highlight>
+                  <a:srgbClr val="C0C0C0"/>
+                </a:highlight>
+                <a:latin typeface="Courier New" panose="02070309020205020404" pitchFamily="49" charset="0"/>
+                <a:cs typeface="Courier New" panose="02070309020205020404" pitchFamily="49" charset="0"/>
+              </a:rPr>
+              <a:t>conda</a:t>
+            </a:r>
+            <a:r>
+              <a:rPr lang="en-GB" dirty="0">
+                <a:highlight>
+                  <a:srgbClr val="C0C0C0"/>
+                </a:highlight>
+                <a:latin typeface="Courier New" panose="02070309020205020404" pitchFamily="49" charset="0"/>
+                <a:cs typeface="Courier New" panose="02070309020205020404" pitchFamily="49" charset="0"/>
+              </a:rPr>
+              <a:t> --use-</a:t>
+            </a:r>
+            <a:r>
+              <a:rPr lang="en-GB" dirty="0" err="1">
+                <a:highlight>
+                  <a:srgbClr val="C0C0C0"/>
+                </a:highlight>
+                <a:latin typeface="Courier New" panose="02070309020205020404" pitchFamily="49" charset="0"/>
+                <a:cs typeface="Courier New" panose="02070309020205020404" pitchFamily="49" charset="0"/>
+              </a:rPr>
+              <a:t>envmodules</a:t>
+            </a:r>
+            <a:r>
+              <a:rPr lang="en-GB" dirty="0">
+                <a:highlight>
+                  <a:srgbClr val="C0C0C0"/>
+                </a:highlight>
+                <a:latin typeface="Courier New" panose="02070309020205020404" pitchFamily="49" charset="0"/>
+                <a:cs typeface="Courier New" panose="02070309020205020404" pitchFamily="49" charset="0"/>
+              </a:rPr>
+              <a:t> --profile profile/</a:t>
+            </a:r>
+            <a:endParaRPr lang="en-GB" dirty="0"/>
           </a:p>
         </p:txBody>
       </p:sp>
     </p:spTree>
     <p:extLst>
       <p:ext uri="{BB962C8B-B14F-4D97-AF65-F5344CB8AC3E}">
-        <p14:creationId xmlns:p14="http://schemas.microsoft.com/office/powerpoint/2010/main" val="3880157367"/>
+        <p14:creationId xmlns:p14="http://schemas.microsoft.com/office/powerpoint/2010/main" val="2735423464"/>
       </p:ext>
     </p:extLst>
   </p:cSld>
   <p:clrMapOvr>
     <a:masterClrMapping/>
   </p:clrMapOvr>
-  <p:timing>
-    <p:tnLst>
-      <p:par>
-        <p:cTn id="1" dur="indefinite" restart="never" nodeType="tmRoot">
-          <p:childTnLst>
-            <p:seq concurrent="1" nextAc="seek">
-              <p:cTn id="2" dur="indefinite" nodeType="mainSeq">
-                <p:childTnLst>
-                  <p:par>
-                    <p:cTn id="3" fill="hold">
-                      <p:stCondLst>
-                        <p:cond delay="indefinite"/>
-                      </p:stCondLst>
-                      <p:childTnLst>
-                        <p:par>
-                          <p:cTn id="4" fill="hold">
-                            <p:stCondLst>
-                              <p:cond delay="0"/>
-                            </p:stCondLst>
-                            <p:childTnLst>
-                              <p:par>
-                                <p:cTn id="5" presetID="1" presetClass="entr" presetSubtype="0" fill="hold" grpId="0" nodeType="clickEffect">
-                                  <p:stCondLst>
-                                    <p:cond delay="0"/>
-                                  </p:stCondLst>
-                                  <p:childTnLst>
-                                    <p:set>
-                                      <p:cBhvr>
-                                        <p:cTn id="6" dur="1" fill="hold">
-                                          <p:stCondLst>
-                                            <p:cond delay="0"/>
-                                          </p:stCondLst>
-                                        </p:cTn>
-                                        <p:tgtEl>
-                                          <p:spTgt spid="6">
-                                            <p:txEl>
-                                              <p:pRg st="0" end="0"/>
-                                            </p:txEl>
-                                          </p:spTgt>
-                                        </p:tgtEl>
-                                        <p:attrNameLst>
-                                          <p:attrName>style.visibility</p:attrName>
-                                        </p:attrNameLst>
-                                      </p:cBhvr>
-                                      <p:to>
-                                        <p:strVal val="visible"/>
-                                      </p:to>
-                                    </p:set>
-                                  </p:childTnLst>
-                                </p:cTn>
-                              </p:par>
-                            </p:childTnLst>
-                          </p:cTn>
-                        </p:par>
-                      </p:childTnLst>
-                    </p:cTn>
-                  </p:par>
-                  <p:par>
-                    <p:cTn id="7" fill="hold">
-                      <p:stCondLst>
-                        <p:cond delay="indefinite"/>
-                      </p:stCondLst>
-                      <p:childTnLst>
-                        <p:par>
-                          <p:cTn id="8" fill="hold">
-                            <p:stCondLst>
-                              <p:cond delay="0"/>
-                            </p:stCondLst>
-                            <p:childTnLst>
-                              <p:par>
-                                <p:cTn id="9" presetID="1" presetClass="entr" presetSubtype="0" fill="hold" grpId="0" nodeType="clickEffect">
-                                  <p:stCondLst>
-                                    <p:cond delay="0"/>
-                                  </p:stCondLst>
-                                  <p:childTnLst>
-                                    <p:set>
-                                      <p:cBhvr>
-                                        <p:cTn id="10" dur="1" fill="hold">
-                                          <p:stCondLst>
-                                            <p:cond delay="0"/>
-                                          </p:stCondLst>
-                                        </p:cTn>
-                                        <p:tgtEl>
-                                          <p:spTgt spid="7"/>
-                                        </p:tgtEl>
-                                        <p:attrNameLst>
-                                          <p:attrName>style.visibility</p:attrName>
-                                        </p:attrNameLst>
-                                      </p:cBhvr>
-                                      <p:to>
-                                        <p:strVal val="visible"/>
-                                      </p:to>
-                                    </p:set>
-                                  </p:childTnLst>
-                                </p:cTn>
-                              </p:par>
-                            </p:childTnLst>
-                          </p:cTn>
-                        </p:par>
-                      </p:childTnLst>
-                    </p:cTn>
-                  </p:par>
-                </p:childTnLst>
-              </p:cTn>
-              <p:prevCondLst>
-                <p:cond evt="onPrev" delay="0">
-                  <p:tgtEl>
-                    <p:sldTgt/>
-                  </p:tgtEl>
-                </p:cond>
-              </p:prevCondLst>
-              <p:nextCondLst>
-                <p:cond evt="onNext" delay="0">
-                  <p:tgtEl>
-                    <p:sldTgt/>
-                  </p:tgtEl>
-                </p:cond>
-              </p:nextCondLst>
-            </p:seq>
-          </p:childTnLst>
-        </p:cTn>
-      </p:par>
-    </p:tnLst>
-    <p:bldLst>
-      <p:bldP spid="6" grpId="0" uiExpand="1" build="p"/>
-      <p:bldP spid="7" grpId="0" animBg="1"/>
-    </p:bldLst>
-  </p:timing>
 </p:sld>
 </file>
 
@@ -7011,7 +5020,7 @@
           <p:cNvPr id="2" name="Title 1">
             <a:extLst>
               <a:ext uri="{FF2B5EF4-FFF2-40B4-BE49-F238E27FC236}">
-                <a16:creationId xmlns:a16="http://schemas.microsoft.com/office/drawing/2014/main" id="{EAEA7D93-B1D1-4DB6-8D5A-036265238EC3}"/>
+                <a16:creationId xmlns:a16="http://schemas.microsoft.com/office/drawing/2014/main" id="{DCF7A54E-BA05-45F6-9C68-2384291899D7}"/>
               </a:ext>
             </a:extLst>
           </p:cNvPr>
@@ -7024,7 +5033,7 @@
         </p:nvSpPr>
         <p:spPr>
           <a:xfrm>
-            <a:off x="838200" y="1138"/>
+            <a:off x="838200" y="1142"/>
             <a:ext cx="10515600" cy="1325563"/>
           </a:xfrm>
         </p:spPr>
@@ -7035,18 +5044,22 @@
           <a:lstStyle/>
           <a:p>
             <a:r>
+              <a:rPr lang="en-GB" sz="4000" b="1" dirty="0" err="1"/>
+              <a:t>Conda</a:t>
+            </a:r>
+            <a:r>
               <a:rPr lang="en-GB" sz="4000" b="1" dirty="0"/>
-              <a:t>Running on the BMRC cluster - PROFILES</a:t>
-            </a:r>
-          </a:p>
-        </p:txBody>
-      </p:sp>
-      <p:sp>
-        <p:nvSpPr>
-          <p:cNvPr id="8" name="Content Placeholder 7">
-            <a:extLst>
-              <a:ext uri="{FF2B5EF4-FFF2-40B4-BE49-F238E27FC236}">
-                <a16:creationId xmlns:a16="http://schemas.microsoft.com/office/drawing/2014/main" id="{AC0984CB-B665-4DFA-BF69-D848C8E770B7}"/>
+              <a:t> environments (per-rule)</a:t>
+            </a:r>
+          </a:p>
+        </p:txBody>
+      </p:sp>
+      <p:sp>
+        <p:nvSpPr>
+          <p:cNvPr id="3" name="Content Placeholder 2">
+            <a:extLst>
+              <a:ext uri="{FF2B5EF4-FFF2-40B4-BE49-F238E27FC236}">
+                <a16:creationId xmlns:a16="http://schemas.microsoft.com/office/drawing/2014/main" id="{CBD21FCE-F47E-4029-A051-C5B21DF776B3}"/>
               </a:ext>
             </a:extLst>
           </p:cNvPr>
@@ -7059,8 +5072,8 @@
         </p:nvSpPr>
         <p:spPr>
           <a:xfrm>
-            <a:off x="838200" y="1115736"/>
-            <a:ext cx="10515600" cy="5427677"/>
+            <a:off x="838200" y="1825625"/>
+            <a:ext cx="3884720" cy="4351338"/>
           </a:xfrm>
         </p:spPr>
         <p:txBody>
@@ -7069,128 +5082,317 @@
           </a:bodyPr>
           <a:lstStyle/>
           <a:p>
+            <a:pPr marL="0" indent="0">
+              <a:buNone/>
+            </a:pPr>
+            <a:r>
+              <a:rPr lang="en-GB" dirty="0">
+                <a:solidFill>
+                  <a:schemeClr val="bg1"/>
+                </a:solidFill>
+                <a:highlight>
+                  <a:srgbClr val="000000"/>
+                </a:highlight>
+                <a:latin typeface="Courier New" panose="02070309020205020404" pitchFamily="49" charset="0"/>
+                <a:cs typeface="Courier New" panose="02070309020205020404" pitchFamily="49" charset="0"/>
+              </a:rPr>
+              <a:t>channels:</a:t>
+            </a:r>
+          </a:p>
+          <a:p>
+            <a:pPr marL="457200" lvl="1" indent="0">
+              <a:buNone/>
+            </a:pPr>
+            <a:r>
+              <a:rPr lang="en-GB" dirty="0">
+                <a:solidFill>
+                  <a:schemeClr val="bg1"/>
+                </a:solidFill>
+                <a:highlight>
+                  <a:srgbClr val="000000"/>
+                </a:highlight>
+                <a:latin typeface="Courier New" panose="02070309020205020404" pitchFamily="49" charset="0"/>
+                <a:cs typeface="Courier New" panose="02070309020205020404" pitchFamily="49" charset="0"/>
+              </a:rPr>
+              <a:t>- </a:t>
+            </a:r>
+            <a:r>
+              <a:rPr lang="en-GB" dirty="0" err="1">
+                <a:solidFill>
+                  <a:schemeClr val="bg1"/>
+                </a:solidFill>
+                <a:highlight>
+                  <a:srgbClr val="000000"/>
+                </a:highlight>
+                <a:latin typeface="Courier New" panose="02070309020205020404" pitchFamily="49" charset="0"/>
+                <a:cs typeface="Courier New" panose="02070309020205020404" pitchFamily="49" charset="0"/>
+              </a:rPr>
+              <a:t>conda</a:t>
+            </a:r>
+            <a:r>
+              <a:rPr lang="en-GB" dirty="0">
+                <a:solidFill>
+                  <a:schemeClr val="bg1"/>
+                </a:solidFill>
+                <a:highlight>
+                  <a:srgbClr val="000000"/>
+                </a:highlight>
+                <a:latin typeface="Courier New" panose="02070309020205020404" pitchFamily="49" charset="0"/>
+                <a:cs typeface="Courier New" panose="02070309020205020404" pitchFamily="49" charset="0"/>
+              </a:rPr>
+              <a:t>-forge</a:t>
+            </a:r>
+          </a:p>
+          <a:p>
+            <a:pPr marL="457200" lvl="1" indent="0">
+              <a:buNone/>
+            </a:pPr>
+            <a:r>
+              <a:rPr lang="en-GB" dirty="0">
+                <a:solidFill>
+                  <a:schemeClr val="bg1"/>
+                </a:solidFill>
+                <a:highlight>
+                  <a:srgbClr val="000000"/>
+                </a:highlight>
+                <a:latin typeface="Courier New" panose="02070309020205020404" pitchFamily="49" charset="0"/>
+                <a:cs typeface="Courier New" panose="02070309020205020404" pitchFamily="49" charset="0"/>
+              </a:rPr>
+              <a:t>- </a:t>
+            </a:r>
+            <a:r>
+              <a:rPr lang="en-GB" dirty="0" err="1">
+                <a:solidFill>
+                  <a:schemeClr val="bg1"/>
+                </a:solidFill>
+                <a:highlight>
+                  <a:srgbClr val="000000"/>
+                </a:highlight>
+                <a:latin typeface="Courier New" panose="02070309020205020404" pitchFamily="49" charset="0"/>
+                <a:cs typeface="Courier New" panose="02070309020205020404" pitchFamily="49" charset="0"/>
+              </a:rPr>
+              <a:t>bioconda</a:t>
+            </a:r>
+            <a:endParaRPr lang="en-GB" dirty="0">
+              <a:solidFill>
+                <a:schemeClr val="bg1"/>
+              </a:solidFill>
+              <a:highlight>
+                <a:srgbClr val="000000"/>
+              </a:highlight>
+              <a:latin typeface="Courier New" panose="02070309020205020404" pitchFamily="49" charset="0"/>
+              <a:cs typeface="Courier New" panose="02070309020205020404" pitchFamily="49" charset="0"/>
+            </a:endParaRPr>
+          </a:p>
+          <a:p>
+            <a:pPr marL="0" indent="0">
+              <a:buNone/>
+            </a:pPr>
+            <a:r>
+              <a:rPr lang="en-GB" dirty="0">
+                <a:solidFill>
+                  <a:schemeClr val="bg1"/>
+                </a:solidFill>
+                <a:highlight>
+                  <a:srgbClr val="000000"/>
+                </a:highlight>
+                <a:latin typeface="Courier New" panose="02070309020205020404" pitchFamily="49" charset="0"/>
+                <a:cs typeface="Courier New" panose="02070309020205020404" pitchFamily="49" charset="0"/>
+              </a:rPr>
+              <a:t>dependencies:</a:t>
+            </a:r>
+          </a:p>
+          <a:p>
+            <a:pPr marL="457200" lvl="1" indent="0">
+              <a:buNone/>
+            </a:pPr>
+            <a:r>
+              <a:rPr lang="en-GB" dirty="0">
+                <a:solidFill>
+                  <a:schemeClr val="bg1"/>
+                </a:solidFill>
+                <a:highlight>
+                  <a:srgbClr val="000000"/>
+                </a:highlight>
+                <a:latin typeface="Courier New" panose="02070309020205020404" pitchFamily="49" charset="0"/>
+                <a:cs typeface="Courier New" panose="02070309020205020404" pitchFamily="49" charset="0"/>
+              </a:rPr>
+              <a:t>- bwa=0.7.17</a:t>
+            </a:r>
+          </a:p>
+        </p:txBody>
+      </p:sp>
+      <p:sp>
+        <p:nvSpPr>
+          <p:cNvPr id="4" name="TextBox 3">
+            <a:extLst>
+              <a:ext uri="{FF2B5EF4-FFF2-40B4-BE49-F238E27FC236}">
+                <a16:creationId xmlns:a16="http://schemas.microsoft.com/office/drawing/2014/main" id="{96C5CD21-3EC7-40A9-B749-86509EAC3522}"/>
+              </a:ext>
+            </a:extLst>
+          </p:cNvPr>
+          <p:cNvSpPr txBox="1"/>
+          <p:nvPr/>
+        </p:nvSpPr>
+        <p:spPr>
+          <a:xfrm>
+            <a:off x="838200" y="1426480"/>
+            <a:ext cx="1624614" cy="369332"/>
+          </a:xfrm>
+          <a:prstGeom prst="rect">
+            <a:avLst/>
+          </a:prstGeom>
+          <a:noFill/>
+        </p:spPr>
+        <p:txBody>
+          <a:bodyPr wrap="square" rtlCol="0">
+            <a:spAutoFit/>
+          </a:bodyPr>
+          <a:lstStyle/>
+          <a:p>
+            <a:r>
+              <a:rPr lang="en-GB" dirty="0" err="1"/>
+              <a:t>envs</a:t>
+            </a:r>
             <a:r>
               <a:rPr lang="en-GB" dirty="0"/>
-              <a:t>profile/</a:t>
+              <a:t>/</a:t>
             </a:r>
             <a:r>
               <a:rPr lang="en-GB" dirty="0" err="1"/>
-              <a:t>config.yaml</a:t>
+              <a:t>bwa.yaml</a:t>
             </a:r>
             <a:endParaRPr lang="en-GB" dirty="0"/>
           </a:p>
-          <a:p>
-            <a:pPr lvl="1"/>
+        </p:txBody>
+      </p:sp>
+      <p:sp>
+        <p:nvSpPr>
+          <p:cNvPr id="5" name="TextBox 4">
+            <a:extLst>
+              <a:ext uri="{FF2B5EF4-FFF2-40B4-BE49-F238E27FC236}">
+                <a16:creationId xmlns:a16="http://schemas.microsoft.com/office/drawing/2014/main" id="{46327F87-DB42-4B6F-A6F9-41480472E3E0}"/>
+              </a:ext>
+            </a:extLst>
+          </p:cNvPr>
+          <p:cNvSpPr txBox="1"/>
+          <p:nvPr/>
+        </p:nvSpPr>
+        <p:spPr>
+          <a:xfrm>
+            <a:off x="5628443" y="1544715"/>
+            <a:ext cx="5868140" cy="2862322"/>
+          </a:xfrm>
+          <a:prstGeom prst="rect">
+            <a:avLst/>
+          </a:prstGeom>
+          <a:noFill/>
+        </p:spPr>
+        <p:txBody>
+          <a:bodyPr wrap="square" rtlCol="0">
+            <a:spAutoFit/>
+          </a:bodyPr>
+          <a:lstStyle/>
+          <a:p>
             <a:r>
               <a:rPr lang="en-GB" dirty="0"/>
-              <a:t>Cluster configuration</a:t>
-            </a:r>
-          </a:p>
-          <a:p>
+              <a:t>Pros:</a:t>
+            </a:r>
+          </a:p>
+          <a:p>
+            <a:pPr marL="285750" indent="-285750">
+              <a:buFont typeface="Arial" panose="020B0604020202020204" pitchFamily="34" charset="0"/>
+              <a:buChar char="•"/>
+            </a:pPr>
             <a:r>
               <a:rPr lang="en-GB" dirty="0"/>
-              <a:t>profile/</a:t>
+              <a:t>Fully reproducible</a:t>
+            </a:r>
+          </a:p>
+          <a:p>
+            <a:pPr marL="285750" indent="-285750">
+              <a:buFont typeface="Arial" panose="020B0604020202020204" pitchFamily="34" charset="0"/>
+              <a:buChar char="•"/>
+            </a:pPr>
+            <a:r>
+              <a:rPr lang="en-GB" dirty="0"/>
+              <a:t>Software versions</a:t>
+            </a:r>
+          </a:p>
+          <a:p>
+            <a:pPr marL="285750" indent="-285750">
+              <a:buFont typeface="Arial" panose="020B0604020202020204" pitchFamily="34" charset="0"/>
+              <a:buChar char="•"/>
+            </a:pPr>
+            <a:r>
+              <a:rPr lang="en-GB" dirty="0"/>
+              <a:t>No clash of dependencies (if </a:t>
             </a:r>
             <a:r>
               <a:rPr lang="en-GB" dirty="0" err="1"/>
-              <a:t>cluster.yaml</a:t>
-            </a:r>
-            <a:endParaRPr lang="en-GB" dirty="0"/>
-          </a:p>
-          <a:p>
-            <a:pPr lvl="1"/>
+              <a:t>conda</a:t>
+            </a:r>
             <a:r>
               <a:rPr lang="en-GB" dirty="0"/>
-              <a:t>Default or per-rule settings to pass on to </a:t>
+              <a:t> environments are minimal)</a:t>
+            </a:r>
+          </a:p>
+          <a:p>
+            <a:r>
+              <a:rPr lang="en-GB" dirty="0"/>
+              <a:t>Cons:</a:t>
+            </a:r>
+          </a:p>
+          <a:p>
+            <a:pPr marL="285750" indent="-285750">
+              <a:buFont typeface="Arial" panose="020B0604020202020204" pitchFamily="34" charset="0"/>
+              <a:buChar char="•"/>
+            </a:pPr>
+            <a:r>
+              <a:rPr lang="en-GB" dirty="0"/>
+              <a:t>First run takes time to install </a:t>
             </a:r>
             <a:r>
               <a:rPr lang="en-GB" dirty="0" err="1"/>
-              <a:t>qsub</a:t>
-            </a:r>
-            <a:endParaRPr lang="en-GB" dirty="0"/>
-          </a:p>
-          <a:p>
+              <a:t>conda</a:t>
+            </a:r>
             <a:r>
               <a:rPr lang="en-GB" dirty="0"/>
-              <a:t>profile/sge-jobscript.sh</a:t>
-            </a:r>
-          </a:p>
-          <a:p>
-            <a:pPr lvl="1"/>
+              <a:t> env</a:t>
+            </a:r>
+          </a:p>
+          <a:p>
+            <a:pPr marL="285750" indent="-285750">
+              <a:buFont typeface="Arial" panose="020B0604020202020204" pitchFamily="34" charset="0"/>
+              <a:buChar char="•"/>
+            </a:pPr>
             <a:r>
               <a:rPr lang="en-GB" dirty="0"/>
-              <a:t>Template </a:t>
+              <a:t>BMRC-specific – </a:t>
             </a:r>
             <a:r>
               <a:rPr lang="en-GB" dirty="0" err="1"/>
-              <a:t>jobscript</a:t>
-            </a:r>
-            <a:endParaRPr lang="en-GB" dirty="0"/>
-          </a:p>
-          <a:p>
+              <a:t>conda</a:t>
+            </a:r>
             <a:r>
               <a:rPr lang="en-GB" dirty="0"/>
-              <a:t>profile/sge-submit.py</a:t>
-            </a:r>
-          </a:p>
-          <a:p>
-            <a:pPr lvl="1"/>
+              <a:t> </a:t>
+            </a:r>
+            <a:r>
+              <a:rPr lang="en-GB" dirty="0" err="1"/>
+              <a:t>envs</a:t>
+            </a:r>
             <a:r>
               <a:rPr lang="en-GB" dirty="0"/>
-              <a:t>Submit script that is called by </a:t>
+              <a:t> built using submission node but may raise ‘illegal instruction’ error when </a:t>
             </a:r>
             <a:r>
               <a:rPr lang="en-GB" dirty="0" err="1"/>
-              <a:t>snakemake</a:t>
+              <a:t>cpu</a:t>
             </a:r>
             <a:r>
               <a:rPr lang="en-GB" dirty="0"/>
-              <a:t>; parses settings and </a:t>
-            </a:r>
-            <a:r>
-              <a:rPr lang="en-GB" dirty="0" err="1"/>
-              <a:t>jobscript</a:t>
-            </a:r>
-            <a:r>
-              <a:rPr lang="en-GB" dirty="0"/>
-              <a:t> files</a:t>
-            </a:r>
-          </a:p>
-          <a:p>
-            <a:r>
-              <a:rPr lang="en-GB" dirty="0"/>
-              <a:t>profile/sge-status.py</a:t>
-            </a:r>
-          </a:p>
-          <a:p>
-            <a:pPr lvl="1"/>
-            <a:r>
-              <a:rPr lang="en-GB" dirty="0"/>
-              <a:t>Monitoring script called by </a:t>
-            </a:r>
-            <a:r>
-              <a:rPr lang="en-GB" dirty="0" err="1"/>
-              <a:t>snakemake</a:t>
-            </a:r>
-            <a:r>
-              <a:rPr lang="en-GB" dirty="0"/>
-              <a:t>; calls </a:t>
-            </a:r>
-            <a:r>
-              <a:rPr lang="en-GB" dirty="0" err="1"/>
-              <a:t>qstat</a:t>
-            </a:r>
-            <a:r>
-              <a:rPr lang="en-GB" dirty="0"/>
-              <a:t> and </a:t>
-            </a:r>
-            <a:r>
-              <a:rPr lang="en-GB" dirty="0" err="1"/>
-              <a:t>qacct</a:t>
-            </a:r>
-            <a:r>
-              <a:rPr lang="en-GB" dirty="0"/>
-              <a:t> periodically</a:t>
+              <a:t> architecture doesn’t match (e.g. C and D nodes)</a:t>
             </a:r>
           </a:p>
         </p:txBody>
@@ -7198,7 +5400,7 @@
     </p:spTree>
     <p:extLst>
       <p:ext uri="{BB962C8B-B14F-4D97-AF65-F5344CB8AC3E}">
-        <p14:creationId xmlns:p14="http://schemas.microsoft.com/office/powerpoint/2010/main" val="878603056"/>
+        <p14:creationId xmlns:p14="http://schemas.microsoft.com/office/powerpoint/2010/main" val="1734257113"/>
       </p:ext>
     </p:extLst>
   </p:cSld>
@@ -7243,7 +5445,7 @@
         </p:nvSpPr>
         <p:spPr>
           <a:xfrm>
-            <a:off x="838200" y="1129"/>
+            <a:off x="838200" y="1142"/>
             <a:ext cx="10515600" cy="1325563"/>
           </a:xfrm>
         </p:spPr>
@@ -7255,17 +5457,77 @@
           <a:p>
             <a:r>
               <a:rPr lang="en-GB" sz="4000" b="1" dirty="0"/>
-              <a:t>A simple snakemake rule</a:t>
-            </a:r>
-          </a:p>
-        </p:txBody>
-      </p:sp>
-      <p:sp>
-        <p:nvSpPr>
-          <p:cNvPr id="8" name="TextBox 7">
-            <a:extLst>
-              <a:ext uri="{FF2B5EF4-FFF2-40B4-BE49-F238E27FC236}">
-                <a16:creationId xmlns:a16="http://schemas.microsoft.com/office/drawing/2014/main" id="{32C7E812-CE6F-44B4-9FA7-494980AD4B5E}"/>
+              <a:t>Environment modules (per-rule)</a:t>
+            </a:r>
+          </a:p>
+        </p:txBody>
+      </p:sp>
+      <p:sp>
+        <p:nvSpPr>
+          <p:cNvPr id="3" name="Content Placeholder 2">
+            <a:extLst>
+              <a:ext uri="{FF2B5EF4-FFF2-40B4-BE49-F238E27FC236}">
+                <a16:creationId xmlns:a16="http://schemas.microsoft.com/office/drawing/2014/main" id="{CBD21FCE-F47E-4029-A051-C5B21DF776B3}"/>
+              </a:ext>
+            </a:extLst>
+          </p:cNvPr>
+          <p:cNvSpPr>
+            <a:spLocks noGrp="1"/>
+          </p:cNvSpPr>
+          <p:nvPr>
+            <p:ph idx="1"/>
+          </p:nvPr>
+        </p:nvSpPr>
+        <p:spPr>
+          <a:xfrm>
+            <a:off x="838200" y="1825625"/>
+            <a:ext cx="6015361" cy="704511"/>
+          </a:xfrm>
+        </p:spPr>
+        <p:txBody>
+          <a:bodyPr>
+            <a:normAutofit/>
+          </a:bodyPr>
+          <a:lstStyle/>
+          <a:p>
+            <a:pPr marL="0" indent="0">
+              <a:buNone/>
+            </a:pPr>
+            <a:r>
+              <a:rPr lang="en-GB" dirty="0" err="1">
+                <a:solidFill>
+                  <a:schemeClr val="bg1"/>
+                </a:solidFill>
+                <a:highlight>
+                  <a:srgbClr val="000000"/>
+                </a:highlight>
+                <a:latin typeface="Courier New" panose="02070309020205020404" pitchFamily="49" charset="0"/>
+                <a:cs typeface="Courier New" panose="02070309020205020404" pitchFamily="49" charset="0"/>
+              </a:rPr>
+              <a:t>envmodules</a:t>
+            </a:r>
+            <a:r>
+              <a:rPr lang="en-GB" dirty="0">
+                <a:solidFill>
+                  <a:schemeClr val="bg1"/>
+                </a:solidFill>
+                <a:highlight>
+                  <a:srgbClr val="000000"/>
+                </a:highlight>
+                <a:latin typeface="Courier New" panose="02070309020205020404" pitchFamily="49" charset="0"/>
+                <a:cs typeface="Courier New" panose="02070309020205020404" pitchFamily="49" charset="0"/>
+              </a:rPr>
+              <a:t>: “R/default”</a:t>
+            </a:r>
+          </a:p>
+        </p:txBody>
+      </p:sp>
+      <p:sp>
+        <p:nvSpPr>
+          <p:cNvPr id="5" name="TextBox 4">
+            <a:extLst>
+              <a:ext uri="{FF2B5EF4-FFF2-40B4-BE49-F238E27FC236}">
+                <a16:creationId xmlns:a16="http://schemas.microsoft.com/office/drawing/2014/main" id="{00C59421-B456-4C7F-8899-CA33CB118147}"/>
               </a:ext>
             </a:extLst>
           </p:cNvPr>
@@ -7274,8 +5536,8 @@
         </p:nvSpPr>
         <p:spPr>
           <a:xfrm>
-            <a:off x="758300" y="1451361"/>
-            <a:ext cx="10747159" cy="369332"/>
+            <a:off x="838200" y="2699789"/>
+            <a:ext cx="5868140" cy="2031325"/>
           </a:xfrm>
           <a:prstGeom prst="rect">
             <a:avLst/>
@@ -7283,212 +5545,68 @@
           <a:noFill/>
         </p:spPr>
         <p:txBody>
-          <a:bodyPr wrap="square">
+          <a:bodyPr wrap="square" rtlCol="0">
             <a:spAutoFit/>
           </a:bodyPr>
           <a:lstStyle/>
           <a:p>
             <a:r>
-              <a:rPr lang="en-GB" dirty="0" err="1">
-                <a:highlight>
-                  <a:srgbClr val="C0C0C0"/>
-                </a:highlight>
-                <a:latin typeface="Courier New" panose="02070309020205020404" pitchFamily="49" charset="0"/>
-                <a:cs typeface="Courier New" panose="02070309020205020404" pitchFamily="49" charset="0"/>
-              </a:rPr>
-              <a:t>snakemake</a:t>
-            </a:r>
-            <a:r>
-              <a:rPr lang="en-GB" dirty="0">
-                <a:highlight>
-                  <a:srgbClr val="C0C0C0"/>
-                </a:highlight>
-                <a:latin typeface="Courier New" panose="02070309020205020404" pitchFamily="49" charset="0"/>
-                <a:cs typeface="Courier New" panose="02070309020205020404" pitchFamily="49" charset="0"/>
-              </a:rPr>
-              <a:t> --</a:t>
-            </a:r>
-            <a:r>
-              <a:rPr lang="en-GB" dirty="0" err="1">
-                <a:highlight>
-                  <a:srgbClr val="C0C0C0"/>
-                </a:highlight>
-                <a:latin typeface="Courier New" panose="02070309020205020404" pitchFamily="49" charset="0"/>
-                <a:cs typeface="Courier New" panose="02070309020205020404" pitchFamily="49" charset="0"/>
-              </a:rPr>
-              <a:t>snakefile</a:t>
-            </a:r>
-            <a:r>
-              <a:rPr lang="en-GB" dirty="0">
-                <a:highlight>
-                  <a:srgbClr val="C0C0C0"/>
-                </a:highlight>
-                <a:latin typeface="Courier New" panose="02070309020205020404" pitchFamily="49" charset="0"/>
-                <a:cs typeface="Courier New" panose="02070309020205020404" pitchFamily="49" charset="0"/>
-              </a:rPr>
-              <a:t> </a:t>
-            </a:r>
-            <a:r>
-              <a:rPr lang="en-GB" dirty="0" err="1">
-                <a:highlight>
-                  <a:srgbClr val="C0C0C0"/>
-                </a:highlight>
-                <a:latin typeface="Courier New" panose="02070309020205020404" pitchFamily="49" charset="0"/>
-                <a:cs typeface="Courier New" panose="02070309020205020404" pitchFamily="49" charset="0"/>
-              </a:rPr>
-              <a:t>Snakefile_cluster.smk</a:t>
-            </a:r>
-            <a:r>
-              <a:rPr lang="en-GB" dirty="0">
-                <a:highlight>
-                  <a:srgbClr val="C0C0C0"/>
-                </a:highlight>
-                <a:latin typeface="Courier New" panose="02070309020205020404" pitchFamily="49" charset="0"/>
-                <a:cs typeface="Courier New" panose="02070309020205020404" pitchFamily="49" charset="0"/>
-              </a:rPr>
-              <a:t> --profile profile/</a:t>
-            </a:r>
-            <a:endParaRPr lang="en-GB" dirty="0"/>
-          </a:p>
-        </p:txBody>
-      </p:sp>
-      <p:sp>
-        <p:nvSpPr>
-          <p:cNvPr id="6" name="TextBox 5">
-            <a:extLst>
-              <a:ext uri="{FF2B5EF4-FFF2-40B4-BE49-F238E27FC236}">
-                <a16:creationId xmlns:a16="http://schemas.microsoft.com/office/drawing/2014/main" id="{9334B1B7-9CB4-4B03-88E2-B7B2464C809D}"/>
-              </a:ext>
-            </a:extLst>
-          </p:cNvPr>
-          <p:cNvSpPr txBox="1"/>
-          <p:nvPr/>
-        </p:nvSpPr>
-        <p:spPr>
-          <a:xfrm>
-            <a:off x="758299" y="2828835"/>
-            <a:ext cx="9006485" cy="1200329"/>
-          </a:xfrm>
-          <a:prstGeom prst="rect">
-            <a:avLst/>
-          </a:prstGeom>
-          <a:noFill/>
-        </p:spPr>
-        <p:txBody>
-          <a:bodyPr wrap="square">
-            <a:spAutoFit/>
-          </a:bodyPr>
-          <a:lstStyle/>
-          <a:p>
-            <a:r>
-              <a:rPr lang="en-GB" dirty="0">
-                <a:solidFill>
-                  <a:schemeClr val="bg1"/>
-                </a:solidFill>
-                <a:highlight>
-                  <a:srgbClr val="000000"/>
-                </a:highlight>
-                <a:latin typeface="Courier New" panose="02070309020205020404" pitchFamily="49" charset="0"/>
-                <a:cs typeface="Courier New" panose="02070309020205020404" pitchFamily="49" charset="0"/>
-              </a:rPr>
-              <a:t>rule </a:t>
-            </a:r>
-            <a:r>
-              <a:rPr lang="en-GB" dirty="0" err="1">
-                <a:solidFill>
-                  <a:schemeClr val="bg1"/>
-                </a:solidFill>
-                <a:highlight>
-                  <a:srgbClr val="000000"/>
-                </a:highlight>
-                <a:latin typeface="Courier New" panose="02070309020205020404" pitchFamily="49" charset="0"/>
-                <a:cs typeface="Courier New" panose="02070309020205020404" pitchFamily="49" charset="0"/>
-              </a:rPr>
-              <a:t>get_hostname</a:t>
-            </a:r>
-            <a:r>
-              <a:rPr lang="en-GB" dirty="0">
-                <a:solidFill>
-                  <a:schemeClr val="bg1"/>
-                </a:solidFill>
-                <a:highlight>
-                  <a:srgbClr val="000000"/>
-                </a:highlight>
-                <a:latin typeface="Courier New" panose="02070309020205020404" pitchFamily="49" charset="0"/>
-                <a:cs typeface="Courier New" panose="02070309020205020404" pitchFamily="49" charset="0"/>
-              </a:rPr>
-              <a:t>:</a:t>
-            </a:r>
-          </a:p>
-          <a:p>
-            <a:r>
-              <a:rPr lang="en-GB" dirty="0">
-                <a:solidFill>
-                  <a:schemeClr val="bg1"/>
-                </a:solidFill>
-                <a:highlight>
-                  <a:srgbClr val="000000"/>
-                </a:highlight>
-                <a:latin typeface="Courier New" panose="02070309020205020404" pitchFamily="49" charset="0"/>
-                <a:cs typeface="Courier New" panose="02070309020205020404" pitchFamily="49" charset="0"/>
-              </a:rPr>
-              <a:t>    input: "</a:t>
-            </a:r>
-            <a:r>
-              <a:rPr lang="en-GB" dirty="0" err="1">
-                <a:solidFill>
-                  <a:schemeClr val="bg1"/>
-                </a:solidFill>
-                <a:highlight>
-                  <a:srgbClr val="000000"/>
-                </a:highlight>
-                <a:latin typeface="Courier New" panose="02070309020205020404" pitchFamily="49" charset="0"/>
-                <a:cs typeface="Courier New" panose="02070309020205020404" pitchFamily="49" charset="0"/>
-              </a:rPr>
-              <a:t>Snakefile_cluster.smk</a:t>
-            </a:r>
-            <a:r>
-              <a:rPr lang="en-GB" dirty="0">
-                <a:solidFill>
-                  <a:schemeClr val="bg1"/>
-                </a:solidFill>
-                <a:highlight>
-                  <a:srgbClr val="000000"/>
-                </a:highlight>
-                <a:latin typeface="Courier New" panose="02070309020205020404" pitchFamily="49" charset="0"/>
-                <a:cs typeface="Courier New" panose="02070309020205020404" pitchFamily="49" charset="0"/>
-              </a:rPr>
-              <a:t>“  # dummy input</a:t>
-            </a:r>
-          </a:p>
-          <a:p>
-            <a:r>
-              <a:rPr lang="en-GB" dirty="0">
-                <a:solidFill>
-                  <a:schemeClr val="bg1"/>
-                </a:solidFill>
-                <a:highlight>
-                  <a:srgbClr val="000000"/>
-                </a:highlight>
-                <a:latin typeface="Courier New" panose="02070309020205020404" pitchFamily="49" charset="0"/>
-                <a:cs typeface="Courier New" panose="02070309020205020404" pitchFamily="49" charset="0"/>
-              </a:rPr>
-              <a:t>    output: "hostname.txt"</a:t>
-            </a:r>
-          </a:p>
-          <a:p>
-            <a:r>
-              <a:rPr lang="en-GB" dirty="0">
-                <a:solidFill>
-                  <a:schemeClr val="bg1"/>
-                </a:solidFill>
-                <a:highlight>
-                  <a:srgbClr val="000000"/>
-                </a:highlight>
-                <a:latin typeface="Courier New" panose="02070309020205020404" pitchFamily="49" charset="0"/>
-                <a:cs typeface="Courier New" panose="02070309020205020404" pitchFamily="49" charset="0"/>
-              </a:rPr>
-              <a:t>    shell: "hostname &gt; {output}"</a:t>
+              <a:rPr lang="en-GB" dirty="0"/>
+              <a:t>Pros:</a:t>
+            </a:r>
+          </a:p>
+          <a:p>
+            <a:pPr marL="285750" indent="-285750">
+              <a:buFont typeface="Arial" panose="020B0604020202020204" pitchFamily="34" charset="0"/>
+              <a:buChar char="•"/>
+            </a:pPr>
+            <a:r>
+              <a:rPr lang="en-GB" dirty="0"/>
+              <a:t>BMRC-specific – software matched to </a:t>
+            </a:r>
+            <a:r>
+              <a:rPr lang="en-GB" dirty="0" err="1"/>
+              <a:t>cpu</a:t>
+            </a:r>
+            <a:r>
+              <a:rPr lang="en-GB" dirty="0"/>
+              <a:t> architecture, so can be submitted to any node</a:t>
+            </a:r>
+          </a:p>
+          <a:p>
+            <a:pPr marL="285750" indent="-285750">
+              <a:buFont typeface="Arial" panose="020B0604020202020204" pitchFamily="34" charset="0"/>
+              <a:buChar char="•"/>
+            </a:pPr>
+            <a:r>
+              <a:rPr lang="en-GB" dirty="0"/>
+              <a:t>Quicker to start</a:t>
+            </a:r>
+          </a:p>
+          <a:p>
+            <a:r>
+              <a:rPr lang="en-GB" dirty="0"/>
+              <a:t>Cons:</a:t>
+            </a:r>
+          </a:p>
+          <a:p>
+            <a:pPr marL="285750" indent="-285750">
+              <a:buFont typeface="Arial" panose="020B0604020202020204" pitchFamily="34" charset="0"/>
+              <a:buChar char="•"/>
+            </a:pPr>
+            <a:r>
+              <a:rPr lang="en-GB" dirty="0"/>
+              <a:t>Not reproducible on another system</a:t>
+            </a:r>
+          </a:p>
+          <a:p>
+            <a:pPr marL="285750" indent="-285750">
+              <a:buFont typeface="Arial" panose="020B0604020202020204" pitchFamily="34" charset="0"/>
+              <a:buChar char="•"/>
+            </a:pPr>
+            <a:r>
+              <a:rPr lang="en-GB" dirty="0"/>
+              <a:t>Software you want may not be installed</a:t>
             </a:r>
           </a:p>
         </p:txBody>
@@ -7496,7 +5614,7 @@
     </p:spTree>
     <p:extLst>
       <p:ext uri="{BB962C8B-B14F-4D97-AF65-F5344CB8AC3E}">
-        <p14:creationId xmlns:p14="http://schemas.microsoft.com/office/powerpoint/2010/main" val="2213820181"/>
+        <p14:creationId xmlns:p14="http://schemas.microsoft.com/office/powerpoint/2010/main" val="4187697904"/>
       </p:ext>
     </p:extLst>
   </p:cSld>
@@ -7541,7 +5659,7 @@
         </p:nvSpPr>
         <p:spPr>
           <a:xfrm>
-            <a:off x="838200" y="1129"/>
+            <a:off x="838200" y="1142"/>
             <a:ext cx="10515600" cy="1325563"/>
           </a:xfrm>
         </p:spPr>
@@ -7553,47 +5671,126 @@
           <a:p>
             <a:r>
               <a:rPr lang="en-GB" sz="4000" b="1" dirty="0"/>
-              <a:t>A typical workflow</a:t>
-            </a:r>
-          </a:p>
-        </p:txBody>
-      </p:sp>
-      <p:pic>
-        <p:nvPicPr>
-          <p:cNvPr id="4" name="Picture 3">
-            <a:extLst>
-              <a:ext uri="{FF2B5EF4-FFF2-40B4-BE49-F238E27FC236}">
-                <a16:creationId xmlns:a16="http://schemas.microsoft.com/office/drawing/2014/main" id="{1197EC01-E35F-44EE-8CC8-41665332431B}"/>
-              </a:ext>
-            </a:extLst>
-          </p:cNvPr>
-          <p:cNvPicPr>
-            <a:picLocks noChangeAspect="1"/>
-          </p:cNvPicPr>
+              <a:t>Best of both worlds?</a:t>
+            </a:r>
+          </a:p>
+        </p:txBody>
+      </p:sp>
+      <p:sp>
+        <p:nvSpPr>
+          <p:cNvPr id="5" name="TextBox 4">
+            <a:extLst>
+              <a:ext uri="{FF2B5EF4-FFF2-40B4-BE49-F238E27FC236}">
+                <a16:creationId xmlns:a16="http://schemas.microsoft.com/office/drawing/2014/main" id="{00C59421-B456-4C7F-8899-CA33CB118147}"/>
+              </a:ext>
+            </a:extLst>
+          </p:cNvPr>
+          <p:cNvSpPr txBox="1"/>
           <p:nvPr/>
-        </p:nvPicPr>
-        <p:blipFill>
-          <a:blip r:embed="rId2"/>
-          <a:stretch>
-            <a:fillRect/>
-          </a:stretch>
-        </p:blipFill>
+        </p:nvSpPr>
         <p:spPr>
           <a:xfrm>
-            <a:off x="3811708" y="2010654"/>
-            <a:ext cx="4391025" cy="4219575"/>
+            <a:off x="838199" y="2188060"/>
+            <a:ext cx="10025543" cy="1200329"/>
           </a:xfrm>
           <a:prstGeom prst="rect">
             <a:avLst/>
           </a:prstGeom>
+          <a:noFill/>
         </p:spPr>
-      </p:pic>
+        <p:txBody>
+          <a:bodyPr wrap="square" rtlCol="0">
+            <a:spAutoFit/>
+          </a:bodyPr>
+          <a:lstStyle/>
+          <a:p>
+            <a:pPr marL="285750" indent="-285750">
+              <a:buFont typeface="Arial" panose="020B0604020202020204" pitchFamily="34" charset="0"/>
+              <a:buChar char="•"/>
+            </a:pPr>
+            <a:r>
+              <a:rPr lang="en-GB" dirty="0"/>
+              <a:t>Both </a:t>
+            </a:r>
+            <a:r>
+              <a:rPr lang="en-GB" dirty="0" err="1"/>
+              <a:t>Conda</a:t>
+            </a:r>
+            <a:r>
+              <a:rPr lang="en-GB" dirty="0"/>
+              <a:t> and </a:t>
+            </a:r>
+            <a:r>
+              <a:rPr lang="en-GB" dirty="0" err="1"/>
+              <a:t>envmodules</a:t>
+            </a:r>
+            <a:r>
+              <a:rPr lang="en-GB" dirty="0"/>
+              <a:t> can be specified </a:t>
+            </a:r>
+          </a:p>
+          <a:p>
+            <a:pPr marL="742950" lvl="1" indent="-285750">
+              <a:buFont typeface="Arial" panose="020B0604020202020204" pitchFamily="34" charset="0"/>
+              <a:buChar char="•"/>
+            </a:pPr>
+            <a:r>
+              <a:rPr lang="en-GB" dirty="0" err="1"/>
+              <a:t>Envmodules</a:t>
+            </a:r>
+            <a:r>
+              <a:rPr lang="en-GB" dirty="0"/>
+              <a:t> used where specified</a:t>
+            </a:r>
+          </a:p>
+          <a:p>
+            <a:pPr marL="742950" lvl="1" indent="-285750">
+              <a:buFont typeface="Arial" panose="020B0604020202020204" pitchFamily="34" charset="0"/>
+              <a:buChar char="•"/>
+            </a:pPr>
+            <a:r>
+              <a:rPr lang="en-GB" dirty="0" err="1"/>
+              <a:t>conda</a:t>
+            </a:r>
+            <a:r>
+              <a:rPr lang="en-GB" dirty="0"/>
+              <a:t> used when </a:t>
+            </a:r>
+            <a:r>
+              <a:rPr lang="en-GB" dirty="0" err="1"/>
+              <a:t>envmodules</a:t>
+            </a:r>
+            <a:r>
+              <a:rPr lang="en-GB" dirty="0"/>
+              <a:t> not specified</a:t>
+            </a:r>
+          </a:p>
+          <a:p>
+            <a:pPr marL="742950" lvl="1" indent="-285750">
+              <a:buFont typeface="Arial" panose="020B0604020202020204" pitchFamily="34" charset="0"/>
+              <a:buChar char="•"/>
+            </a:pPr>
+            <a:r>
+              <a:rPr lang="en-GB" dirty="0"/>
+              <a:t>Where required, rule-specific settings can be changed to account for </a:t>
+            </a:r>
+            <a:r>
+              <a:rPr lang="en-GB" dirty="0" err="1"/>
+              <a:t>cpu</a:t>
+            </a:r>
+            <a:r>
+              <a:rPr lang="en-GB" dirty="0"/>
+              <a:t> architecture</a:t>
+            </a:r>
+          </a:p>
+        </p:txBody>
+      </p:sp>
       <p:sp>
         <p:nvSpPr>
           <p:cNvPr id="8" name="TextBox 7">
             <a:extLst>
               <a:ext uri="{FF2B5EF4-FFF2-40B4-BE49-F238E27FC236}">
-                <a16:creationId xmlns:a16="http://schemas.microsoft.com/office/drawing/2014/main" id="{32C7E812-CE6F-44B4-9FA7-494980AD4B5E}"/>
+                <a16:creationId xmlns:a16="http://schemas.microsoft.com/office/drawing/2014/main" id="{F0FCBEF5-BC21-4305-85B1-2EEFF302E32B}"/>
               </a:ext>
             </a:extLst>
           </p:cNvPr>
@@ -7723,7 +5920,7 @@
     </p:spTree>
     <p:extLst>
       <p:ext uri="{BB962C8B-B14F-4D97-AF65-F5344CB8AC3E}">
-        <p14:creationId xmlns:p14="http://schemas.microsoft.com/office/powerpoint/2010/main" val="2735423464"/>
+        <p14:creationId xmlns:p14="http://schemas.microsoft.com/office/powerpoint/2010/main" val="2921548750"/>
       </p:ext>
     </p:extLst>
   </p:cSld>
@@ -7768,7 +5965,7 @@
         </p:nvSpPr>
         <p:spPr>
           <a:xfrm>
-            <a:off x="838200" y="1142"/>
+            <a:off x="838200" y="1135"/>
             <a:ext cx="10515600" cy="1325563"/>
           </a:xfrm>
         </p:spPr>
@@ -7779,12 +5976,8 @@
           <a:lstStyle/>
           <a:p>
             <a:r>
-              <a:rPr lang="en-GB" sz="4000" b="1" dirty="0" err="1"/>
-              <a:t>Conda</a:t>
-            </a:r>
-            <a:r>
               <a:rPr lang="en-GB" sz="4000" b="1" dirty="0"/>
-              <a:t> environments (per-rule)</a:t>
+              <a:t>Passing input/output/params to scripts - R</a:t>
             </a:r>
           </a:p>
         </p:txBody>
@@ -7807,8 +6000,8 @@
         </p:nvSpPr>
         <p:spPr>
           <a:xfrm>
-            <a:off x="838200" y="1825625"/>
-            <a:ext cx="3884720" cy="4351338"/>
+            <a:off x="838200" y="1129681"/>
+            <a:ext cx="10799618" cy="5288873"/>
           </a:xfrm>
         </p:spPr>
         <p:txBody>
@@ -7817,11 +6010,49 @@
           </a:bodyPr>
           <a:lstStyle/>
           <a:p>
-            <a:pPr marL="0" indent="0">
-              <a:buNone/>
-            </a:pPr>
-            <a:r>
-              <a:rPr lang="en-GB" dirty="0">
+            <a:r>
+              <a:rPr lang="en-GB" sz="2400" dirty="0">
+                <a:cs typeface="Courier New" panose="02070309020205020404" pitchFamily="49" charset="0"/>
+              </a:rPr>
+              <a:t>R script invoked by </a:t>
+            </a:r>
+            <a:r>
+              <a:rPr lang="en-GB" sz="2400" dirty="0" err="1">
+                <a:cs typeface="Courier New" panose="02070309020205020404" pitchFamily="49" charset="0"/>
+              </a:rPr>
+              <a:t>snakemake</a:t>
+            </a:r>
+            <a:r>
+              <a:rPr lang="en-GB" sz="2400" dirty="0">
+                <a:cs typeface="Courier New" panose="02070309020205020404" pitchFamily="49" charset="0"/>
+              </a:rPr>
+              <a:t> contains a </a:t>
+            </a:r>
+            <a:r>
+              <a:rPr lang="en-GB" sz="2400" dirty="0" err="1">
+                <a:cs typeface="Courier New" panose="02070309020205020404" pitchFamily="49" charset="0"/>
+              </a:rPr>
+              <a:t>snakemake</a:t>
+            </a:r>
+            <a:r>
+              <a:rPr lang="en-GB" sz="2400" dirty="0">
+                <a:cs typeface="Courier New" panose="02070309020205020404" pitchFamily="49" charset="0"/>
+              </a:rPr>
+              <a:t> S4 object</a:t>
+            </a:r>
+          </a:p>
+          <a:p>
+            <a:r>
+              <a:rPr lang="en-GB" sz="2400" dirty="0">
+                <a:cs typeface="Courier New" panose="02070309020205020404" pitchFamily="49" charset="0"/>
+              </a:rPr>
+              <a:t>Accessed by</a:t>
+            </a:r>
+          </a:p>
+          <a:p>
+            <a:pPr lvl="1"/>
+            <a:r>
+              <a:rPr lang="en-GB" sz="2000" dirty="0" err="1">
                 <a:solidFill>
                   <a:schemeClr val="bg1"/>
                 </a:solidFill>
@@ -7831,15 +6062,10 @@
                 <a:latin typeface="Courier New" panose="02070309020205020404" pitchFamily="49" charset="0"/>
                 <a:cs typeface="Courier New" panose="02070309020205020404" pitchFamily="49" charset="0"/>
               </a:rPr>
-              <a:t>channels:</a:t>
-            </a:r>
-          </a:p>
-          <a:p>
-            <a:pPr marL="457200" lvl="1" indent="0">
-              <a:buNone/>
-            </a:pPr>
-            <a:r>
-              <a:rPr lang="en-GB" dirty="0">
+              <a:t>snakemake@input</a:t>
+            </a:r>
+            <a:r>
+              <a:rPr lang="en-GB" sz="2000" dirty="0">
                 <a:solidFill>
                   <a:schemeClr val="bg1"/>
                 </a:solidFill>
@@ -7849,10 +6075,13 @@
                 <a:latin typeface="Courier New" panose="02070309020205020404" pitchFamily="49" charset="0"/>
                 <a:cs typeface="Courier New" panose="02070309020205020404" pitchFamily="49" charset="0"/>
               </a:rPr>
-              <a:t>- </a:t>
-            </a:r>
-            <a:r>
-              <a:rPr lang="en-GB" dirty="0" err="1">
+              <a:t>    # list</a:t>
+            </a:r>
+          </a:p>
+          <a:p>
+            <a:pPr lvl="1"/>
+            <a:r>
+              <a:rPr lang="en-GB" sz="2000" dirty="0" err="1">
                 <a:solidFill>
                   <a:schemeClr val="bg1"/>
                 </a:solidFill>
@@ -7862,10 +6091,10 @@
                 <a:latin typeface="Courier New" panose="02070309020205020404" pitchFamily="49" charset="0"/>
                 <a:cs typeface="Courier New" panose="02070309020205020404" pitchFamily="49" charset="0"/>
               </a:rPr>
-              <a:t>conda</a:t>
-            </a:r>
-            <a:r>
-              <a:rPr lang="en-GB" dirty="0">
+              <a:t>snakemake@output</a:t>
+            </a:r>
+            <a:r>
+              <a:rPr lang="en-GB" sz="2000" dirty="0">
                 <a:solidFill>
                   <a:schemeClr val="bg1"/>
                 </a:solidFill>
@@ -7875,15 +6104,13 @@
                 <a:latin typeface="Courier New" panose="02070309020205020404" pitchFamily="49" charset="0"/>
                 <a:cs typeface="Courier New" panose="02070309020205020404" pitchFamily="49" charset="0"/>
               </a:rPr>
-              <a:t>-forge</a:t>
-            </a:r>
-          </a:p>
-          <a:p>
-            <a:pPr marL="457200" lvl="1" indent="0">
-              <a:buNone/>
-            </a:pPr>
-            <a:r>
-              <a:rPr lang="en-GB" dirty="0">
+              <a:t>    </a:t>
+            </a:r>
+          </a:p>
+          <a:p>
+            <a:pPr lvl="1"/>
+            <a:r>
+              <a:rPr lang="en-GB" sz="2000" dirty="0" err="1">
                 <a:solidFill>
                   <a:schemeClr val="bg1"/>
                 </a:solidFill>
@@ -7893,22 +6120,9 @@
                 <a:latin typeface="Courier New" panose="02070309020205020404" pitchFamily="49" charset="0"/>
                 <a:cs typeface="Courier New" panose="02070309020205020404" pitchFamily="49" charset="0"/>
               </a:rPr>
-              <a:t>- </a:t>
-            </a:r>
-            <a:r>
-              <a:rPr lang="en-GB" dirty="0" err="1">
-                <a:solidFill>
-                  <a:schemeClr val="bg1"/>
-                </a:solidFill>
-                <a:highlight>
-                  <a:srgbClr val="000000"/>
-                </a:highlight>
-                <a:latin typeface="Courier New" panose="02070309020205020404" pitchFamily="49" charset="0"/>
-                <a:cs typeface="Courier New" panose="02070309020205020404" pitchFamily="49" charset="0"/>
-              </a:rPr>
-              <a:t>bioconda</a:t>
-            </a:r>
-            <a:endParaRPr lang="en-GB" dirty="0">
+              <a:t>snakemake@params</a:t>
+            </a:r>
+            <a:endParaRPr lang="en-GB" sz="2000" dirty="0">
               <a:solidFill>
                 <a:schemeClr val="bg1"/>
               </a:solidFill>
@@ -7920,11 +6134,9 @@
             </a:endParaRPr>
           </a:p>
           <a:p>
-            <a:pPr marL="0" indent="0">
-              <a:buNone/>
-            </a:pPr>
-            <a:r>
-              <a:rPr lang="en-GB" dirty="0">
+            <a:pPr lvl="1"/>
+            <a:r>
+              <a:rPr lang="en-GB" sz="2000" dirty="0" err="1">
                 <a:solidFill>
                   <a:schemeClr val="bg1"/>
                 </a:solidFill>
@@ -7934,15 +6146,23 @@
                 <a:latin typeface="Courier New" panose="02070309020205020404" pitchFamily="49" charset="0"/>
                 <a:cs typeface="Courier New" panose="02070309020205020404" pitchFamily="49" charset="0"/>
               </a:rPr>
-              <a:t>dependencies:</a:t>
-            </a:r>
-          </a:p>
-          <a:p>
-            <a:pPr marL="457200" lvl="1" indent="0">
-              <a:buNone/>
-            </a:pPr>
-            <a:r>
-              <a:rPr lang="en-GB" dirty="0">
+              <a:t>snakemake@threads</a:t>
+            </a:r>
+            <a:endParaRPr lang="en-GB" sz="2000" dirty="0">
+              <a:solidFill>
+                <a:schemeClr val="bg1"/>
+              </a:solidFill>
+              <a:highlight>
+                <a:srgbClr val="000000"/>
+              </a:highlight>
+              <a:latin typeface="Courier New" panose="02070309020205020404" pitchFamily="49" charset="0"/>
+              <a:cs typeface="Courier New" panose="02070309020205020404" pitchFamily="49" charset="0"/>
+            </a:endParaRPr>
+          </a:p>
+          <a:p>
+            <a:pPr lvl="1"/>
+            <a:r>
+              <a:rPr lang="en-GB" sz="2000" dirty="0" err="1">
                 <a:solidFill>
                   <a:schemeClr val="bg1"/>
                 </a:solidFill>
@@ -7952,182 +6172,157 @@
                 <a:latin typeface="Courier New" panose="02070309020205020404" pitchFamily="49" charset="0"/>
                 <a:cs typeface="Courier New" panose="02070309020205020404" pitchFamily="49" charset="0"/>
               </a:rPr>
-              <a:t>- bwa=0.7.17</a:t>
-            </a:r>
-          </a:p>
-        </p:txBody>
-      </p:sp>
-      <p:sp>
-        <p:nvSpPr>
-          <p:cNvPr id="4" name="TextBox 3">
-            <a:extLst>
-              <a:ext uri="{FF2B5EF4-FFF2-40B4-BE49-F238E27FC236}">
-                <a16:creationId xmlns:a16="http://schemas.microsoft.com/office/drawing/2014/main" id="{96C5CD21-3EC7-40A9-B749-86509EAC3522}"/>
-              </a:ext>
-            </a:extLst>
-          </p:cNvPr>
-          <p:cNvSpPr txBox="1"/>
-          <p:nvPr/>
-        </p:nvSpPr>
-        <p:spPr>
-          <a:xfrm>
-            <a:off x="838200" y="1426480"/>
-            <a:ext cx="1624614" cy="369332"/>
-          </a:xfrm>
-          <a:prstGeom prst="rect">
-            <a:avLst/>
-          </a:prstGeom>
-          <a:noFill/>
-        </p:spPr>
-        <p:txBody>
-          <a:bodyPr wrap="square" rtlCol="0">
-            <a:spAutoFit/>
-          </a:bodyPr>
-          <a:lstStyle/>
-          <a:p>
-            <a:r>
-              <a:rPr lang="en-GB" dirty="0" err="1"/>
-              <a:t>envs</a:t>
-            </a:r>
-            <a:r>
-              <a:rPr lang="en-GB" dirty="0"/>
-              <a:t>/</a:t>
-            </a:r>
-            <a:r>
-              <a:rPr lang="en-GB" dirty="0" err="1"/>
-              <a:t>bwa.yaml</a:t>
-            </a:r>
-            <a:endParaRPr lang="en-GB" dirty="0"/>
-          </a:p>
-        </p:txBody>
-      </p:sp>
-      <p:sp>
-        <p:nvSpPr>
-          <p:cNvPr id="5" name="TextBox 4">
-            <a:extLst>
-              <a:ext uri="{FF2B5EF4-FFF2-40B4-BE49-F238E27FC236}">
-                <a16:creationId xmlns:a16="http://schemas.microsoft.com/office/drawing/2014/main" id="{46327F87-DB42-4B6F-A6F9-41480472E3E0}"/>
-              </a:ext>
-            </a:extLst>
-          </p:cNvPr>
-          <p:cNvSpPr txBox="1"/>
-          <p:nvPr/>
-        </p:nvSpPr>
-        <p:spPr>
-          <a:xfrm>
-            <a:off x="5628443" y="1544715"/>
-            <a:ext cx="5868140" cy="2862322"/>
-          </a:xfrm>
-          <a:prstGeom prst="rect">
-            <a:avLst/>
-          </a:prstGeom>
-          <a:noFill/>
-        </p:spPr>
-        <p:txBody>
-          <a:bodyPr wrap="square" rtlCol="0">
-            <a:spAutoFit/>
-          </a:bodyPr>
-          <a:lstStyle/>
-          <a:p>
-            <a:r>
-              <a:rPr lang="en-GB" dirty="0"/>
-              <a:t>Pros:</a:t>
-            </a:r>
-          </a:p>
-          <a:p>
-            <a:pPr marL="285750" indent="-285750">
-              <a:buFont typeface="Arial" panose="020B0604020202020204" pitchFamily="34" charset="0"/>
-              <a:buChar char="•"/>
-            </a:pPr>
-            <a:r>
-              <a:rPr lang="en-GB" dirty="0"/>
-              <a:t>Fully reproducible</a:t>
-            </a:r>
-          </a:p>
-          <a:p>
-            <a:pPr marL="285750" indent="-285750">
-              <a:buFont typeface="Arial" panose="020B0604020202020204" pitchFamily="34" charset="0"/>
-              <a:buChar char="•"/>
-            </a:pPr>
-            <a:r>
-              <a:rPr lang="en-GB" dirty="0"/>
-              <a:t>Software versions</a:t>
-            </a:r>
-          </a:p>
-          <a:p>
-            <a:pPr marL="285750" indent="-285750">
-              <a:buFont typeface="Arial" panose="020B0604020202020204" pitchFamily="34" charset="0"/>
-              <a:buChar char="•"/>
-            </a:pPr>
-            <a:r>
-              <a:rPr lang="en-GB" dirty="0"/>
-              <a:t>No clash of dependencies (if </a:t>
-            </a:r>
-            <a:r>
-              <a:rPr lang="en-GB" dirty="0" err="1"/>
-              <a:t>conda</a:t>
-            </a:r>
-            <a:r>
-              <a:rPr lang="en-GB" dirty="0"/>
-              <a:t> environments are minimal)</a:t>
-            </a:r>
-          </a:p>
-          <a:p>
-            <a:r>
-              <a:rPr lang="en-GB" dirty="0"/>
-              <a:t>Cons:</a:t>
-            </a:r>
-          </a:p>
-          <a:p>
-            <a:pPr marL="285750" indent="-285750">
-              <a:buFont typeface="Arial" panose="020B0604020202020204" pitchFamily="34" charset="0"/>
-              <a:buChar char="•"/>
-            </a:pPr>
-            <a:r>
-              <a:rPr lang="en-GB" dirty="0"/>
-              <a:t>First run takes time to install </a:t>
-            </a:r>
-            <a:r>
-              <a:rPr lang="en-GB" dirty="0" err="1"/>
-              <a:t>conda</a:t>
-            </a:r>
-            <a:r>
-              <a:rPr lang="en-GB" dirty="0"/>
-              <a:t> env</a:t>
-            </a:r>
-          </a:p>
-          <a:p>
-            <a:pPr marL="285750" indent="-285750">
-              <a:buFont typeface="Arial" panose="020B0604020202020204" pitchFamily="34" charset="0"/>
-              <a:buChar char="•"/>
-            </a:pPr>
-            <a:r>
-              <a:rPr lang="en-GB" dirty="0"/>
-              <a:t>BMRC-specific – </a:t>
-            </a:r>
-            <a:r>
-              <a:rPr lang="en-GB" dirty="0" err="1"/>
-              <a:t>conda</a:t>
-            </a:r>
-            <a:r>
-              <a:rPr lang="en-GB" dirty="0"/>
-              <a:t> </a:t>
-            </a:r>
-            <a:r>
-              <a:rPr lang="en-GB" dirty="0" err="1"/>
-              <a:t>envs</a:t>
-            </a:r>
-            <a:r>
-              <a:rPr lang="en-GB" dirty="0"/>
-              <a:t> built using submission node but may raise ‘illegal instruction’ error when </a:t>
-            </a:r>
-            <a:r>
-              <a:rPr lang="en-GB" dirty="0" err="1"/>
-              <a:t>cpu</a:t>
-            </a:r>
-            <a:r>
-              <a:rPr lang="en-GB" dirty="0"/>
-              <a:t> architecture doesn’t match (e.g. C and D nodes)</a:t>
+              <a:t>snakemake@config</a:t>
+            </a:r>
+            <a:endParaRPr lang="en-GB" sz="2000" dirty="0">
+              <a:solidFill>
+                <a:schemeClr val="bg1"/>
+              </a:solidFill>
+              <a:highlight>
+                <a:srgbClr val="000000"/>
+              </a:highlight>
+              <a:latin typeface="Courier New" panose="02070309020205020404" pitchFamily="49" charset="0"/>
+              <a:cs typeface="Courier New" panose="02070309020205020404" pitchFamily="49" charset="0"/>
+            </a:endParaRPr>
+          </a:p>
+          <a:p>
+            <a:pPr lvl="1"/>
+            <a:endParaRPr lang="en-GB" sz="2000" dirty="0">
+              <a:cs typeface="Courier New" panose="02070309020205020404" pitchFamily="49" charset="0"/>
+            </a:endParaRPr>
+          </a:p>
+          <a:p>
+            <a:r>
+              <a:rPr lang="en-GB" sz="2400" dirty="0">
+                <a:cs typeface="Courier New" panose="02070309020205020404" pitchFamily="49" charset="0"/>
+              </a:rPr>
+              <a:t>Example:</a:t>
+            </a:r>
+          </a:p>
+          <a:p>
+            <a:pPr lvl="1"/>
+            <a:r>
+              <a:rPr lang="en-GB" sz="2000" dirty="0" err="1">
+                <a:solidFill>
+                  <a:schemeClr val="bg1"/>
+                </a:solidFill>
+                <a:highlight>
+                  <a:srgbClr val="000000"/>
+                </a:highlight>
+                <a:cs typeface="Courier New" panose="02070309020205020404" pitchFamily="49" charset="0"/>
+              </a:rPr>
+              <a:t>inputfile</a:t>
+            </a:r>
+            <a:r>
+              <a:rPr lang="en-GB" sz="2000" dirty="0">
+                <a:solidFill>
+                  <a:schemeClr val="bg1"/>
+                </a:solidFill>
+                <a:highlight>
+                  <a:srgbClr val="000000"/>
+                </a:highlight>
+                <a:cs typeface="Courier New" panose="02070309020205020404" pitchFamily="49" charset="0"/>
+              </a:rPr>
+              <a:t> &lt;- </a:t>
+            </a:r>
+            <a:r>
+              <a:rPr lang="en-GB" sz="2000" dirty="0" err="1">
+                <a:solidFill>
+                  <a:schemeClr val="bg1"/>
+                </a:solidFill>
+                <a:highlight>
+                  <a:srgbClr val="000000"/>
+                </a:highlight>
+                <a:cs typeface="Courier New" panose="02070309020205020404" pitchFamily="49" charset="0"/>
+              </a:rPr>
+              <a:t>snakemake@input</a:t>
+            </a:r>
+            <a:r>
+              <a:rPr lang="en-GB" sz="2000" dirty="0">
+                <a:solidFill>
+                  <a:schemeClr val="bg1"/>
+                </a:solidFill>
+                <a:highlight>
+                  <a:srgbClr val="000000"/>
+                </a:highlight>
+                <a:cs typeface="Courier New" panose="02070309020205020404" pitchFamily="49" charset="0"/>
+              </a:rPr>
+              <a:t>[[1]]</a:t>
+            </a:r>
+          </a:p>
+          <a:p>
+            <a:pPr lvl="1"/>
+            <a:r>
+              <a:rPr lang="en-GB" sz="2000" dirty="0" err="1">
+                <a:solidFill>
+                  <a:schemeClr val="bg1"/>
+                </a:solidFill>
+                <a:highlight>
+                  <a:srgbClr val="000000"/>
+                </a:highlight>
+                <a:cs typeface="Courier New" panose="02070309020205020404" pitchFamily="49" charset="0"/>
+              </a:rPr>
+              <a:t>gatk_param</a:t>
+            </a:r>
+            <a:r>
+              <a:rPr lang="en-GB" sz="2000" dirty="0">
+                <a:solidFill>
+                  <a:schemeClr val="bg1"/>
+                </a:solidFill>
+                <a:highlight>
+                  <a:srgbClr val="000000"/>
+                </a:highlight>
+                <a:cs typeface="Courier New" panose="02070309020205020404" pitchFamily="49" charset="0"/>
+              </a:rPr>
+              <a:t> &lt;- </a:t>
+            </a:r>
+            <a:r>
+              <a:rPr lang="en-GB" sz="2000" dirty="0" err="1">
+                <a:solidFill>
+                  <a:schemeClr val="bg1"/>
+                </a:solidFill>
+                <a:highlight>
+                  <a:srgbClr val="000000"/>
+                </a:highlight>
+                <a:cs typeface="Courier New" panose="02070309020205020404" pitchFamily="49" charset="0"/>
+              </a:rPr>
+              <a:t>snakemake@params</a:t>
+            </a:r>
+            <a:r>
+              <a:rPr lang="en-GB" sz="2000" dirty="0">
+                <a:solidFill>
+                  <a:schemeClr val="bg1"/>
+                </a:solidFill>
+                <a:highlight>
+                  <a:srgbClr val="000000"/>
+                </a:highlight>
+                <a:cs typeface="Courier New" panose="02070309020205020404" pitchFamily="49" charset="0"/>
+              </a:rPr>
+              <a:t>[[“</a:t>
+            </a:r>
+            <a:r>
+              <a:rPr lang="en-GB" sz="2000" dirty="0" err="1">
+                <a:solidFill>
+                  <a:schemeClr val="bg1"/>
+                </a:solidFill>
+                <a:highlight>
+                  <a:srgbClr val="000000"/>
+                </a:highlight>
+                <a:cs typeface="Courier New" panose="02070309020205020404" pitchFamily="49" charset="0"/>
+              </a:rPr>
+              <a:t>gatk</a:t>
+            </a:r>
+            <a:r>
+              <a:rPr lang="en-GB" sz="2000" dirty="0">
+                <a:solidFill>
+                  <a:schemeClr val="bg1"/>
+                </a:solidFill>
+                <a:highlight>
+                  <a:srgbClr val="000000"/>
+                </a:highlight>
+                <a:cs typeface="Courier New" panose="02070309020205020404" pitchFamily="49" charset="0"/>
+              </a:rPr>
+              <a:t>”]]</a:t>
             </a:r>
           </a:p>
         </p:txBody>
@@ -8135,7 +6330,7 @@
     </p:spTree>
     <p:extLst>
       <p:ext uri="{BB962C8B-B14F-4D97-AF65-F5344CB8AC3E}">
-        <p14:creationId xmlns:p14="http://schemas.microsoft.com/office/powerpoint/2010/main" val="1734257113"/>
+        <p14:creationId xmlns:p14="http://schemas.microsoft.com/office/powerpoint/2010/main" val="692825558"/>
       </p:ext>
     </p:extLst>
   </p:cSld>
@@ -8180,7 +6375,7 @@
         </p:nvSpPr>
         <p:spPr>
           <a:xfrm>
-            <a:off x="838200" y="1142"/>
+            <a:off x="838200" y="1135"/>
             <a:ext cx="10515600" cy="1325563"/>
           </a:xfrm>
         </p:spPr>
@@ -8192,7 +6387,7 @@
           <a:p>
             <a:r>
               <a:rPr lang="en-GB" sz="4000" b="1" dirty="0"/>
-              <a:t>Environment modules (per-rule)</a:t>
+              <a:t>Passing input/output/params to scripts - Python</a:t>
             </a:r>
           </a:p>
         </p:txBody>
@@ -8215,8 +6410,8 @@
         </p:nvSpPr>
         <p:spPr>
           <a:xfrm>
-            <a:off x="838200" y="1825625"/>
-            <a:ext cx="6015361" cy="704511"/>
+            <a:off x="838200" y="1129681"/>
+            <a:ext cx="10799618" cy="5288873"/>
           </a:xfrm>
         </p:spPr>
         <p:txBody>
@@ -8225,123 +6420,309 @@
           </a:bodyPr>
           <a:lstStyle/>
           <a:p>
-            <a:pPr marL="0" indent="0">
-              <a:buNone/>
-            </a:pPr>
-            <a:r>
-              <a:rPr lang="en-GB" dirty="0" err="1">
+            <a:r>
+              <a:rPr lang="en-GB" sz="2400" dirty="0">
+                <a:cs typeface="Courier New" panose="02070309020205020404" pitchFamily="49" charset="0"/>
+              </a:rPr>
+              <a:t>Python script invoked by </a:t>
+            </a:r>
+            <a:r>
+              <a:rPr lang="en-GB" sz="2400" dirty="0" err="1">
+                <a:cs typeface="Courier New" panose="02070309020205020404" pitchFamily="49" charset="0"/>
+              </a:rPr>
+              <a:t>snakemake</a:t>
+            </a:r>
+            <a:r>
+              <a:rPr lang="en-GB" sz="2400" dirty="0">
+                <a:cs typeface="Courier New" panose="02070309020205020404" pitchFamily="49" charset="0"/>
+              </a:rPr>
+              <a:t> contains a </a:t>
+            </a:r>
+            <a:r>
+              <a:rPr lang="en-GB" sz="2400" dirty="0" err="1">
+                <a:cs typeface="Courier New" panose="02070309020205020404" pitchFamily="49" charset="0"/>
+              </a:rPr>
+              <a:t>snakemake</a:t>
+            </a:r>
+            <a:r>
+              <a:rPr lang="en-GB" sz="2400" dirty="0">
+                <a:cs typeface="Courier New" panose="02070309020205020404" pitchFamily="49" charset="0"/>
+              </a:rPr>
+              <a:t> object</a:t>
+            </a:r>
+          </a:p>
+          <a:p>
+            <a:r>
+              <a:rPr lang="en-GB" sz="2400" dirty="0">
+                <a:cs typeface="Courier New" panose="02070309020205020404" pitchFamily="49" charset="0"/>
+              </a:rPr>
+              <a:t>Accessed by</a:t>
+            </a:r>
+          </a:p>
+          <a:p>
+            <a:pPr lvl="1"/>
+            <a:r>
+              <a:rPr lang="en-GB" sz="2000" dirty="0" err="1">
                 <a:solidFill>
                   <a:schemeClr val="bg1"/>
                 </a:solidFill>
                 <a:highlight>
                   <a:srgbClr val="000000"/>
                 </a:highlight>
-                <a:latin typeface="Courier New" panose="02070309020205020404" pitchFamily="49" charset="0"/>
-                <a:cs typeface="Courier New" panose="02070309020205020404" pitchFamily="49" charset="0"/>
-              </a:rPr>
-              <a:t>envmodules</a:t>
-            </a:r>
-            <a:r>
-              <a:rPr lang="en-GB" dirty="0">
+                <a:cs typeface="Courier New" panose="02070309020205020404" pitchFamily="49" charset="0"/>
+              </a:rPr>
+              <a:t>snakemake.input</a:t>
+            </a:r>
+            <a:r>
+              <a:rPr lang="en-GB" sz="2000" dirty="0">
                 <a:solidFill>
                   <a:schemeClr val="bg1"/>
                 </a:solidFill>
                 <a:highlight>
                   <a:srgbClr val="000000"/>
                 </a:highlight>
-                <a:latin typeface="Courier New" panose="02070309020205020404" pitchFamily="49" charset="0"/>
-                <a:cs typeface="Courier New" panose="02070309020205020404" pitchFamily="49" charset="0"/>
-              </a:rPr>
-              <a:t>: “R/default”</a:t>
-            </a:r>
-          </a:p>
-        </p:txBody>
-      </p:sp>
-      <p:sp>
-        <p:nvSpPr>
-          <p:cNvPr id="5" name="TextBox 4">
-            <a:extLst>
-              <a:ext uri="{FF2B5EF4-FFF2-40B4-BE49-F238E27FC236}">
-                <a16:creationId xmlns:a16="http://schemas.microsoft.com/office/drawing/2014/main" id="{00C59421-B456-4C7F-8899-CA33CB118147}"/>
-              </a:ext>
-            </a:extLst>
-          </p:cNvPr>
-          <p:cNvSpPr txBox="1"/>
-          <p:nvPr/>
-        </p:nvSpPr>
-        <p:spPr>
-          <a:xfrm>
-            <a:off x="838200" y="2699789"/>
-            <a:ext cx="5868140" cy="2031325"/>
-          </a:xfrm>
-          <a:prstGeom prst="rect">
-            <a:avLst/>
-          </a:prstGeom>
-          <a:noFill/>
-        </p:spPr>
-        <p:txBody>
-          <a:bodyPr wrap="square" rtlCol="0">
-            <a:spAutoFit/>
-          </a:bodyPr>
-          <a:lstStyle/>
-          <a:p>
-            <a:r>
-              <a:rPr lang="en-GB" dirty="0"/>
-              <a:t>Pros:</a:t>
-            </a:r>
-          </a:p>
-          <a:p>
-            <a:pPr marL="285750" indent="-285750">
-              <a:buFont typeface="Arial" panose="020B0604020202020204" pitchFamily="34" charset="0"/>
-              <a:buChar char="•"/>
-            </a:pPr>
-            <a:r>
-              <a:rPr lang="en-GB" dirty="0"/>
-              <a:t>BMRC-specific – software matched to </a:t>
-            </a:r>
-            <a:r>
-              <a:rPr lang="en-GB" dirty="0" err="1"/>
-              <a:t>cpu</a:t>
-            </a:r>
-            <a:r>
-              <a:rPr lang="en-GB" dirty="0"/>
-              <a:t> architecture, so can be submitted to any node</a:t>
-            </a:r>
-          </a:p>
-          <a:p>
-            <a:pPr marL="285750" indent="-285750">
-              <a:buFont typeface="Arial" panose="020B0604020202020204" pitchFamily="34" charset="0"/>
-              <a:buChar char="•"/>
-            </a:pPr>
-            <a:r>
-              <a:rPr lang="en-GB" dirty="0"/>
-              <a:t>Quicker to start</a:t>
-            </a:r>
-          </a:p>
-          <a:p>
-            <a:r>
-              <a:rPr lang="en-GB" dirty="0"/>
-              <a:t>Cons:</a:t>
-            </a:r>
-          </a:p>
-          <a:p>
-            <a:pPr marL="285750" indent="-285750">
-              <a:buFont typeface="Arial" panose="020B0604020202020204" pitchFamily="34" charset="0"/>
-              <a:buChar char="•"/>
-            </a:pPr>
-            <a:r>
-              <a:rPr lang="en-GB" dirty="0"/>
-              <a:t>Not reproducible on another system</a:t>
-            </a:r>
-          </a:p>
-          <a:p>
-            <a:pPr marL="285750" indent="-285750">
-              <a:buFont typeface="Arial" panose="020B0604020202020204" pitchFamily="34" charset="0"/>
-              <a:buChar char="•"/>
-            </a:pPr>
-            <a:r>
-              <a:rPr lang="en-GB" dirty="0"/>
-              <a:t>Software you want may not be installed</a:t>
+                <a:cs typeface="Courier New" panose="02070309020205020404" pitchFamily="49" charset="0"/>
+              </a:rPr>
+              <a:t>    # list</a:t>
+            </a:r>
+          </a:p>
+          <a:p>
+            <a:pPr lvl="1"/>
+            <a:r>
+              <a:rPr lang="en-GB" sz="2000" dirty="0" err="1">
+                <a:solidFill>
+                  <a:schemeClr val="bg1"/>
+                </a:solidFill>
+                <a:highlight>
+                  <a:srgbClr val="000000"/>
+                </a:highlight>
+                <a:cs typeface="Courier New" panose="02070309020205020404" pitchFamily="49" charset="0"/>
+              </a:rPr>
+              <a:t>snakemake.output</a:t>
+            </a:r>
+            <a:r>
+              <a:rPr lang="en-GB" sz="2000" dirty="0">
+                <a:solidFill>
+                  <a:schemeClr val="bg1"/>
+                </a:solidFill>
+                <a:highlight>
+                  <a:srgbClr val="000000"/>
+                </a:highlight>
+                <a:cs typeface="Courier New" panose="02070309020205020404" pitchFamily="49" charset="0"/>
+              </a:rPr>
+              <a:t>    </a:t>
+            </a:r>
+          </a:p>
+          <a:p>
+            <a:pPr lvl="1"/>
+            <a:r>
+              <a:rPr lang="en-GB" sz="2000" dirty="0" err="1">
+                <a:solidFill>
+                  <a:schemeClr val="bg1"/>
+                </a:solidFill>
+                <a:highlight>
+                  <a:srgbClr val="000000"/>
+                </a:highlight>
+                <a:cs typeface="Courier New" panose="02070309020205020404" pitchFamily="49" charset="0"/>
+              </a:rPr>
+              <a:t>snakemake.params</a:t>
+            </a:r>
+            <a:endParaRPr lang="en-GB" sz="2000" dirty="0">
+              <a:solidFill>
+                <a:schemeClr val="bg1"/>
+              </a:solidFill>
+              <a:highlight>
+                <a:srgbClr val="000000"/>
+              </a:highlight>
+              <a:cs typeface="Courier New" panose="02070309020205020404" pitchFamily="49" charset="0"/>
+            </a:endParaRPr>
+          </a:p>
+          <a:p>
+            <a:pPr lvl="1"/>
+            <a:r>
+              <a:rPr lang="en-GB" sz="2000" dirty="0" err="1">
+                <a:solidFill>
+                  <a:schemeClr val="bg1"/>
+                </a:solidFill>
+                <a:highlight>
+                  <a:srgbClr val="000000"/>
+                </a:highlight>
+                <a:cs typeface="Courier New" panose="02070309020205020404" pitchFamily="49" charset="0"/>
+              </a:rPr>
+              <a:t>snakemake.threads</a:t>
+            </a:r>
+            <a:endParaRPr lang="en-GB" sz="2000" dirty="0">
+              <a:solidFill>
+                <a:schemeClr val="bg1"/>
+              </a:solidFill>
+              <a:highlight>
+                <a:srgbClr val="000000"/>
+              </a:highlight>
+              <a:cs typeface="Courier New" panose="02070309020205020404" pitchFamily="49" charset="0"/>
+            </a:endParaRPr>
+          </a:p>
+          <a:p>
+            <a:pPr lvl="1"/>
+            <a:r>
+              <a:rPr lang="en-GB" sz="2000" dirty="0" err="1">
+                <a:solidFill>
+                  <a:schemeClr val="bg1"/>
+                </a:solidFill>
+                <a:highlight>
+                  <a:srgbClr val="000000"/>
+                </a:highlight>
+                <a:cs typeface="Courier New" panose="02070309020205020404" pitchFamily="49" charset="0"/>
+              </a:rPr>
+              <a:t>snakemake.config</a:t>
+            </a:r>
+            <a:endParaRPr lang="en-GB" sz="2000" dirty="0">
+              <a:solidFill>
+                <a:schemeClr val="bg1"/>
+              </a:solidFill>
+              <a:highlight>
+                <a:srgbClr val="000000"/>
+              </a:highlight>
+              <a:cs typeface="Courier New" panose="02070309020205020404" pitchFamily="49" charset="0"/>
+            </a:endParaRPr>
+          </a:p>
+          <a:p>
+            <a:pPr lvl="1"/>
+            <a:endParaRPr lang="en-GB" sz="2000" dirty="0">
+              <a:cs typeface="Courier New" panose="02070309020205020404" pitchFamily="49" charset="0"/>
+            </a:endParaRPr>
+          </a:p>
+          <a:p>
+            <a:r>
+              <a:rPr lang="en-GB" sz="2400" dirty="0">
+                <a:cs typeface="Courier New" panose="02070309020205020404" pitchFamily="49" charset="0"/>
+              </a:rPr>
+              <a:t>Example:</a:t>
+            </a:r>
+          </a:p>
+          <a:p>
+            <a:pPr lvl="1"/>
+            <a:r>
+              <a:rPr lang="en-GB" sz="2000" dirty="0" err="1">
+                <a:solidFill>
+                  <a:schemeClr val="bg1"/>
+                </a:solidFill>
+                <a:highlight>
+                  <a:srgbClr val="000000"/>
+                </a:highlight>
+                <a:cs typeface="Courier New" panose="02070309020205020404" pitchFamily="49" charset="0"/>
+              </a:rPr>
+              <a:t>inputfile</a:t>
+            </a:r>
+            <a:r>
+              <a:rPr lang="en-GB" sz="2000" dirty="0">
+                <a:solidFill>
+                  <a:schemeClr val="bg1"/>
+                </a:solidFill>
+                <a:highlight>
+                  <a:srgbClr val="000000"/>
+                </a:highlight>
+                <a:cs typeface="Courier New" panose="02070309020205020404" pitchFamily="49" charset="0"/>
+              </a:rPr>
+              <a:t> = </a:t>
+            </a:r>
+            <a:r>
+              <a:rPr lang="en-GB" sz="2000" dirty="0" err="1">
+                <a:solidFill>
+                  <a:schemeClr val="bg1"/>
+                </a:solidFill>
+                <a:highlight>
+                  <a:srgbClr val="000000"/>
+                </a:highlight>
+                <a:cs typeface="Courier New" panose="02070309020205020404" pitchFamily="49" charset="0"/>
+              </a:rPr>
+              <a:t>snakemake.input</a:t>
+            </a:r>
+            <a:r>
+              <a:rPr lang="en-GB" sz="2000" dirty="0">
+                <a:solidFill>
+                  <a:schemeClr val="bg1"/>
+                </a:solidFill>
+                <a:highlight>
+                  <a:srgbClr val="000000"/>
+                </a:highlight>
+                <a:cs typeface="Courier New" panose="02070309020205020404" pitchFamily="49" charset="0"/>
+              </a:rPr>
+              <a:t>[0]</a:t>
+            </a:r>
+          </a:p>
+          <a:p>
+            <a:pPr lvl="1"/>
+            <a:r>
+              <a:rPr lang="en-GB" sz="2000" dirty="0" err="1">
+                <a:solidFill>
+                  <a:schemeClr val="bg1"/>
+                </a:solidFill>
+                <a:highlight>
+                  <a:srgbClr val="000000"/>
+                </a:highlight>
+                <a:cs typeface="Courier New" panose="02070309020205020404" pitchFamily="49" charset="0"/>
+              </a:rPr>
+              <a:t>gatk_param</a:t>
+            </a:r>
+            <a:r>
+              <a:rPr lang="en-GB" sz="2000" dirty="0">
+                <a:solidFill>
+                  <a:schemeClr val="bg1"/>
+                </a:solidFill>
+                <a:highlight>
+                  <a:srgbClr val="000000"/>
+                </a:highlight>
+                <a:cs typeface="Courier New" panose="02070309020205020404" pitchFamily="49" charset="0"/>
+              </a:rPr>
+              <a:t> = </a:t>
+            </a:r>
+            <a:r>
+              <a:rPr lang="en-GB" sz="2000" dirty="0" err="1">
+                <a:solidFill>
+                  <a:schemeClr val="bg1"/>
+                </a:solidFill>
+                <a:highlight>
+                  <a:srgbClr val="000000"/>
+                </a:highlight>
+                <a:cs typeface="Courier New" panose="02070309020205020404" pitchFamily="49" charset="0"/>
+              </a:rPr>
+              <a:t>snakemake.params</a:t>
+            </a:r>
+            <a:r>
+              <a:rPr lang="en-GB" sz="2000" dirty="0">
+                <a:solidFill>
+                  <a:schemeClr val="bg1"/>
+                </a:solidFill>
+                <a:highlight>
+                  <a:srgbClr val="000000"/>
+                </a:highlight>
+                <a:cs typeface="Courier New" panose="02070309020205020404" pitchFamily="49" charset="0"/>
+              </a:rPr>
+              <a:t>[“</a:t>
+            </a:r>
+            <a:r>
+              <a:rPr lang="en-GB" sz="2000" dirty="0" err="1">
+                <a:solidFill>
+                  <a:schemeClr val="bg1"/>
+                </a:solidFill>
+                <a:highlight>
+                  <a:srgbClr val="000000"/>
+                </a:highlight>
+                <a:cs typeface="Courier New" panose="02070309020205020404" pitchFamily="49" charset="0"/>
+              </a:rPr>
+              <a:t>gatk</a:t>
+            </a:r>
+            <a:r>
+              <a:rPr lang="en-GB" sz="2000" dirty="0">
+                <a:solidFill>
+                  <a:schemeClr val="bg1"/>
+                </a:solidFill>
+                <a:highlight>
+                  <a:srgbClr val="000000"/>
+                </a:highlight>
+                <a:cs typeface="Courier New" panose="02070309020205020404" pitchFamily="49" charset="0"/>
+              </a:rPr>
+              <a:t>”]</a:t>
             </a:r>
           </a:p>
         </p:txBody>
@@ -8349,7 +6730,7 @@
     </p:spTree>
     <p:extLst>
       <p:ext uri="{BB962C8B-B14F-4D97-AF65-F5344CB8AC3E}">
-        <p14:creationId xmlns:p14="http://schemas.microsoft.com/office/powerpoint/2010/main" val="4187697904"/>
+        <p14:creationId xmlns:p14="http://schemas.microsoft.com/office/powerpoint/2010/main" val="834202506"/>
       </p:ext>
     </p:extLst>
   </p:cSld>
